--- a/MUIDSI_Hackathon_2024 11.05.27 AM.pptx
+++ b/MUIDSI_Hackathon_2024 11.05.27 AM.pptx
@@ -206,7 +206,7 @@
           <a:p>
             <a:fld id="{1372B91A-939A-C543-87E6-36CF679A5490}" type="datetimeFigureOut">
               <a:rPr lang="en-US" smtClean="0"/>
-              <a:t>4/9/24</a:t>
+              <a:t>4/9/2024</a:t>
             </a:fld>
             <a:endParaRPr lang="en-US"/>
           </a:p>
@@ -14152,7 +14152,7 @@
         <p:spPr>
           <a:xfrm>
             <a:off x="4224865" y="2571189"/>
-            <a:ext cx="7773633" cy="1382744"/>
+            <a:ext cx="7773633" cy="2287682"/>
           </a:xfrm>
           <a:prstGeom prst="rect">
             <a:avLst/>
@@ -14160,7 +14160,7 @@
         </p:spPr>
         <p:txBody>
           <a:bodyPr vert="horz" lIns="91440" tIns="45720" rIns="91440" bIns="45720" rtlCol="0">
-            <a:normAutofit lnSpcReduction="10000"/>
+            <a:normAutofit/>
           </a:bodyPr>
           <a:lstStyle>
             <a:lvl1pPr marL="0" indent="0" algn="l" defTabSz="914400" rtl="0" eaLnBrk="1" latinLnBrk="0" hangingPunct="1">
@@ -14364,6 +14364,16 @@
                 </a:solidFill>
               </a:rPr>
               <a:t>Ajay Kumar</a:t>
+            </a:r>
+          </a:p>
+          <a:p>
+            <a:r>
+              <a:rPr lang="en-US" dirty="0">
+                <a:solidFill>
+                  <a:schemeClr val="tx1"/>
+                </a:solidFill>
+              </a:rPr>
+              <a:t>Isha Deol</a:t>
             </a:r>
           </a:p>
         </p:txBody>
@@ -14992,19 +15002,8 @@
                 <a:latin typeface="Calibri" panose="020F0502020204030204" pitchFamily="34" charset="0"/>
                 <a:cs typeface="Times New Roman" panose="02020603050405020304" pitchFamily="18" charset="0"/>
               </a:rPr>
-              <a:t>You have some freedom in defining an outcome variable, but it must relate to the nations’ </a:t>
-            </a:r>
-            <a:r>
-              <a:rPr lang="en-US" sz="1900" kern="100" dirty="0" err="1">
-                <a:latin typeface="Calibri" panose="020F0502020204030204" pitchFamily="34" charset="0"/>
-                <a:cs typeface="Times New Roman" panose="02020603050405020304" pitchFamily="18" charset="0"/>
-              </a:rPr>
-              <a:t>healths</a:t>
-            </a:r>
-            <a:endParaRPr lang="en-US" sz="1900" kern="100" dirty="0">
-              <a:latin typeface="Calibri" panose="020F0502020204030204" pitchFamily="34" charset="0"/>
-              <a:cs typeface="Times New Roman" panose="02020603050405020304" pitchFamily="18" charset="0"/>
-            </a:endParaRPr>
+              <a:t>You have some freedom in defining an outcome variable, but it must relate to the nations’ health</a:t>
+            </a:r>
           </a:p>
           <a:p>
             <a:pPr marL="1028700" lvl="1" indent="-342900"/>
@@ -17095,6 +17094,15 @@
 </file>
 
 <file path=customXml/item1.xml><?xml version="1.0" encoding="utf-8"?>
+<?mso-contentType ?>
+<FormTemplates xmlns="http://schemas.microsoft.com/sharepoint/v3/contenttype/forms">
+  <Display>DocumentLibraryForm</Display>
+  <Edit>DocumentLibraryForm</Edit>
+  <New>DocumentLibraryForm</New>
+</FormTemplates>
+</file>
+
+<file path=customXml/item2.xml><?xml version="1.0" encoding="utf-8"?>
 <p:properties xmlns:p="http://schemas.microsoft.com/office/2006/metadata/properties" xmlns:xsi="http://www.w3.org/2001/XMLSchema-instance" xmlns:pc="http://schemas.microsoft.com/office/infopath/2007/PartnerControls">
   <documentManagement>
     <TaxCatchAll xmlns="4e822213-79e0-466b-8a07-6ccb94f3e524" xsi:nil="true"/>
@@ -17103,15 +17111,6 @@
     </lcf76f155ced4ddcb4097134ff3c332f>
   </documentManagement>
 </p:properties>
-</file>
-
-<file path=customXml/item2.xml><?xml version="1.0" encoding="utf-8"?>
-<?mso-contentType ?>
-<FormTemplates xmlns="http://schemas.microsoft.com/sharepoint/v3/contenttype/forms">
-  <Display>DocumentLibraryForm</Display>
-  <Edit>DocumentLibraryForm</Edit>
-  <New>DocumentLibraryForm</New>
-</FormTemplates>
 </file>
 
 <file path=customXml/item3.xml><?xml version="1.0" encoding="utf-8"?>
@@ -17364,20 +17363,20 @@
 </file>
 
 <file path=customXml/itemProps1.xml><?xml version="1.0" encoding="utf-8"?>
+<ds:datastoreItem xmlns:ds="http://schemas.openxmlformats.org/officeDocument/2006/customXml" ds:itemID="{E6694EB8-9EA8-4394-810E-1922C688FF28}">
+  <ds:schemaRefs>
+    <ds:schemaRef ds:uri="http://schemas.microsoft.com/sharepoint/v3/contenttype/forms"/>
+  </ds:schemaRefs>
+</ds:datastoreItem>
+</file>
+
+<file path=customXml/itemProps2.xml><?xml version="1.0" encoding="utf-8"?>
 <ds:datastoreItem xmlns:ds="http://schemas.openxmlformats.org/officeDocument/2006/customXml" ds:itemID="{78A43361-620C-4CCB-B484-1D8E4E48F4D1}">
   <ds:schemaRefs>
     <ds:schemaRef ds:uri="http://schemas.microsoft.com/office/2006/metadata/properties"/>
     <ds:schemaRef ds:uri="http://schemas.microsoft.com/office/infopath/2007/PartnerControls"/>
     <ds:schemaRef ds:uri="4e822213-79e0-466b-8a07-6ccb94f3e524"/>
     <ds:schemaRef ds:uri="8f59010d-bfae-4690-b442-17aac1929a53"/>
-  </ds:schemaRefs>
-</ds:datastoreItem>
-</file>
-
-<file path=customXml/itemProps2.xml><?xml version="1.0" encoding="utf-8"?>
-<ds:datastoreItem xmlns:ds="http://schemas.openxmlformats.org/officeDocument/2006/customXml" ds:itemID="{E6694EB8-9EA8-4394-810E-1922C688FF28}">
-  <ds:schemaRefs>
-    <ds:schemaRef ds:uri="http://schemas.microsoft.com/sharepoint/v3/contenttype/forms"/>
   </ds:schemaRefs>
 </ds:datastoreItem>
 </file>

--- a/MUIDSI_Hackathon_2024 11.05.27 AM.pptx
+++ b/MUIDSI_Hackathon_2024 11.05.27 AM.pptx
@@ -5,19 +5,21 @@
     <p:sldMasterId id="2147483648" r:id="rId4"/>
   </p:sldMasterIdLst>
   <p:notesMasterIdLst>
-    <p:notesMasterId r:id="rId15"/>
+    <p:notesMasterId r:id="rId17"/>
   </p:notesMasterIdLst>
   <p:sldIdLst>
     <p:sldId id="274" r:id="rId5"/>
     <p:sldId id="260" r:id="rId6"/>
     <p:sldId id="276" r:id="rId7"/>
     <p:sldId id="281" r:id="rId8"/>
-    <p:sldId id="285" r:id="rId9"/>
-    <p:sldId id="282" r:id="rId10"/>
-    <p:sldId id="284" r:id="rId11"/>
-    <p:sldId id="283" r:id="rId12"/>
-    <p:sldId id="277" r:id="rId13"/>
-    <p:sldId id="279" r:id="rId14"/>
+    <p:sldId id="286" r:id="rId9"/>
+    <p:sldId id="287" r:id="rId10"/>
+    <p:sldId id="288" r:id="rId11"/>
+    <p:sldId id="285" r:id="rId12"/>
+    <p:sldId id="282" r:id="rId13"/>
+    <p:sldId id="284" r:id="rId14"/>
+    <p:sldId id="283" r:id="rId15"/>
+    <p:sldId id="279" r:id="rId16"/>
   </p:sldIdLst>
   <p:sldSz cx="12192000" cy="6858000"/>
   <p:notesSz cx="6858000" cy="9144000"/>
@@ -206,7 +208,7 @@
           <a:p>
             <a:fld id="{1372B91A-939A-C543-87E6-36CF679A5490}" type="datetimeFigureOut">
               <a:rPr lang="en-US" smtClean="0"/>
-              <a:t>4/9/2024</a:t>
+              <a:t>4/10/2024</a:t>
             </a:fld>
             <a:endParaRPr lang="en-US"/>
           </a:p>
@@ -14028,7 +14030,7 @@
         </p:nvSpPr>
         <p:spPr>
           <a:xfrm>
-            <a:off x="4140198" y="1641837"/>
+            <a:off x="4140198" y="1751035"/>
             <a:ext cx="7773633" cy="541538"/>
           </a:xfrm>
         </p:spPr>
@@ -14097,7 +14099,7 @@
         </p:blipFill>
         <p:spPr>
           <a:xfrm>
-            <a:off x="3621091" y="6086261"/>
+            <a:off x="3724718" y="6143603"/>
             <a:ext cx="1038215" cy="541538"/>
           </a:xfrm>
           <a:prstGeom prst="rect">
@@ -14151,8 +14153,8 @@
         </p:nvSpPr>
         <p:spPr>
           <a:xfrm>
-            <a:off x="4224865" y="2571189"/>
-            <a:ext cx="7773633" cy="2287682"/>
+            <a:off x="4296583" y="2548738"/>
+            <a:ext cx="4004735" cy="2287682"/>
           </a:xfrm>
           <a:prstGeom prst="rect">
             <a:avLst/>
@@ -14330,30 +14332,32 @@
           </a:lstStyle>
           <a:p>
             <a:r>
+              <a:rPr lang="en-US" b="1" dirty="0">
+                <a:solidFill>
+                  <a:schemeClr val="tx1"/>
+                </a:solidFill>
+              </a:rPr>
+              <a:t>Team#1 </a:t>
+            </a:r>
+          </a:p>
+          <a:p>
+            <a:r>
               <a:rPr lang="en-US" dirty="0">
                 <a:solidFill>
                   <a:schemeClr val="tx1"/>
                 </a:solidFill>
               </a:rPr>
-              <a:t>Team: 1 </a:t>
-            </a:r>
-          </a:p>
-          <a:p>
-            <a:r>
-              <a:rPr lang="en-US" dirty="0" err="1">
-                <a:solidFill>
-                  <a:schemeClr val="tx1"/>
-                </a:solidFill>
-              </a:rPr>
-              <a:t>Khawar</a:t>
-            </a:r>
+              <a:t>Isha Deol</a:t>
+            </a:r>
+          </a:p>
+          <a:p>
             <a:r>
               <a:rPr lang="en-US" dirty="0">
                 <a:solidFill>
                   <a:schemeClr val="tx1"/>
                 </a:solidFill>
               </a:rPr>
-              <a:t> Shehzad</a:t>
+              <a:t>Khawar Shehzad</a:t>
             </a:r>
           </a:p>
           <a:p>
@@ -14364,16 +14368,6 @@
                 </a:solidFill>
               </a:rPr>
               <a:t>Ajay Kumar</a:t>
-            </a:r>
-          </a:p>
-          <a:p>
-            <a:r>
-              <a:rPr lang="en-US" dirty="0">
-                <a:solidFill>
-                  <a:schemeClr val="tx1"/>
-                </a:solidFill>
-              </a:rPr>
-              <a:t>Isha Deol</a:t>
             </a:r>
           </a:p>
         </p:txBody>
@@ -14392,6 +14386,621 @@
 </file>
 
 <file path=ppt/slides/slide10.xml><?xml version="1.0" encoding="utf-8"?>
+<p:sld xmlns:a="http://schemas.openxmlformats.org/drawingml/2006/main" xmlns:r="http://schemas.openxmlformats.org/officeDocument/2006/relationships" xmlns:p="http://schemas.openxmlformats.org/presentationml/2006/main">
+  <p:cSld>
+    <p:spTree>
+      <p:nvGrpSpPr>
+        <p:cNvPr id="1" name=""/>
+        <p:cNvGrpSpPr/>
+        <p:nvPr/>
+      </p:nvGrpSpPr>
+      <p:grpSpPr>
+        <a:xfrm>
+          <a:off x="0" y="0"/>
+          <a:ext cx="0" cy="0"/>
+          <a:chOff x="0" y="0"/>
+          <a:chExt cx="0" cy="0"/>
+        </a:xfrm>
+      </p:grpSpPr>
+      <p:sp>
+        <p:nvSpPr>
+          <p:cNvPr id="2" name="Title 1">
+            <a:extLst>
+              <a:ext uri="{FF2B5EF4-FFF2-40B4-BE49-F238E27FC236}">
+                <a16:creationId xmlns:a16="http://schemas.microsoft.com/office/drawing/2014/main" id="{027B3D95-F6C5-80B0-A17A-F0896639DEA1}"/>
+              </a:ext>
+            </a:extLst>
+          </p:cNvPr>
+          <p:cNvSpPr>
+            <a:spLocks noGrp="1"/>
+          </p:cNvSpPr>
+          <p:nvPr>
+            <p:ph type="title"/>
+          </p:nvPr>
+        </p:nvSpPr>
+        <p:spPr/>
+        <p:txBody>
+          <a:bodyPr>
+            <a:normAutofit fontScale="90000"/>
+          </a:bodyPr>
+          <a:lstStyle/>
+          <a:p>
+            <a:r>
+              <a:rPr lang="en-US" dirty="0"/>
+              <a:t>Presentation of Results &amp; Suggested Intervention(s)</a:t>
+            </a:r>
+          </a:p>
+        </p:txBody>
+      </p:sp>
+      <p:sp>
+        <p:nvSpPr>
+          <p:cNvPr id="3" name="Content Placeholder 2">
+            <a:extLst>
+              <a:ext uri="{FF2B5EF4-FFF2-40B4-BE49-F238E27FC236}">
+                <a16:creationId xmlns:a16="http://schemas.microsoft.com/office/drawing/2014/main" id="{CBF69D0C-1D87-205F-FF81-6BAAB3E0113D}"/>
+              </a:ext>
+            </a:extLst>
+          </p:cNvPr>
+          <p:cNvSpPr>
+            <a:spLocks noGrp="1"/>
+          </p:cNvSpPr>
+          <p:nvPr>
+            <p:ph sz="half" idx="1"/>
+          </p:nvPr>
+        </p:nvSpPr>
+        <p:spPr>
+          <a:xfrm>
+            <a:off x="457200" y="2063662"/>
+            <a:ext cx="11353800" cy="3544282"/>
+          </a:xfrm>
+        </p:spPr>
+        <p:txBody>
+          <a:bodyPr>
+            <a:normAutofit fontScale="92500" lnSpcReduction="10000"/>
+          </a:bodyPr>
+          <a:lstStyle/>
+          <a:p>
+            <a:pPr marL="342900" indent="-342900">
+              <a:buFont typeface="Arial" panose="020B0604020202020204" pitchFamily="34" charset="0"/>
+              <a:buChar char="•"/>
+            </a:pPr>
+            <a:r>
+              <a:rPr lang="en-US" sz="1900" b="1" kern="100" dirty="0">
+                <a:solidFill>
+                  <a:srgbClr val="FF0000"/>
+                </a:solidFill>
+                <a:latin typeface="Calibri" panose="020F0502020204030204" pitchFamily="34" charset="0"/>
+                <a:cs typeface="Times New Roman" panose="02020603050405020304" pitchFamily="18" charset="0"/>
+              </a:rPr>
+              <a:t>Based on your models’ results and qualitative analyses, suggest 3 interventions for the US to improve in the features you’ve identified</a:t>
+            </a:r>
+          </a:p>
+          <a:p>
+            <a:pPr marL="342900" indent="-342900">
+              <a:buFont typeface="Arial" panose="020B0604020202020204" pitchFamily="34" charset="0"/>
+              <a:buChar char="•"/>
+            </a:pPr>
+            <a:r>
+              <a:rPr lang="en-US" sz="1900" kern="100" dirty="0">
+                <a:latin typeface="Calibri" panose="020F0502020204030204" pitchFamily="34" charset="0"/>
+                <a:cs typeface="Times New Roman" panose="02020603050405020304" pitchFamily="18" charset="0"/>
+              </a:rPr>
+              <a:t>All information must be summarized and presented in a well-made PowerPoint</a:t>
+            </a:r>
+          </a:p>
+          <a:p>
+            <a:pPr marL="342900" indent="-342900">
+              <a:buFont typeface="Arial" panose="020B0604020202020204" pitchFamily="34" charset="0"/>
+              <a:buChar char="•"/>
+            </a:pPr>
+            <a:r>
+              <a:rPr lang="en-US" sz="1900" kern="100" dirty="0">
+                <a:latin typeface="Calibri" panose="020F0502020204030204" pitchFamily="34" charset="0"/>
+                <a:cs typeface="Times New Roman" panose="02020603050405020304" pitchFamily="18" charset="0"/>
+              </a:rPr>
+              <a:t>Technical Requirements</a:t>
+            </a:r>
+          </a:p>
+          <a:p>
+            <a:pPr marL="1028700" lvl="1" indent="-342900"/>
+            <a:r>
+              <a:rPr lang="en-US" sz="1700" kern="100" dirty="0">
+                <a:latin typeface="Calibri" panose="020F0502020204030204" pitchFamily="34" charset="0"/>
+                <a:cs typeface="Times New Roman" panose="02020603050405020304" pitchFamily="18" charset="0"/>
+              </a:rPr>
+              <a:t>Slides must be submitted to my email (</a:t>
+            </a:r>
+            <a:r>
+              <a:rPr lang="en-US" sz="1700" kern="100" dirty="0">
+                <a:latin typeface="Calibri" panose="020F0502020204030204" pitchFamily="34" charset="0"/>
+                <a:cs typeface="Times New Roman" panose="02020603050405020304" pitchFamily="18" charset="0"/>
+                <a:hlinkClick r:id="rId2"/>
+              </a:rPr>
+              <a:t>tjm4q2@umsystem.edu</a:t>
+            </a:r>
+            <a:r>
+              <a:rPr lang="en-US" sz="1700" kern="100" dirty="0">
+                <a:latin typeface="Calibri" panose="020F0502020204030204" pitchFamily="34" charset="0"/>
+                <a:cs typeface="Times New Roman" panose="02020603050405020304" pitchFamily="18" charset="0"/>
+              </a:rPr>
+              <a:t>) by </a:t>
+            </a:r>
+            <a:r>
+              <a:rPr lang="en-US" sz="1700" b="1" kern="100" dirty="0">
+                <a:solidFill>
+                  <a:srgbClr val="FF0000"/>
+                </a:solidFill>
+                <a:latin typeface="Calibri" panose="020F0502020204030204" pitchFamily="34" charset="0"/>
+                <a:cs typeface="Times New Roman" panose="02020603050405020304" pitchFamily="18" charset="0"/>
+              </a:rPr>
+              <a:t>4pm on Wednesday, 10 April 2024</a:t>
+            </a:r>
+          </a:p>
+          <a:p>
+            <a:pPr marL="1028700" lvl="1" indent="-342900"/>
+            <a:r>
+              <a:rPr lang="en-US" sz="1700" kern="100" dirty="0">
+                <a:latin typeface="Calibri" panose="020F0502020204030204" pitchFamily="34" charset="0"/>
+                <a:cs typeface="Times New Roman" panose="02020603050405020304" pitchFamily="18" charset="0"/>
+              </a:rPr>
+              <a:t>Name your file your “Team_#” so that I can have them easily accessible</a:t>
+            </a:r>
+          </a:p>
+          <a:p>
+            <a:pPr marL="1028700" lvl="1" indent="-342900"/>
+            <a:r>
+              <a:rPr lang="en-US" sz="1700" kern="100" dirty="0">
+                <a:latin typeface="Calibri" panose="020F0502020204030204" pitchFamily="34" charset="0"/>
+                <a:cs typeface="Times New Roman" panose="02020603050405020304" pitchFamily="18" charset="0"/>
+              </a:rPr>
+              <a:t>Please include your “Team #” as a small header or footer on </a:t>
+            </a:r>
+            <a:r>
+              <a:rPr lang="en-US" sz="1700" i="1" kern="100" dirty="0">
+                <a:latin typeface="Calibri" panose="020F0502020204030204" pitchFamily="34" charset="0"/>
+                <a:cs typeface="Times New Roman" panose="02020603050405020304" pitchFamily="18" charset="0"/>
+              </a:rPr>
+              <a:t>all</a:t>
+            </a:r>
+            <a:r>
+              <a:rPr lang="en-US" sz="1700" kern="100" dirty="0">
+                <a:latin typeface="Calibri" panose="020F0502020204030204" pitchFamily="34" charset="0"/>
+                <a:cs typeface="Times New Roman" panose="02020603050405020304" pitchFamily="18" charset="0"/>
+              </a:rPr>
+              <a:t> your slides so the judges can clearly see which team they are scoring</a:t>
+            </a:r>
+          </a:p>
+          <a:p>
+            <a:pPr marL="1028700" lvl="1" indent="-342900"/>
+            <a:r>
+              <a:rPr lang="en-US" sz="1700" b="1" kern="100" dirty="0">
+                <a:latin typeface="Calibri" panose="020F0502020204030204" pitchFamily="34" charset="0"/>
+                <a:cs typeface="Times New Roman" panose="02020603050405020304" pitchFamily="18" charset="0"/>
+              </a:rPr>
+              <a:t>No running code during the presentation or presenting with personal laptops</a:t>
+            </a:r>
+          </a:p>
+          <a:p>
+            <a:pPr marL="1485900" lvl="2" indent="-342900"/>
+            <a:r>
+              <a:rPr lang="en-US" sz="1300" kern="100" dirty="0">
+                <a:latin typeface="Calibri" panose="020F0502020204030204" pitchFamily="34" charset="0"/>
+                <a:cs typeface="Times New Roman" panose="02020603050405020304" pitchFamily="18" charset="0"/>
+              </a:rPr>
+              <a:t>If you would like to present your code for a conceptual reason, use screenshots or copy and paste it into your slides as text</a:t>
+            </a:r>
+          </a:p>
+          <a:p>
+            <a:pPr marL="1028700" lvl="1" indent="-342900"/>
+            <a:r>
+              <a:rPr lang="en-US" sz="1700" kern="100" dirty="0">
+                <a:latin typeface="Calibri" panose="020F0502020204030204" pitchFamily="34" charset="0"/>
+                <a:cs typeface="Times New Roman" panose="02020603050405020304" pitchFamily="18" charset="0"/>
+              </a:rPr>
+              <a:t>At least two </a:t>
+            </a:r>
+            <a:r>
+              <a:rPr lang="en-US" sz="1700" i="1" kern="100" dirty="0">
+                <a:latin typeface="Calibri" panose="020F0502020204030204" pitchFamily="34" charset="0"/>
+                <a:cs typeface="Times New Roman" panose="02020603050405020304" pitchFamily="18" charset="0"/>
+              </a:rPr>
+              <a:t>meaningful </a:t>
+            </a:r>
+            <a:r>
+              <a:rPr lang="en-US" sz="1700" kern="100" dirty="0">
+                <a:latin typeface="Calibri" panose="020F0502020204030204" pitchFamily="34" charset="0"/>
+                <a:cs typeface="Times New Roman" panose="02020603050405020304" pitchFamily="18" charset="0"/>
+              </a:rPr>
+              <a:t>graphics must be included</a:t>
+            </a:r>
+          </a:p>
+          <a:p>
+            <a:pPr marL="1028700" lvl="1" indent="-342900"/>
+            <a:r>
+              <a:rPr lang="en-US" sz="1700" kern="100" dirty="0">
+                <a:latin typeface="Calibri" panose="020F0502020204030204" pitchFamily="34" charset="0"/>
+                <a:cs typeface="Times New Roman" panose="02020603050405020304" pitchFamily="18" charset="0"/>
+              </a:rPr>
+              <a:t>Each team will be given 8 minutes to present and answer questions (summarize well!)</a:t>
+            </a:r>
+          </a:p>
+          <a:p>
+            <a:pPr marL="1028700" lvl="1" indent="-342900"/>
+            <a:r>
+              <a:rPr lang="en-US" sz="1700" kern="100" dirty="0">
+                <a:latin typeface="Calibri" panose="020F0502020204030204" pitchFamily="34" charset="0"/>
+                <a:cs typeface="Times New Roman" panose="02020603050405020304" pitchFamily="18" charset="0"/>
+              </a:rPr>
+              <a:t>Not all team members are required to orally present, but all must be present</a:t>
+            </a:r>
+          </a:p>
+        </p:txBody>
+      </p:sp>
+      <p:sp>
+        <p:nvSpPr>
+          <p:cNvPr id="5" name="Subtitle 4">
+            <a:extLst>
+              <a:ext uri="{FF2B5EF4-FFF2-40B4-BE49-F238E27FC236}">
+                <a16:creationId xmlns:a16="http://schemas.microsoft.com/office/drawing/2014/main" id="{02FC6EA5-46EB-F460-D664-775F68FA9BE9}"/>
+              </a:ext>
+            </a:extLst>
+          </p:cNvPr>
+          <p:cNvSpPr>
+            <a:spLocks noGrp="1"/>
+          </p:cNvSpPr>
+          <p:nvPr>
+            <p:ph type="subTitle" idx="10"/>
+          </p:nvPr>
+        </p:nvSpPr>
+        <p:spPr/>
+        <p:txBody>
+          <a:bodyPr/>
+          <a:lstStyle/>
+          <a:p>
+            <a:r>
+              <a:rPr lang="en-US" dirty="0"/>
+              <a:t>Presentation Requirements</a:t>
+            </a:r>
+            <a:endParaRPr lang="en-US" dirty="0">
+              <a:solidFill>
+                <a:schemeClr val="bg2">
+                  <a:lumMod val="50000"/>
+                </a:schemeClr>
+              </a:solidFill>
+            </a:endParaRPr>
+          </a:p>
+        </p:txBody>
+      </p:sp>
+      <p:cxnSp>
+        <p:nvCxnSpPr>
+          <p:cNvPr id="6" name="Straight Connector 5">
+            <a:extLst>
+              <a:ext uri="{FF2B5EF4-FFF2-40B4-BE49-F238E27FC236}">
+                <a16:creationId xmlns:a16="http://schemas.microsoft.com/office/drawing/2014/main" id="{7169B28C-7030-DCA1-4B1D-7E54D1942D32}"/>
+              </a:ext>
+            </a:extLst>
+          </p:cNvPr>
+          <p:cNvCxnSpPr>
+            <a:cxnSpLocks/>
+          </p:cNvCxnSpPr>
+          <p:nvPr/>
+        </p:nvCxnSpPr>
+        <p:spPr>
+          <a:xfrm>
+            <a:off x="457198" y="1800031"/>
+            <a:ext cx="11353802" cy="0"/>
+          </a:xfrm>
+          <a:prstGeom prst="line">
+            <a:avLst/>
+          </a:prstGeom>
+          <a:ln w="22225">
+            <a:solidFill>
+              <a:schemeClr val="bg2">
+                <a:lumMod val="50000"/>
+              </a:schemeClr>
+            </a:solidFill>
+          </a:ln>
+        </p:spPr>
+        <p:style>
+          <a:lnRef idx="1">
+            <a:schemeClr val="accent1"/>
+          </a:lnRef>
+          <a:fillRef idx="0">
+            <a:schemeClr val="accent1"/>
+          </a:fillRef>
+          <a:effectRef idx="0">
+            <a:schemeClr val="accent1"/>
+          </a:effectRef>
+          <a:fontRef idx="minor">
+            <a:schemeClr val="tx1"/>
+          </a:fontRef>
+        </p:style>
+      </p:cxnSp>
+    </p:spTree>
+    <p:extLst>
+      <p:ext uri="{BB962C8B-B14F-4D97-AF65-F5344CB8AC3E}">
+        <p14:creationId xmlns:p14="http://schemas.microsoft.com/office/powerpoint/2010/main" val="1153749155"/>
+      </p:ext>
+    </p:extLst>
+  </p:cSld>
+  <p:clrMapOvr>
+    <a:masterClrMapping/>
+  </p:clrMapOvr>
+</p:sld>
+</file>
+
+<file path=ppt/slides/slide11.xml><?xml version="1.0" encoding="utf-8"?>
+<p:sld xmlns:a="http://schemas.openxmlformats.org/drawingml/2006/main" xmlns:r="http://schemas.openxmlformats.org/officeDocument/2006/relationships" xmlns:p="http://schemas.openxmlformats.org/presentationml/2006/main">
+  <p:cSld>
+    <p:spTree>
+      <p:nvGrpSpPr>
+        <p:cNvPr id="1" name=""/>
+        <p:cNvGrpSpPr/>
+        <p:nvPr/>
+      </p:nvGrpSpPr>
+      <p:grpSpPr>
+        <a:xfrm>
+          <a:off x="0" y="0"/>
+          <a:ext cx="0" cy="0"/>
+          <a:chOff x="0" y="0"/>
+          <a:chExt cx="0" cy="0"/>
+        </a:xfrm>
+      </p:grpSpPr>
+      <p:sp>
+        <p:nvSpPr>
+          <p:cNvPr id="2" name="Title 1">
+            <a:extLst>
+              <a:ext uri="{FF2B5EF4-FFF2-40B4-BE49-F238E27FC236}">
+                <a16:creationId xmlns:a16="http://schemas.microsoft.com/office/drawing/2014/main" id="{027B3D95-F6C5-80B0-A17A-F0896639DEA1}"/>
+              </a:ext>
+            </a:extLst>
+          </p:cNvPr>
+          <p:cNvSpPr>
+            <a:spLocks noGrp="1"/>
+          </p:cNvSpPr>
+          <p:nvPr>
+            <p:ph type="title"/>
+          </p:nvPr>
+        </p:nvSpPr>
+        <p:spPr/>
+        <p:txBody>
+          <a:bodyPr>
+            <a:normAutofit/>
+          </a:bodyPr>
+          <a:lstStyle/>
+          <a:p>
+            <a:r>
+              <a:rPr lang="en-US" dirty="0"/>
+              <a:t>Scoring</a:t>
+            </a:r>
+          </a:p>
+        </p:txBody>
+      </p:sp>
+      <p:sp>
+        <p:nvSpPr>
+          <p:cNvPr id="3" name="Content Placeholder 2">
+            <a:extLst>
+              <a:ext uri="{FF2B5EF4-FFF2-40B4-BE49-F238E27FC236}">
+                <a16:creationId xmlns:a16="http://schemas.microsoft.com/office/drawing/2014/main" id="{CBF69D0C-1D87-205F-FF81-6BAAB3E0113D}"/>
+              </a:ext>
+            </a:extLst>
+          </p:cNvPr>
+          <p:cNvSpPr>
+            <a:spLocks noGrp="1"/>
+          </p:cNvSpPr>
+          <p:nvPr>
+            <p:ph sz="half" idx="1"/>
+          </p:nvPr>
+        </p:nvSpPr>
+        <p:spPr>
+          <a:xfrm>
+            <a:off x="457200" y="2063662"/>
+            <a:ext cx="11353800" cy="3544282"/>
+          </a:xfrm>
+        </p:spPr>
+        <p:txBody>
+          <a:bodyPr>
+            <a:normAutofit/>
+          </a:bodyPr>
+          <a:lstStyle/>
+          <a:p>
+            <a:r>
+              <a:rPr lang="en-US" sz="1900" b="1" kern="100" dirty="0">
+                <a:solidFill>
+                  <a:srgbClr val="FF0000"/>
+                </a:solidFill>
+                <a:latin typeface="Calibri" panose="020F0502020204030204" pitchFamily="34" charset="0"/>
+                <a:cs typeface="Times New Roman" panose="02020603050405020304" pitchFamily="18" charset="0"/>
+              </a:rPr>
+              <a:t>70 Total Possible Points (partial points allowed)</a:t>
+            </a:r>
+          </a:p>
+          <a:p>
+            <a:pPr marL="342900" indent="-342900">
+              <a:buFont typeface="Arial" panose="020B0604020202020204" pitchFamily="34" charset="0"/>
+              <a:buChar char="•"/>
+            </a:pPr>
+            <a:r>
+              <a:rPr lang="en-US" sz="1900" kern="100" dirty="0">
+                <a:latin typeface="Calibri" panose="020F0502020204030204" pitchFamily="34" charset="0"/>
+                <a:cs typeface="Times New Roman" panose="02020603050405020304" pitchFamily="18" charset="0"/>
+              </a:rPr>
+              <a:t>Outcome variable selection and relevance (10 points)</a:t>
+            </a:r>
+          </a:p>
+          <a:p>
+            <a:pPr marL="342900" indent="-342900">
+              <a:buFont typeface="Arial" panose="020B0604020202020204" pitchFamily="34" charset="0"/>
+              <a:buChar char="•"/>
+            </a:pPr>
+            <a:r>
+              <a:rPr lang="en-US" sz="1900" kern="100" dirty="0">
+                <a:latin typeface="Calibri" panose="020F0502020204030204" pitchFamily="34" charset="0"/>
+                <a:cs typeface="Times New Roman" panose="02020603050405020304" pitchFamily="18" charset="0"/>
+              </a:rPr>
+              <a:t>Model accuracy and results (10 points)</a:t>
+            </a:r>
+          </a:p>
+          <a:p>
+            <a:pPr marL="342900" indent="-342900">
+              <a:buFont typeface="Arial" panose="020B0604020202020204" pitchFamily="34" charset="0"/>
+              <a:buChar char="•"/>
+            </a:pPr>
+            <a:r>
+              <a:rPr lang="en-US" sz="1900" kern="100" dirty="0">
+                <a:latin typeface="Calibri" panose="020F0502020204030204" pitchFamily="34" charset="0"/>
+                <a:cs typeface="Times New Roman" panose="02020603050405020304" pitchFamily="18" charset="0"/>
+              </a:rPr>
+              <a:t>Analysis (10 points)</a:t>
+            </a:r>
+          </a:p>
+          <a:p>
+            <a:pPr marL="342900" indent="-342900">
+              <a:buFont typeface="Arial" panose="020B0604020202020204" pitchFamily="34" charset="0"/>
+              <a:buChar char="•"/>
+            </a:pPr>
+            <a:r>
+              <a:rPr lang="en-US" sz="1900" kern="100" dirty="0">
+                <a:latin typeface="Calibri" panose="020F0502020204030204" pitchFamily="34" charset="0"/>
+                <a:cs typeface="Times New Roman" panose="02020603050405020304" pitchFamily="18" charset="0"/>
+              </a:rPr>
+              <a:t>Effective use of graphics (10 points)</a:t>
+            </a:r>
+          </a:p>
+          <a:p>
+            <a:pPr marL="342900" indent="-342900">
+              <a:buFont typeface="Arial" panose="020B0604020202020204" pitchFamily="34" charset="0"/>
+              <a:buChar char="•"/>
+            </a:pPr>
+            <a:r>
+              <a:rPr lang="en-US" sz="1900" kern="100" dirty="0">
+                <a:latin typeface="Calibri" panose="020F0502020204030204" pitchFamily="34" charset="0"/>
+                <a:cs typeface="Times New Roman" panose="02020603050405020304" pitchFamily="18" charset="0"/>
+              </a:rPr>
+              <a:t>Presentation quality, spelling/grammar, organization, etc. (10 points)</a:t>
+            </a:r>
+          </a:p>
+          <a:p>
+            <a:pPr marL="342900" indent="-342900">
+              <a:buFont typeface="Arial" panose="020B0604020202020204" pitchFamily="34" charset="0"/>
+              <a:buChar char="•"/>
+            </a:pPr>
+            <a:r>
+              <a:rPr lang="en-US" sz="1900" kern="100" dirty="0">
+                <a:latin typeface="Calibri" panose="020F0502020204030204" pitchFamily="34" charset="0"/>
+                <a:cs typeface="Times New Roman" panose="02020603050405020304" pitchFamily="18" charset="0"/>
+              </a:rPr>
+              <a:t>Support of qualitative investigation (10 points)</a:t>
+            </a:r>
+          </a:p>
+          <a:p>
+            <a:pPr marL="342900" indent="-342900">
+              <a:buFont typeface="Arial" panose="020B0604020202020204" pitchFamily="34" charset="0"/>
+              <a:buChar char="•"/>
+            </a:pPr>
+            <a:r>
+              <a:rPr lang="en-US" sz="1900" kern="100" dirty="0">
+                <a:latin typeface="Calibri" panose="020F0502020204030204" pitchFamily="34" charset="0"/>
+                <a:cs typeface="Times New Roman" panose="02020603050405020304" pitchFamily="18" charset="0"/>
+              </a:rPr>
+              <a:t>Strength of intervention recommendations (10 points)</a:t>
+            </a:r>
+          </a:p>
+        </p:txBody>
+      </p:sp>
+      <p:sp>
+        <p:nvSpPr>
+          <p:cNvPr id="5" name="Subtitle 4">
+            <a:extLst>
+              <a:ext uri="{FF2B5EF4-FFF2-40B4-BE49-F238E27FC236}">
+                <a16:creationId xmlns:a16="http://schemas.microsoft.com/office/drawing/2014/main" id="{02FC6EA5-46EB-F460-D664-775F68FA9BE9}"/>
+              </a:ext>
+            </a:extLst>
+          </p:cNvPr>
+          <p:cNvSpPr>
+            <a:spLocks noGrp="1"/>
+          </p:cNvSpPr>
+          <p:nvPr>
+            <p:ph type="subTitle" idx="10"/>
+          </p:nvPr>
+        </p:nvSpPr>
+        <p:spPr/>
+        <p:txBody>
+          <a:bodyPr/>
+          <a:lstStyle/>
+          <a:p>
+            <a:r>
+              <a:rPr lang="en-US" dirty="0">
+                <a:solidFill>
+                  <a:schemeClr val="bg2">
+                    <a:lumMod val="50000"/>
+                  </a:schemeClr>
+                </a:solidFill>
+              </a:rPr>
+              <a:t>How will judges being scoring your presentation?</a:t>
+            </a:r>
+          </a:p>
+        </p:txBody>
+      </p:sp>
+      <p:cxnSp>
+        <p:nvCxnSpPr>
+          <p:cNvPr id="6" name="Straight Connector 5">
+            <a:extLst>
+              <a:ext uri="{FF2B5EF4-FFF2-40B4-BE49-F238E27FC236}">
+                <a16:creationId xmlns:a16="http://schemas.microsoft.com/office/drawing/2014/main" id="{7169B28C-7030-DCA1-4B1D-7E54D1942D32}"/>
+              </a:ext>
+            </a:extLst>
+          </p:cNvPr>
+          <p:cNvCxnSpPr>
+            <a:cxnSpLocks/>
+          </p:cNvCxnSpPr>
+          <p:nvPr/>
+        </p:nvCxnSpPr>
+        <p:spPr>
+          <a:xfrm>
+            <a:off x="457198" y="1800031"/>
+            <a:ext cx="11353802" cy="0"/>
+          </a:xfrm>
+          <a:prstGeom prst="line">
+            <a:avLst/>
+          </a:prstGeom>
+          <a:ln w="22225">
+            <a:solidFill>
+              <a:schemeClr val="bg2">
+                <a:lumMod val="50000"/>
+              </a:schemeClr>
+            </a:solidFill>
+          </a:ln>
+        </p:spPr>
+        <p:style>
+          <a:lnRef idx="1">
+            <a:schemeClr val="accent1"/>
+          </a:lnRef>
+          <a:fillRef idx="0">
+            <a:schemeClr val="accent1"/>
+          </a:fillRef>
+          <a:effectRef idx="0">
+            <a:schemeClr val="accent1"/>
+          </a:effectRef>
+          <a:fontRef idx="minor">
+            <a:schemeClr val="tx1"/>
+          </a:fontRef>
+        </p:style>
+      </p:cxnSp>
+    </p:spTree>
+    <p:extLst>
+      <p:ext uri="{BB962C8B-B14F-4D97-AF65-F5344CB8AC3E}">
+        <p14:creationId xmlns:p14="http://schemas.microsoft.com/office/powerpoint/2010/main" val="935896376"/>
+      </p:ext>
+    </p:extLst>
+  </p:cSld>
+  <p:clrMapOvr>
+    <a:masterClrMapping/>
+  </p:clrMapOvr>
+</p:sld>
+</file>
+
+<file path=ppt/slides/slide12.xml><?xml version="1.0" encoding="utf-8"?>
 <p:sld xmlns:a="http://schemas.openxmlformats.org/drawingml/2006/main" xmlns:r="http://schemas.openxmlformats.org/officeDocument/2006/relationships" xmlns:p="http://schemas.openxmlformats.org/presentationml/2006/main">
   <p:cSld>
     <p:spTree>
@@ -14614,15 +15223,249 @@
             <p:ph type="subTitle" idx="10"/>
           </p:nvPr>
         </p:nvSpPr>
-        <p:spPr/>
+        <p:spPr>
+          <a:xfrm>
+            <a:off x="419099" y="1047396"/>
+            <a:ext cx="11503959" cy="770351"/>
+          </a:xfrm>
+        </p:spPr>
         <p:txBody>
-          <a:bodyPr/>
+          <a:bodyPr>
+            <a:normAutofit/>
+          </a:bodyPr>
           <a:lstStyle/>
           <a:p>
-            <a:endParaRPr lang="en-US"/>
+            <a:r>
+              <a:rPr lang="en-US" dirty="0"/>
+              <a:t>Investigation to find out </a:t>
+            </a:r>
+            <a:r>
+              <a:rPr lang="en-US" dirty="0">
+                <a:solidFill>
+                  <a:srgbClr val="0070C0"/>
+                </a:solidFill>
+              </a:rPr>
+              <a:t>measures</a:t>
+            </a:r>
+            <a:r>
+              <a:rPr lang="en-US" dirty="0"/>
+              <a:t> responsible for </a:t>
+            </a:r>
+            <a:r>
+              <a:rPr lang="en-US" dirty="0">
+                <a:solidFill>
+                  <a:srgbClr val="FF0000"/>
+                </a:solidFill>
+              </a:rPr>
+              <a:t>suicidal deaths </a:t>
+            </a:r>
+            <a:r>
+              <a:rPr lang="en-US" dirty="0"/>
+              <a:t>in USA and comparative analysis with other countries</a:t>
+            </a:r>
           </a:p>
         </p:txBody>
       </p:sp>
+      <p:sp>
+        <p:nvSpPr>
+          <p:cNvPr id="4" name="TextBox 3">
+            <a:extLst>
+              <a:ext uri="{FF2B5EF4-FFF2-40B4-BE49-F238E27FC236}">
+                <a16:creationId xmlns:a16="http://schemas.microsoft.com/office/drawing/2014/main" id="{C03E15F6-5DAF-BF96-E6C3-C60AAFA3973E}"/>
+              </a:ext>
+            </a:extLst>
+          </p:cNvPr>
+          <p:cNvSpPr txBox="1"/>
+          <p:nvPr/>
+        </p:nvSpPr>
+        <p:spPr>
+          <a:xfrm>
+            <a:off x="681317" y="1971346"/>
+            <a:ext cx="10784541" cy="1200329"/>
+          </a:xfrm>
+          <a:prstGeom prst="rect">
+            <a:avLst/>
+          </a:prstGeom>
+          <a:noFill/>
+        </p:spPr>
+        <p:txBody>
+          <a:bodyPr wrap="square">
+            <a:spAutoFit/>
+          </a:bodyPr>
+          <a:lstStyle/>
+          <a:p>
+            <a:pPr marL="285750" indent="-285750">
+              <a:buFont typeface="Wingdings" panose="05000000000000000000" pitchFamily="2" charset="2"/>
+              <a:buChar char="v"/>
+            </a:pPr>
+            <a:r>
+              <a:rPr lang="en-US" dirty="0"/>
+              <a:t>As per the World Health Organization (WHO), </a:t>
+            </a:r>
+            <a:r>
+              <a:rPr lang="en-US" dirty="0">
+                <a:solidFill>
+                  <a:srgbClr val="FF0000"/>
+                </a:solidFill>
+              </a:rPr>
+              <a:t>suicide deaths </a:t>
+            </a:r>
+            <a:r>
+              <a:rPr lang="en-US" dirty="0"/>
+              <a:t>is a second major rising concern globally (800k suicides/year) that means one person every 40 seconds. </a:t>
+            </a:r>
+          </a:p>
+          <a:p>
+            <a:pPr marL="285750" indent="-285750">
+              <a:buFont typeface="Wingdings" panose="05000000000000000000" pitchFamily="2" charset="2"/>
+              <a:buChar char="v"/>
+            </a:pPr>
+            <a:r>
+              <a:rPr lang="en-US" dirty="0"/>
+              <a:t>There are some already available studies that finds out this.</a:t>
+            </a:r>
+          </a:p>
+          <a:p>
+            <a:pPr marL="285750" indent="-285750">
+              <a:buFont typeface="Wingdings" panose="05000000000000000000" pitchFamily="2" charset="2"/>
+              <a:buChar char="v"/>
+            </a:pPr>
+            <a:r>
+              <a:rPr lang="en-US" dirty="0"/>
+              <a:t>The reasons for suicide varies that why we try to find out using this dataset.</a:t>
+            </a:r>
+          </a:p>
+        </p:txBody>
+      </p:sp>
+      <p:sp>
+        <p:nvSpPr>
+          <p:cNvPr id="6" name="TextBox 5">
+            <a:extLst>
+              <a:ext uri="{FF2B5EF4-FFF2-40B4-BE49-F238E27FC236}">
+                <a16:creationId xmlns:a16="http://schemas.microsoft.com/office/drawing/2014/main" id="{A734D5EE-ABC6-6BAB-8648-C4BE32B693FC}"/>
+              </a:ext>
+            </a:extLst>
+          </p:cNvPr>
+          <p:cNvSpPr txBox="1"/>
+          <p:nvPr/>
+        </p:nvSpPr>
+        <p:spPr>
+          <a:xfrm>
+            <a:off x="75078" y="6471294"/>
+            <a:ext cx="6096000" cy="369332"/>
+          </a:xfrm>
+          <a:prstGeom prst="rect">
+            <a:avLst/>
+          </a:prstGeom>
+          <a:noFill/>
+        </p:spPr>
+        <p:txBody>
+          <a:bodyPr wrap="square">
+            <a:spAutoFit/>
+          </a:bodyPr>
+          <a:lstStyle/>
+          <a:p>
+            <a:r>
+              <a:rPr lang="en-US" dirty="0">
+                <a:solidFill>
+                  <a:schemeClr val="bg1"/>
+                </a:solidFill>
+              </a:rPr>
+              <a:t>*Rising heart-attack is a first major concern.</a:t>
+            </a:r>
+          </a:p>
+        </p:txBody>
+      </p:sp>
+      <p:pic>
+        <p:nvPicPr>
+          <p:cNvPr id="13" name="Picture 12">
+            <a:extLst>
+              <a:ext uri="{FF2B5EF4-FFF2-40B4-BE49-F238E27FC236}">
+                <a16:creationId xmlns:a16="http://schemas.microsoft.com/office/drawing/2014/main" id="{7273F04B-4807-5B7B-5457-D912F440A483}"/>
+              </a:ext>
+            </a:extLst>
+          </p:cNvPr>
+          <p:cNvPicPr>
+            <a:picLocks noChangeAspect="1"/>
+          </p:cNvPicPr>
+          <p:nvPr/>
+        </p:nvPicPr>
+        <p:blipFill>
+          <a:blip r:embed="rId2"/>
+          <a:stretch>
+            <a:fillRect/>
+          </a:stretch>
+        </p:blipFill>
+        <p:spPr>
+          <a:xfrm>
+            <a:off x="335539" y="3325274"/>
+            <a:ext cx="5074777" cy="2671699"/>
+          </a:xfrm>
+          <a:prstGeom prst="rect">
+            <a:avLst/>
+          </a:prstGeom>
+        </p:spPr>
+      </p:pic>
+      <p:pic>
+        <p:nvPicPr>
+          <p:cNvPr id="17" name="Picture 16">
+            <a:extLst>
+              <a:ext uri="{FF2B5EF4-FFF2-40B4-BE49-F238E27FC236}">
+                <a16:creationId xmlns:a16="http://schemas.microsoft.com/office/drawing/2014/main" id="{02559E61-B646-E8D0-6477-2D35862F9177}"/>
+              </a:ext>
+            </a:extLst>
+          </p:cNvPr>
+          <p:cNvPicPr>
+            <a:picLocks noChangeAspect="1"/>
+          </p:cNvPicPr>
+          <p:nvPr/>
+        </p:nvPicPr>
+        <p:blipFill>
+          <a:blip r:embed="rId3"/>
+          <a:stretch>
+            <a:fillRect/>
+          </a:stretch>
+        </p:blipFill>
+        <p:spPr>
+          <a:xfrm>
+            <a:off x="5305545" y="3314314"/>
+            <a:ext cx="4772691" cy="2919820"/>
+          </a:xfrm>
+          <a:prstGeom prst="rect">
+            <a:avLst/>
+          </a:prstGeom>
+        </p:spPr>
+      </p:pic>
+      <p:pic>
+        <p:nvPicPr>
+          <p:cNvPr id="15" name="Picture 14">
+            <a:extLst>
+              <a:ext uri="{FF2B5EF4-FFF2-40B4-BE49-F238E27FC236}">
+                <a16:creationId xmlns:a16="http://schemas.microsoft.com/office/drawing/2014/main" id="{7360D950-34C9-4D94-725F-0152D75E8134}"/>
+              </a:ext>
+            </a:extLst>
+          </p:cNvPr>
+          <p:cNvPicPr>
+            <a:picLocks noChangeAspect="1"/>
+          </p:cNvPicPr>
+          <p:nvPr/>
+        </p:nvPicPr>
+        <p:blipFill>
+          <a:blip r:embed="rId4"/>
+          <a:stretch>
+            <a:fillRect/>
+          </a:stretch>
+        </p:blipFill>
+        <p:spPr>
+          <a:xfrm>
+            <a:off x="8452653" y="3594847"/>
+            <a:ext cx="3320247" cy="3263153"/>
+          </a:xfrm>
+          <a:prstGeom prst="rect">
+            <a:avLst/>
+          </a:prstGeom>
+        </p:spPr>
+      </p:pic>
     </p:spTree>
     <p:extLst>
       <p:ext uri="{BB962C8B-B14F-4D97-AF65-F5344CB8AC3E}">
@@ -14669,40 +15512,10 @@
             <p:ph type="title"/>
           </p:nvPr>
         </p:nvSpPr>
-        <p:spPr/>
-        <p:txBody>
-          <a:bodyPr>
-            <a:normAutofit/>
-          </a:bodyPr>
-          <a:lstStyle/>
-          <a:p>
-            <a:r>
-              <a:rPr lang="en-US" dirty="0"/>
-              <a:t>The Dataset – OECD Current Well-being</a:t>
-            </a:r>
-          </a:p>
-        </p:txBody>
-      </p:sp>
-      <p:sp>
-        <p:nvSpPr>
-          <p:cNvPr id="3" name="Content Placeholder 2">
-            <a:extLst>
-              <a:ext uri="{FF2B5EF4-FFF2-40B4-BE49-F238E27FC236}">
-                <a16:creationId xmlns:a16="http://schemas.microsoft.com/office/drawing/2014/main" id="{CBF69D0C-1D87-205F-FF81-6BAAB3E0113D}"/>
-              </a:ext>
-            </a:extLst>
-          </p:cNvPr>
-          <p:cNvSpPr>
-            <a:spLocks noGrp="1"/>
-          </p:cNvSpPr>
-          <p:nvPr>
-            <p:ph sz="half" idx="1"/>
-          </p:nvPr>
-        </p:nvSpPr>
         <p:spPr>
           <a:xfrm>
-            <a:off x="457200" y="2063662"/>
-            <a:ext cx="11353800" cy="3544282"/>
+            <a:off x="419100" y="-26326"/>
+            <a:ext cx="11353800" cy="770351"/>
           </a:xfrm>
         </p:spPr>
         <p:txBody>
@@ -14711,200 +15524,581 @@
           </a:bodyPr>
           <a:lstStyle/>
           <a:p>
-            <a:pPr marL="342900" indent="-342900">
-              <a:buFont typeface="Arial" panose="020B0604020202020204" pitchFamily="34" charset="0"/>
-              <a:buChar char="•"/>
-            </a:pPr>
-            <a:r>
-              <a:rPr lang="en-US" sz="1900" kern="100" dirty="0">
-                <a:latin typeface="Calibri" panose="020F0502020204030204" pitchFamily="34" charset="0"/>
-                <a:cs typeface="Times New Roman" panose="02020603050405020304" pitchFamily="18" charset="0"/>
+            <a:r>
+              <a:rPr lang="en-US" dirty="0"/>
+              <a:t>The Dataset – OECD Current Well-being</a:t>
+            </a:r>
+          </a:p>
+        </p:txBody>
+      </p:sp>
+      <p:pic>
+        <p:nvPicPr>
+          <p:cNvPr id="7" name="Picture 6">
+            <a:extLst>
+              <a:ext uri="{FF2B5EF4-FFF2-40B4-BE49-F238E27FC236}">
+                <a16:creationId xmlns:a16="http://schemas.microsoft.com/office/drawing/2014/main" id="{B6449B4F-6B65-AE65-1868-DA04E0CC1F79}"/>
+              </a:ext>
+            </a:extLst>
+          </p:cNvPr>
+          <p:cNvPicPr>
+            <a:picLocks noChangeAspect="1"/>
+          </p:cNvPicPr>
+          <p:nvPr/>
+        </p:nvPicPr>
+        <p:blipFill>
+          <a:blip r:embed="rId2"/>
+          <a:stretch>
+            <a:fillRect/>
+          </a:stretch>
+        </p:blipFill>
+        <p:spPr>
+          <a:xfrm>
+            <a:off x="1734845" y="1616554"/>
+            <a:ext cx="7875319" cy="4063866"/>
+          </a:xfrm>
+          <a:prstGeom prst="rect">
+            <a:avLst/>
+          </a:prstGeom>
+          <a:ln w="19050" cap="sq">
+            <a:solidFill>
+              <a:srgbClr val="000000"/>
+            </a:solidFill>
+            <a:prstDash val="solid"/>
+            <a:miter lim="800000"/>
+          </a:ln>
+          <a:effectLst>
+            <a:outerShdw blurRad="50800" dist="38100" dir="2700000" algn="tl" rotWithShape="0">
+              <a:srgbClr val="000000">
+                <a:alpha val="43000"/>
+              </a:srgbClr>
+            </a:outerShdw>
+          </a:effectLst>
+        </p:spPr>
+      </p:pic>
+      <p:sp>
+        <p:nvSpPr>
+          <p:cNvPr id="11" name="TextBox 10">
+            <a:extLst>
+              <a:ext uri="{FF2B5EF4-FFF2-40B4-BE49-F238E27FC236}">
+                <a16:creationId xmlns:a16="http://schemas.microsoft.com/office/drawing/2014/main" id="{1ADF4F67-6D05-0A15-FEF4-64EAD6B1DBCE}"/>
+              </a:ext>
+            </a:extLst>
+          </p:cNvPr>
+          <p:cNvSpPr txBox="1"/>
+          <p:nvPr/>
+        </p:nvSpPr>
+        <p:spPr>
+          <a:xfrm>
+            <a:off x="847164" y="857124"/>
+            <a:ext cx="10497671" cy="646331"/>
+          </a:xfrm>
+          <a:prstGeom prst="rect">
+            <a:avLst/>
+          </a:prstGeom>
+          <a:noFill/>
+        </p:spPr>
+        <p:txBody>
+          <a:bodyPr wrap="square">
+            <a:spAutoFit/>
+          </a:bodyPr>
+          <a:lstStyle/>
+          <a:p>
+            <a:r>
+              <a:rPr lang="en-US" sz="1200" b="1" dirty="0">
+                <a:solidFill>
+                  <a:srgbClr val="FF0000"/>
+                </a:solidFill>
               </a:rPr>
-              <a:t>Data is initially categorized by country, year, indicator, and indicator type</a:t>
-            </a:r>
-          </a:p>
-          <a:p>
-            <a:pPr marL="1028700" lvl="1" indent="-342900"/>
-            <a:r>
-              <a:rPr lang="en-US" sz="1700" kern="100" dirty="0">
-                <a:latin typeface="Calibri" panose="020F0502020204030204" pitchFamily="34" charset="0"/>
-                <a:cs typeface="Times New Roman" panose="02020603050405020304" pitchFamily="18" charset="0"/>
-              </a:rPr>
-              <a:t>I strongly suggest that you pivot out the Indicator and Type of indicator columns to view the distinct combinations</a:t>
-            </a:r>
-          </a:p>
-          <a:p>
-            <a:pPr marL="1028700" lvl="1" indent="-342900"/>
-            <a:r>
-              <a:rPr lang="en-US" sz="1700" kern="100" dirty="0">
-                <a:latin typeface="Calibri" panose="020F0502020204030204" pitchFamily="34" charset="0"/>
-                <a:cs typeface="Times New Roman" panose="02020603050405020304" pitchFamily="18" charset="0"/>
-              </a:rPr>
-              <a:t>Some indicators have both an average and a deprivation measure (ex: Earnings)</a:t>
-            </a:r>
-            <a:endParaRPr lang="en-US" sz="1700" dirty="0">
-              <a:latin typeface="Calibri" panose="020F0502020204030204" pitchFamily="34" charset="0"/>
-              <a:cs typeface="Calibri" panose="020F0502020204030204" pitchFamily="34" charset="0"/>
-            </a:endParaRPr>
-          </a:p>
-          <a:p>
-            <a:pPr marL="342900" indent="-342900">
-              <a:buFont typeface="Arial" panose="020B0604020202020204" pitchFamily="34" charset="0"/>
-              <a:buChar char="•"/>
-            </a:pPr>
-            <a:r>
-              <a:rPr lang="en-US" sz="1900" kern="100" dirty="0">
-                <a:latin typeface="Calibri" panose="020F0502020204030204" pitchFamily="34" charset="0"/>
-                <a:cs typeface="Times New Roman" panose="02020603050405020304" pitchFamily="18" charset="0"/>
-              </a:rPr>
-              <a:t>The parameters you select before downloading will affect which other columns are available in your dataset</a:t>
-            </a:r>
-          </a:p>
-          <a:p>
-            <a:pPr marL="342900" indent="-342900">
-              <a:buFont typeface="Arial" panose="020B0604020202020204" pitchFamily="34" charset="0"/>
-              <a:buChar char="•"/>
-            </a:pPr>
-            <a:r>
-              <a:rPr lang="en-US" sz="1900" kern="100" dirty="0">
-                <a:latin typeface="Calibri" panose="020F0502020204030204" pitchFamily="34" charset="0"/>
-                <a:cs typeface="Times New Roman" panose="02020603050405020304" pitchFamily="18" charset="0"/>
-              </a:rPr>
-              <a:t>Remove columns that provide you with no valuable information</a:t>
-            </a:r>
-          </a:p>
-          <a:p>
-            <a:pPr marL="342900" indent="-342900">
-              <a:buFont typeface="Arial" panose="020B0604020202020204" pitchFamily="34" charset="0"/>
-              <a:buChar char="•"/>
-            </a:pPr>
-            <a:r>
-              <a:rPr lang="en-US" sz="1900" kern="100" dirty="0">
-                <a:latin typeface="Calibri" panose="020F0502020204030204" pitchFamily="34" charset="0"/>
-                <a:cs typeface="Times New Roman" panose="02020603050405020304" pitchFamily="18" charset="0"/>
-              </a:rPr>
-              <a:t>Transform the indicator column to create features</a:t>
-            </a:r>
-          </a:p>
-          <a:p>
-            <a:pPr marL="342900" indent="-342900">
-              <a:buFont typeface="Arial" panose="020B0604020202020204" pitchFamily="34" charset="0"/>
-              <a:buChar char="•"/>
-            </a:pPr>
-            <a:r>
-              <a:rPr lang="en-US" sz="1900" b="1" kern="100" dirty="0">
-                <a:latin typeface="Calibri" panose="020F0502020204030204" pitchFamily="34" charset="0"/>
-                <a:cs typeface="Times New Roman" panose="02020603050405020304" pitchFamily="18" charset="0"/>
-              </a:rPr>
-              <a:t>Note: The data is messy!</a:t>
-            </a:r>
-          </a:p>
-          <a:p>
-            <a:pPr marL="1028700" lvl="1" indent="-342900"/>
-            <a:r>
-              <a:rPr lang="en-US" sz="1700" kern="100" dirty="0">
-                <a:latin typeface="Calibri" panose="020F0502020204030204" pitchFamily="34" charset="0"/>
-                <a:cs typeface="Times New Roman" panose="02020603050405020304" pitchFamily="18" charset="0"/>
-              </a:rPr>
-              <a:t>For simplicity in testing, I used the mean, but I encourage you to fill null data with additional data from other sources (OECD or otherwise)</a:t>
-            </a:r>
-            <a:endParaRPr lang="en-US" sz="1400" kern="100" dirty="0">
-              <a:latin typeface="Calibri" panose="020F0502020204030204" pitchFamily="34" charset="0"/>
-              <a:cs typeface="Calibri" panose="020F0502020204030204" pitchFamily="34" charset="0"/>
-            </a:endParaRPr>
-          </a:p>
-          <a:p>
-            <a:pPr marL="1028700" lvl="1" indent="-342900"/>
-            <a:r>
-              <a:rPr lang="en-US" sz="1700" b="1" kern="100" dirty="0">
-                <a:latin typeface="Calibri" panose="020F0502020204030204" pitchFamily="34" charset="0"/>
-                <a:cs typeface="Times New Roman" panose="02020603050405020304" pitchFamily="18" charset="0"/>
-              </a:rPr>
-              <a:t>Make sure to include data sources for any additional data</a:t>
-            </a:r>
+              <a:t>Released data accessed from: </a:t>
+            </a:r>
+            <a:r>
+              <a:rPr lang="en-US" sz="1200" dirty="0"/>
+              <a:t>https://data-explorer.oecd.org/</a:t>
+            </a:r>
+            <a:r>
+              <a:rPr lang="en-US" sz="1200" dirty="0" err="1"/>
+              <a:t>vis?tm</a:t>
+            </a:r>
+            <a:r>
+              <a:rPr lang="en-US" sz="1200" dirty="0"/>
+              <a:t>=how%27s%20life%3F%20well-being&amp;pg=0&amp;hc[Domain]=Subjective%20well-being&amp;snb=11&amp;df[ds]=</a:t>
+            </a:r>
+            <a:r>
+              <a:rPr lang="en-US" sz="1200" dirty="0" err="1"/>
+              <a:t>dsDisseminateFinalDMZ&amp;df</a:t>
+            </a:r>
+            <a:r>
+              <a:rPr lang="en-US" sz="1200" dirty="0"/>
+              <a:t>[id]=DSD_HSL%40DF_HSL_CWB&amp;df[ag]=</a:t>
+            </a:r>
+            <a:r>
+              <a:rPr lang="en-US" sz="1200" dirty="0" err="1"/>
+              <a:t>OECD.WISE.WDP&amp;df</a:t>
+            </a:r>
+            <a:r>
+              <a:rPr lang="en-US" sz="1200" dirty="0"/>
+              <a:t>[vs]=1.0&amp;pd=%2C2022&amp;dq=...OLD%2BMID%2BYOUNG%2B_T.F%2BM%2B_T.ISCED11_5T8%2BISCED11_2_3%2BISCED11_1%2B_T.&amp;ly[</a:t>
+            </a:r>
+            <a:r>
+              <a:rPr lang="en-US" sz="1200" dirty="0" err="1"/>
+              <a:t>rw</a:t>
+            </a:r>
+            <a:r>
+              <a:rPr lang="en-US" sz="1200" dirty="0"/>
+              <a:t>]=</a:t>
+            </a:r>
+            <a:r>
+              <a:rPr lang="en-US" sz="1200" dirty="0" err="1"/>
+              <a:t>REF_AREA&amp;ly</a:t>
+            </a:r>
+            <a:r>
+              <a:rPr lang="en-US" sz="1200" dirty="0"/>
+              <a:t>[cl]=MEASURE%2CUNIT_MEASURE&amp;to[TIME_PERIOD]=</a:t>
+            </a:r>
+            <a:r>
+              <a:rPr lang="en-US" sz="1200" dirty="0" err="1"/>
+              <a:t>false&amp;vw</a:t>
+            </a:r>
+            <a:r>
+              <a:rPr lang="en-US" sz="1200" dirty="0"/>
+              <a:t>=</a:t>
+            </a:r>
+            <a:r>
+              <a:rPr lang="en-US" sz="1200" dirty="0" err="1"/>
+              <a:t>ov</a:t>
+            </a:r>
+            <a:endParaRPr lang="en-US" sz="1200" dirty="0"/>
           </a:p>
         </p:txBody>
       </p:sp>
       <p:sp>
         <p:nvSpPr>
-          <p:cNvPr id="5" name="Subtitle 4">
+          <p:cNvPr id="12" name="Rectangle: Rounded Corners 11">
             <a:extLst>
               <a:ext uri="{FF2B5EF4-FFF2-40B4-BE49-F238E27FC236}">
-                <a16:creationId xmlns:a16="http://schemas.microsoft.com/office/drawing/2014/main" id="{02FC6EA5-46EB-F460-D664-775F68FA9BE9}"/>
+                <a16:creationId xmlns:a16="http://schemas.microsoft.com/office/drawing/2014/main" id="{293FCA74-49B3-183B-B339-A7D18D3A802A}"/>
               </a:ext>
             </a:extLst>
           </p:cNvPr>
-          <p:cNvSpPr>
-            <a:spLocks noGrp="1"/>
-          </p:cNvSpPr>
-          <p:nvPr>
-            <p:ph type="subTitle" idx="10"/>
-          </p:nvPr>
+          <p:cNvSpPr/>
+          <p:nvPr/>
         </p:nvSpPr>
-        <p:spPr/>
-        <p:txBody>
-          <a:bodyPr/>
-          <a:lstStyle/>
-          <a:p>
-            <a:r>
-              <a:rPr lang="en-US" dirty="0"/>
-              <a:t>Dataset Description</a:t>
-            </a:r>
-            <a:endParaRPr lang="en-US" dirty="0">
-              <a:solidFill>
-                <a:schemeClr val="bg2">
-                  <a:lumMod val="50000"/>
-                </a:schemeClr>
-              </a:solidFill>
-            </a:endParaRPr>
-          </a:p>
-        </p:txBody>
-      </p:sp>
-      <p:cxnSp>
-        <p:nvCxnSpPr>
-          <p:cNvPr id="6" name="Straight Connector 5">
-            <a:extLst>
-              <a:ext uri="{FF2B5EF4-FFF2-40B4-BE49-F238E27FC236}">
-                <a16:creationId xmlns:a16="http://schemas.microsoft.com/office/drawing/2014/main" id="{7169B28C-7030-DCA1-4B1D-7E54D1942D32}"/>
-              </a:ext>
-            </a:extLst>
-          </p:cNvPr>
-          <p:cNvCxnSpPr>
-            <a:cxnSpLocks/>
-          </p:cNvCxnSpPr>
-          <p:nvPr/>
-        </p:nvCxnSpPr>
         <p:spPr>
           <a:xfrm>
-            <a:off x="457198" y="1800031"/>
-            <a:ext cx="11353802" cy="0"/>
+            <a:off x="3460750" y="2540000"/>
+            <a:ext cx="330200" cy="1816100"/>
           </a:xfrm>
-          <a:prstGeom prst="line">
+          <a:prstGeom prst="roundRect">
             <a:avLst/>
           </a:prstGeom>
-          <a:ln w="22225">
-            <a:solidFill>
-              <a:schemeClr val="bg2">
-                <a:lumMod val="50000"/>
-              </a:schemeClr>
-            </a:solidFill>
-          </a:ln>
+          <a:noFill/>
         </p:spPr>
         <p:style>
-          <a:lnRef idx="1">
-            <a:schemeClr val="accent1"/>
+          <a:lnRef idx="2">
+            <a:schemeClr val="accent1">
+              <a:shade val="15000"/>
+            </a:schemeClr>
           </a:lnRef>
-          <a:fillRef idx="0">
+          <a:fillRef idx="1">
             <a:schemeClr val="accent1"/>
           </a:fillRef>
           <a:effectRef idx="0">
             <a:schemeClr val="accent1"/>
           </a:effectRef>
           <a:fontRef idx="minor">
+            <a:schemeClr val="lt1"/>
+          </a:fontRef>
+        </p:style>
+        <p:txBody>
+          <a:bodyPr rtlCol="0" anchor="ctr"/>
+          <a:lstStyle/>
+          <a:p>
+            <a:pPr algn="ctr"/>
+            <a:endParaRPr lang="en-US"/>
+          </a:p>
+        </p:txBody>
+      </p:sp>
+      <p:cxnSp>
+        <p:nvCxnSpPr>
+          <p:cNvPr id="14" name="Straight Arrow Connector 13">
+            <a:extLst>
+              <a:ext uri="{FF2B5EF4-FFF2-40B4-BE49-F238E27FC236}">
+                <a16:creationId xmlns:a16="http://schemas.microsoft.com/office/drawing/2014/main" id="{E5265E83-3F02-2369-B9AF-A2D17F97F003}"/>
+              </a:ext>
+            </a:extLst>
+          </p:cNvPr>
+          <p:cNvCxnSpPr/>
+          <p:nvPr/>
+        </p:nvCxnSpPr>
+        <p:spPr>
+          <a:xfrm>
+            <a:off x="3613150" y="4356100"/>
+            <a:ext cx="0" cy="463550"/>
+          </a:xfrm>
+          <a:prstGeom prst="straightConnector1">
+            <a:avLst/>
+          </a:prstGeom>
+          <a:ln>
+            <a:tailEnd type="triangle"/>
+          </a:ln>
+        </p:spPr>
+        <p:style>
+          <a:lnRef idx="1">
+            <a:schemeClr val="dk1"/>
+          </a:lnRef>
+          <a:fillRef idx="0">
+            <a:schemeClr val="dk1"/>
+          </a:fillRef>
+          <a:effectRef idx="0">
+            <a:schemeClr val="dk1"/>
+          </a:effectRef>
+          <a:fontRef idx="minor">
             <a:schemeClr val="tx1"/>
           </a:fontRef>
         </p:style>
       </p:cxnSp>
+      <p:sp>
+        <p:nvSpPr>
+          <p:cNvPr id="16" name="TextBox 15">
+            <a:extLst>
+              <a:ext uri="{FF2B5EF4-FFF2-40B4-BE49-F238E27FC236}">
+                <a16:creationId xmlns:a16="http://schemas.microsoft.com/office/drawing/2014/main" id="{C29868FA-0F26-5C54-F3FA-4AA834428000}"/>
+              </a:ext>
+            </a:extLst>
+          </p:cNvPr>
+          <p:cNvSpPr txBox="1"/>
+          <p:nvPr/>
+        </p:nvSpPr>
+        <p:spPr>
+          <a:xfrm>
+            <a:off x="2945093" y="4819650"/>
+            <a:ext cx="1031314" cy="646331"/>
+          </a:xfrm>
+          <a:prstGeom prst="rect">
+            <a:avLst/>
+          </a:prstGeom>
+          <a:noFill/>
+        </p:spPr>
+        <p:txBody>
+          <a:bodyPr wrap="square">
+            <a:spAutoFit/>
+          </a:bodyPr>
+          <a:lstStyle/>
+          <a:p>
+            <a:pPr algn="ctr"/>
+            <a:r>
+              <a:rPr lang="en-US" sz="1200" dirty="0"/>
+              <a:t>Downloaded whole dataset</a:t>
+            </a:r>
+          </a:p>
+        </p:txBody>
+      </p:sp>
+      <p:sp>
+        <p:nvSpPr>
+          <p:cNvPr id="23" name="TextBox 22">
+            <a:extLst>
+              <a:ext uri="{FF2B5EF4-FFF2-40B4-BE49-F238E27FC236}">
+                <a16:creationId xmlns:a16="http://schemas.microsoft.com/office/drawing/2014/main" id="{A4956E97-695A-DE7F-95FB-8C3AD19F5D60}"/>
+              </a:ext>
+            </a:extLst>
+          </p:cNvPr>
+          <p:cNvSpPr txBox="1"/>
+          <p:nvPr/>
+        </p:nvSpPr>
+        <p:spPr>
+          <a:xfrm>
+            <a:off x="147917" y="1764594"/>
+            <a:ext cx="1398494" cy="830997"/>
+          </a:xfrm>
+          <a:prstGeom prst="rect">
+            <a:avLst/>
+          </a:prstGeom>
+          <a:noFill/>
+        </p:spPr>
+        <p:txBody>
+          <a:bodyPr wrap="square">
+            <a:spAutoFit/>
+          </a:bodyPr>
+          <a:lstStyle/>
+          <a:p>
+            <a:pPr algn="ctr"/>
+            <a:r>
+              <a:rPr lang="en-US" sz="1600" dirty="0"/>
+              <a:t>Time-period ranged from 2004 to 2022</a:t>
+            </a:r>
+          </a:p>
+        </p:txBody>
+      </p:sp>
+      <p:sp>
+        <p:nvSpPr>
+          <p:cNvPr id="24" name="TextBox 23">
+            <a:extLst>
+              <a:ext uri="{FF2B5EF4-FFF2-40B4-BE49-F238E27FC236}">
+                <a16:creationId xmlns:a16="http://schemas.microsoft.com/office/drawing/2014/main" id="{4F372D87-F6FE-E067-BFF5-5F8FAB82D6E6}"/>
+              </a:ext>
+            </a:extLst>
+          </p:cNvPr>
+          <p:cNvSpPr txBox="1"/>
+          <p:nvPr/>
+        </p:nvSpPr>
+        <p:spPr>
+          <a:xfrm>
+            <a:off x="172646" y="2644447"/>
+            <a:ext cx="1398494" cy="1323439"/>
+          </a:xfrm>
+          <a:prstGeom prst="rect">
+            <a:avLst/>
+          </a:prstGeom>
+          <a:noFill/>
+        </p:spPr>
+        <p:txBody>
+          <a:bodyPr wrap="square">
+            <a:spAutoFit/>
+          </a:bodyPr>
+          <a:lstStyle/>
+          <a:p>
+            <a:pPr algn="ctr"/>
+            <a:r>
+              <a:rPr lang="en-US" sz="1600" dirty="0"/>
+              <a:t>Sex has three: Male, Female and Total population observations</a:t>
+            </a:r>
+          </a:p>
+        </p:txBody>
+      </p:sp>
+      <p:sp>
+        <p:nvSpPr>
+          <p:cNvPr id="25" name="TextBox 24">
+            <a:extLst>
+              <a:ext uri="{FF2B5EF4-FFF2-40B4-BE49-F238E27FC236}">
+                <a16:creationId xmlns:a16="http://schemas.microsoft.com/office/drawing/2014/main" id="{DB15FF0E-56BD-E514-07AB-54438551179A}"/>
+              </a:ext>
+            </a:extLst>
+          </p:cNvPr>
+          <p:cNvSpPr txBox="1"/>
+          <p:nvPr/>
+        </p:nvSpPr>
+        <p:spPr>
+          <a:xfrm>
+            <a:off x="-28857" y="4065597"/>
+            <a:ext cx="1801903" cy="1077218"/>
+          </a:xfrm>
+          <a:prstGeom prst="rect">
+            <a:avLst/>
+          </a:prstGeom>
+          <a:noFill/>
+        </p:spPr>
+        <p:txBody>
+          <a:bodyPr wrap="square">
+            <a:spAutoFit/>
+          </a:bodyPr>
+          <a:lstStyle/>
+          <a:p>
+            <a:pPr algn="ctr"/>
+            <a:r>
+              <a:rPr lang="en-US" sz="1600" dirty="0"/>
+              <a:t>Age categorized into:</a:t>
+            </a:r>
+          </a:p>
+          <a:p>
+            <a:pPr algn="ctr"/>
+            <a:r>
+              <a:rPr lang="en-US" sz="1600" dirty="0"/>
+              <a:t>Young, Middle-aged, Old and Total</a:t>
+            </a:r>
+          </a:p>
+        </p:txBody>
+      </p:sp>
+      <p:sp>
+        <p:nvSpPr>
+          <p:cNvPr id="26" name="TextBox 25">
+            <a:extLst>
+              <a:ext uri="{FF2B5EF4-FFF2-40B4-BE49-F238E27FC236}">
+                <a16:creationId xmlns:a16="http://schemas.microsoft.com/office/drawing/2014/main" id="{426A4254-4989-5618-94B5-5BFC5F9E46E1}"/>
+              </a:ext>
+            </a:extLst>
+          </p:cNvPr>
+          <p:cNvSpPr txBox="1"/>
+          <p:nvPr/>
+        </p:nvSpPr>
+        <p:spPr>
+          <a:xfrm>
+            <a:off x="9874623" y="1566120"/>
+            <a:ext cx="2254624" cy="1569660"/>
+          </a:xfrm>
+          <a:prstGeom prst="rect">
+            <a:avLst/>
+          </a:prstGeom>
+          <a:noFill/>
+        </p:spPr>
+        <p:txBody>
+          <a:bodyPr wrap="square">
+            <a:spAutoFit/>
+          </a:bodyPr>
+          <a:lstStyle/>
+          <a:p>
+            <a:pPr algn="ctr"/>
+            <a:r>
+              <a:rPr lang="en-US" sz="1600" dirty="0"/>
+              <a:t>Education level categorized as:</a:t>
+            </a:r>
+          </a:p>
+          <a:p>
+            <a:pPr algn="ctr"/>
+            <a:r>
+              <a:rPr lang="en-US" sz="1600" dirty="0"/>
+              <a:t>Primary education, Secondary education, Tertiary education and Total</a:t>
+            </a:r>
+          </a:p>
+        </p:txBody>
+      </p:sp>
+      <p:sp>
+        <p:nvSpPr>
+          <p:cNvPr id="27" name="TextBox 26">
+            <a:extLst>
+              <a:ext uri="{FF2B5EF4-FFF2-40B4-BE49-F238E27FC236}">
+                <a16:creationId xmlns:a16="http://schemas.microsoft.com/office/drawing/2014/main" id="{73B18E04-98D5-42BC-A2CA-7C77115FD77E}"/>
+              </a:ext>
+            </a:extLst>
+          </p:cNvPr>
+          <p:cNvSpPr txBox="1"/>
+          <p:nvPr/>
+        </p:nvSpPr>
+        <p:spPr>
+          <a:xfrm>
+            <a:off x="10088655" y="3220960"/>
+            <a:ext cx="1826559" cy="830997"/>
+          </a:xfrm>
+          <a:prstGeom prst="rect">
+            <a:avLst/>
+          </a:prstGeom>
+          <a:noFill/>
+        </p:spPr>
+        <p:txBody>
+          <a:bodyPr wrap="square">
+            <a:spAutoFit/>
+          </a:bodyPr>
+          <a:lstStyle/>
+          <a:p>
+            <a:pPr algn="ctr"/>
+            <a:r>
+              <a:rPr lang="en-US" sz="1600" dirty="0"/>
+              <a:t>Reference area has 41 countries of data</a:t>
+            </a:r>
+          </a:p>
+        </p:txBody>
+      </p:sp>
+      <p:sp>
+        <p:nvSpPr>
+          <p:cNvPr id="28" name="TextBox 27">
+            <a:extLst>
+              <a:ext uri="{FF2B5EF4-FFF2-40B4-BE49-F238E27FC236}">
+                <a16:creationId xmlns:a16="http://schemas.microsoft.com/office/drawing/2014/main" id="{36BA19F4-90F3-6233-81D0-B0F5EFE099B3}"/>
+              </a:ext>
+            </a:extLst>
+          </p:cNvPr>
+          <p:cNvSpPr txBox="1"/>
+          <p:nvPr/>
+        </p:nvSpPr>
+        <p:spPr>
+          <a:xfrm>
+            <a:off x="10088655" y="4137137"/>
+            <a:ext cx="1826559" cy="830997"/>
+          </a:xfrm>
+          <a:prstGeom prst="rect">
+            <a:avLst/>
+          </a:prstGeom>
+          <a:noFill/>
+        </p:spPr>
+        <p:txBody>
+          <a:bodyPr wrap="square">
+            <a:spAutoFit/>
+          </a:bodyPr>
+          <a:lstStyle/>
+          <a:p>
+            <a:pPr algn="ctr"/>
+            <a:r>
+              <a:rPr lang="en-US" sz="1600" dirty="0"/>
+              <a:t>measure was  considered as attributes</a:t>
+            </a:r>
+          </a:p>
+        </p:txBody>
+      </p:sp>
+      <p:sp>
+        <p:nvSpPr>
+          <p:cNvPr id="30" name="TextBox 29">
+            <a:extLst>
+              <a:ext uri="{FF2B5EF4-FFF2-40B4-BE49-F238E27FC236}">
+                <a16:creationId xmlns:a16="http://schemas.microsoft.com/office/drawing/2014/main" id="{08DE7CFF-533E-8981-9580-50F366EC1B2A}"/>
+              </a:ext>
+            </a:extLst>
+          </p:cNvPr>
+          <p:cNvSpPr txBox="1"/>
+          <p:nvPr/>
+        </p:nvSpPr>
+        <p:spPr>
+          <a:xfrm>
+            <a:off x="172646" y="6168373"/>
+            <a:ext cx="7366672" cy="369332"/>
+          </a:xfrm>
+          <a:prstGeom prst="rect">
+            <a:avLst/>
+          </a:prstGeom>
+          <a:noFill/>
+        </p:spPr>
+        <p:txBody>
+          <a:bodyPr wrap="square">
+            <a:spAutoFit/>
+          </a:bodyPr>
+          <a:lstStyle/>
+          <a:p>
+            <a:r>
+              <a:rPr lang="en-US" sz="1800" dirty="0">
+                <a:solidFill>
+                  <a:schemeClr val="bg1"/>
+                </a:solidFill>
+              </a:rPr>
+              <a:t>Chosen outcome</a:t>
+            </a:r>
+            <a:r>
+              <a:rPr lang="en-US" sz="1800" b="1" dirty="0">
+                <a:solidFill>
+                  <a:schemeClr val="bg1"/>
+                </a:solidFill>
+              </a:rPr>
+              <a:t>: </a:t>
+            </a:r>
+            <a:r>
+              <a:rPr lang="en-US" sz="1800" b="1" dirty="0" err="1">
+                <a:solidFill>
+                  <a:schemeClr val="bg1"/>
+                </a:solidFill>
+              </a:rPr>
+              <a:t>SAD_Deaths_</a:t>
+            </a:r>
+            <a:r>
+              <a:rPr lang="en-US" b="1" dirty="0" err="1">
+                <a:solidFill>
+                  <a:schemeClr val="bg1"/>
+                </a:solidFill>
+              </a:rPr>
+              <a:t>Age:total_Sex_Total_Education_Total</a:t>
+            </a:r>
+            <a:r>
+              <a:rPr lang="en-US" sz="1800" b="1" dirty="0">
+                <a:solidFill>
+                  <a:schemeClr val="bg1"/>
+                </a:solidFill>
+              </a:rPr>
+              <a:t> </a:t>
+            </a:r>
+            <a:endParaRPr lang="en-US" b="1" dirty="0">
+              <a:solidFill>
+                <a:schemeClr val="bg1"/>
+              </a:solidFill>
+            </a:endParaRPr>
+          </a:p>
+        </p:txBody>
+      </p:sp>
     </p:spTree>
     <p:extLst>
       <p:ext uri="{BB962C8B-B14F-4D97-AF65-F5344CB8AC3E}">
@@ -14951,40 +16145,10 @@
             <p:ph type="title"/>
           </p:nvPr>
         </p:nvSpPr>
-        <p:spPr/>
-        <p:txBody>
-          <a:bodyPr>
-            <a:normAutofit/>
-          </a:bodyPr>
-          <a:lstStyle/>
-          <a:p>
-            <a:r>
-              <a:rPr lang="en-US" dirty="0"/>
-              <a:t>The Dataset – OECD Current Well-being</a:t>
-            </a:r>
-          </a:p>
-        </p:txBody>
-      </p:sp>
-      <p:sp>
-        <p:nvSpPr>
-          <p:cNvPr id="3" name="Content Placeholder 2">
-            <a:extLst>
-              <a:ext uri="{FF2B5EF4-FFF2-40B4-BE49-F238E27FC236}">
-                <a16:creationId xmlns:a16="http://schemas.microsoft.com/office/drawing/2014/main" id="{CBF69D0C-1D87-205F-FF81-6BAAB3E0113D}"/>
-              </a:ext>
-            </a:extLst>
-          </p:cNvPr>
-          <p:cNvSpPr>
-            <a:spLocks noGrp="1"/>
-          </p:cNvSpPr>
-          <p:nvPr>
-            <p:ph sz="half" idx="1"/>
-          </p:nvPr>
-        </p:nvSpPr>
         <p:spPr>
           <a:xfrm>
-            <a:off x="457200" y="2063662"/>
-            <a:ext cx="11353800" cy="3544282"/>
+            <a:off x="2911625" y="-107093"/>
+            <a:ext cx="5154706" cy="770351"/>
           </a:xfrm>
         </p:spPr>
         <p:txBody>
@@ -14993,210 +16157,2397 @@
           </a:bodyPr>
           <a:lstStyle/>
           <a:p>
-            <a:pPr marL="342900" indent="-342900">
-              <a:buFont typeface="Arial" panose="020B0604020202020204" pitchFamily="34" charset="0"/>
-              <a:buChar char="•"/>
-            </a:pPr>
-            <a:r>
-              <a:rPr lang="en-US" sz="1900" kern="100" dirty="0">
-                <a:latin typeface="Calibri" panose="020F0502020204030204" pitchFamily="34" charset="0"/>
-                <a:cs typeface="Times New Roman" panose="02020603050405020304" pitchFamily="18" charset="0"/>
-              </a:rPr>
-              <a:t>You have some freedom in defining an outcome variable, but it must relate to the nations’ health</a:t>
-            </a:r>
-          </a:p>
-          <a:p>
-            <a:pPr marL="1028700" lvl="1" indent="-342900"/>
-            <a:r>
-              <a:rPr lang="en-US" sz="1700" kern="100" dirty="0">
-                <a:latin typeface="Calibri" panose="020F0502020204030204" pitchFamily="34" charset="0"/>
-                <a:cs typeface="Times New Roman" panose="02020603050405020304" pitchFamily="18" charset="0"/>
-              </a:rPr>
-              <a:t>Ex: Perceived health, life satisfaction, life expectancy at birth, self-reported depression, etc.</a:t>
-            </a:r>
-          </a:p>
-          <a:p>
-            <a:pPr marL="1028700" lvl="1" indent="-342900"/>
-            <a:r>
-              <a:rPr lang="en-US" sz="1700" kern="100" dirty="0">
-                <a:latin typeface="Calibri" panose="020F0502020204030204" pitchFamily="34" charset="0"/>
-                <a:cs typeface="Times New Roman" panose="02020603050405020304" pitchFamily="18" charset="0"/>
-              </a:rPr>
-              <a:t>I strongly recommend considering creating a composite measure of 2+ variables</a:t>
-            </a:r>
-          </a:p>
-          <a:p>
-            <a:pPr marL="342900" indent="-342900">
-              <a:buFont typeface="Arial" panose="020B0604020202020204" pitchFamily="34" charset="0"/>
-              <a:buChar char="•"/>
-            </a:pPr>
-            <a:r>
-              <a:rPr lang="en-US" sz="1900" kern="100" dirty="0">
-                <a:latin typeface="Calibri" panose="020F0502020204030204" pitchFamily="34" charset="0"/>
-                <a:cs typeface="Times New Roman" panose="02020603050405020304" pitchFamily="18" charset="0"/>
-              </a:rPr>
-              <a:t>The outcome variable(s) </a:t>
-            </a:r>
-            <a:r>
-              <a:rPr lang="en-US" sz="1900" b="1" kern="100" dirty="0">
-                <a:solidFill>
-                  <a:srgbClr val="FF0000"/>
-                </a:solidFill>
-                <a:latin typeface="Calibri" panose="020F0502020204030204" pitchFamily="34" charset="0"/>
-                <a:cs typeface="Times New Roman" panose="02020603050405020304" pitchFamily="18" charset="0"/>
-              </a:rPr>
-              <a:t>MUST</a:t>
-            </a:r>
-            <a:r>
-              <a:rPr lang="en-US" sz="1900" kern="100" dirty="0">
-                <a:latin typeface="Calibri" panose="020F0502020204030204" pitchFamily="34" charset="0"/>
-                <a:cs typeface="Times New Roman" panose="02020603050405020304" pitchFamily="18" charset="0"/>
-              </a:rPr>
-              <a:t> come from the initial dataset</a:t>
-            </a:r>
-          </a:p>
-          <a:p>
-            <a:pPr marL="1028700" lvl="1" indent="-342900"/>
-            <a:r>
-              <a:rPr lang="en-US" sz="1700" kern="100" dirty="0">
-                <a:latin typeface="Calibri" panose="020F0502020204030204" pitchFamily="34" charset="0"/>
-                <a:cs typeface="Times New Roman" panose="02020603050405020304" pitchFamily="18" charset="0"/>
-              </a:rPr>
-              <a:t>Feel free to add as much publicly available data as you want to improve your model, but any variable or combination of variables used for the outcome must be from the OECD Current Well-being dataset</a:t>
-            </a:r>
-          </a:p>
-          <a:p>
-            <a:pPr marL="342900" indent="-342900">
-              <a:buFont typeface="Arial" panose="020B0604020202020204" pitchFamily="34" charset="0"/>
-              <a:buChar char="•"/>
-            </a:pPr>
-            <a:r>
-              <a:rPr lang="en-US" sz="1900" kern="100" dirty="0">
-                <a:latin typeface="Calibri" panose="020F0502020204030204" pitchFamily="34" charset="0"/>
-                <a:cs typeface="Times New Roman" panose="02020603050405020304" pitchFamily="18" charset="0"/>
-              </a:rPr>
-              <a:t>When presenting, you will have to defend </a:t>
-            </a:r>
-            <a:r>
-              <a:rPr lang="en-US" sz="1900" i="1" kern="100" dirty="0">
-                <a:latin typeface="Calibri" panose="020F0502020204030204" pitchFamily="34" charset="0"/>
-                <a:cs typeface="Times New Roman" panose="02020603050405020304" pitchFamily="18" charset="0"/>
-              </a:rPr>
-              <a:t>why </a:t>
-            </a:r>
-            <a:r>
-              <a:rPr lang="en-US" sz="1900" kern="100" dirty="0">
-                <a:latin typeface="Calibri" panose="020F0502020204030204" pitchFamily="34" charset="0"/>
-                <a:cs typeface="Times New Roman" panose="02020603050405020304" pitchFamily="18" charset="0"/>
-              </a:rPr>
-              <a:t>your outcome variable is appropriate</a:t>
-            </a:r>
-          </a:p>
-          <a:p>
-            <a:pPr marL="1028700" lvl="1" indent="-342900"/>
-            <a:r>
-              <a:rPr lang="en-US" sz="1700" kern="100" dirty="0">
-                <a:latin typeface="Calibri" panose="020F0502020204030204" pitchFamily="34" charset="0"/>
-                <a:cs typeface="Times New Roman" panose="02020603050405020304" pitchFamily="18" charset="0"/>
-              </a:rPr>
-              <a:t>If you have a model that predicts your outcome well, but the outcome isn’t relevant to what we are trying to discern, who cares?</a:t>
-            </a:r>
-          </a:p>
-          <a:p>
-            <a:pPr marL="342900" indent="-342900">
-              <a:buFont typeface="Arial" panose="020B0604020202020204" pitchFamily="34" charset="0"/>
-              <a:buChar char="•"/>
-            </a:pPr>
-            <a:r>
-              <a:rPr lang="en-US" sz="1900" kern="100" dirty="0">
-                <a:latin typeface="Calibri" panose="020F0502020204030204" pitchFamily="34" charset="0"/>
-                <a:cs typeface="Times New Roman" panose="02020603050405020304" pitchFamily="18" charset="0"/>
-              </a:rPr>
-              <a:t>Ultimately, the goal is to identify which features lead to a preferred/improved outcome</a:t>
+            <a:r>
+              <a:rPr lang="en-US" dirty="0"/>
+              <a:t>Dataset – Processed</a:t>
             </a:r>
           </a:p>
         </p:txBody>
       </p:sp>
       <p:sp>
         <p:nvSpPr>
-          <p:cNvPr id="5" name="Subtitle 4">
+          <p:cNvPr id="9" name="TextBox 8">
             <a:extLst>
               <a:ext uri="{FF2B5EF4-FFF2-40B4-BE49-F238E27FC236}">
-                <a16:creationId xmlns:a16="http://schemas.microsoft.com/office/drawing/2014/main" id="{02FC6EA5-46EB-F460-D664-775F68FA9BE9}"/>
+                <a16:creationId xmlns:a16="http://schemas.microsoft.com/office/drawing/2014/main" id="{63B4D285-A00E-7A9C-54E3-512FAADD1DAF}"/>
               </a:ext>
             </a:extLst>
           </p:cNvPr>
-          <p:cNvSpPr>
-            <a:spLocks noGrp="1"/>
-          </p:cNvSpPr>
-          <p:nvPr>
-            <p:ph type="subTitle" idx="10"/>
-          </p:nvPr>
+          <p:cNvSpPr txBox="1"/>
+          <p:nvPr/>
         </p:nvSpPr>
-        <p:spPr/>
+        <p:spPr>
+          <a:xfrm>
+            <a:off x="1560718" y="663323"/>
+            <a:ext cx="4452158" cy="400110"/>
+          </a:xfrm>
+          <a:prstGeom prst="rect">
+            <a:avLst/>
+          </a:prstGeom>
+          <a:noFill/>
+        </p:spPr>
         <p:txBody>
-          <a:bodyPr/>
+          <a:bodyPr wrap="square">
+            <a:spAutoFit/>
+          </a:bodyPr>
           <a:lstStyle/>
           <a:p>
             <a:r>
-              <a:rPr lang="en-US" dirty="0"/>
-              <a:t>The Outcome – Health-related Measures</a:t>
-            </a:r>
-            <a:endParaRPr lang="en-US" dirty="0">
-              <a:solidFill>
-                <a:schemeClr val="bg2">
-                  <a:lumMod val="50000"/>
-                </a:schemeClr>
-              </a:solidFill>
-            </a:endParaRPr>
+              <a:rPr lang="en-US" sz="2000" b="1" dirty="0"/>
+              <a:t>Input variables: </a:t>
+            </a:r>
+            <a:r>
+              <a:rPr lang="en-US" sz="2000" dirty="0"/>
+              <a:t>187 features considered </a:t>
+            </a:r>
           </a:p>
         </p:txBody>
       </p:sp>
-      <p:cxnSp>
-        <p:nvCxnSpPr>
-          <p:cNvPr id="6" name="Straight Connector 5">
+      <p:sp>
+        <p:nvSpPr>
+          <p:cNvPr id="11" name="TextBox 10">
             <a:extLst>
               <a:ext uri="{FF2B5EF4-FFF2-40B4-BE49-F238E27FC236}">
-                <a16:creationId xmlns:a16="http://schemas.microsoft.com/office/drawing/2014/main" id="{7169B28C-7030-DCA1-4B1D-7E54D1942D32}"/>
+                <a16:creationId xmlns:a16="http://schemas.microsoft.com/office/drawing/2014/main" id="{1C958C4A-8E05-5FD9-7E76-FE86F61B75B5}"/>
               </a:ext>
             </a:extLst>
           </p:cNvPr>
-          <p:cNvCxnSpPr>
-            <a:cxnSpLocks/>
-          </p:cNvCxnSpPr>
+          <p:cNvSpPr txBox="1"/>
           <p:nvPr/>
-        </p:nvCxnSpPr>
+        </p:nvSpPr>
         <p:spPr>
           <a:xfrm>
-            <a:off x="457198" y="1800031"/>
-            <a:ext cx="11353802" cy="0"/>
+            <a:off x="374614" y="1097592"/>
+            <a:ext cx="3569311" cy="4662815"/>
           </a:xfrm>
-          <a:prstGeom prst="line">
+          <a:prstGeom prst="rect">
             <a:avLst/>
           </a:prstGeom>
-          <a:ln w="22225">
-            <a:solidFill>
-              <a:schemeClr val="bg2">
-                <a:lumMod val="50000"/>
-              </a:schemeClr>
-            </a:solidFill>
-          </a:ln>
+          <a:noFill/>
         </p:spPr>
-        <p:style>
-          <a:lnRef idx="1">
-            <a:schemeClr val="accent1"/>
-          </a:lnRef>
-          <a:fillRef idx="0">
-            <a:schemeClr val="accent1"/>
-          </a:fillRef>
-          <a:effectRef idx="0">
-            <a:schemeClr val="accent1"/>
-          </a:effectRef>
-          <a:fontRef idx="minor">
-            <a:schemeClr val="tx1"/>
-          </a:fontRef>
-        </p:style>
-      </p:cxnSp>
+        <p:txBody>
+          <a:bodyPr wrap="square">
+            <a:spAutoFit/>
+          </a:bodyPr>
+          <a:lstStyle/>
+          <a:p>
+            <a:r>
+              <a:rPr lang="en-US" sz="900" b="0" dirty="0">
+                <a:solidFill>
+                  <a:srgbClr val="D4D4D4"/>
+                </a:solidFill>
+                <a:effectLst/>
+                <a:highlight>
+                  <a:srgbClr val="1E1E1E"/>
+                </a:highlight>
+                <a:latin typeface="Consolas" panose="020B0609020204030204" pitchFamily="49" charset="0"/>
+              </a:rPr>
+              <a:t>Life satisfaction   </a:t>
+            </a:r>
+            <a:r>
+              <a:rPr lang="en-US" sz="900" b="0" dirty="0">
+                <a:solidFill>
+                  <a:srgbClr val="569CD6"/>
+                </a:solidFill>
+                <a:effectLst/>
+                <a:highlight>
+                  <a:srgbClr val="1E1E1E"/>
+                </a:highlight>
+                <a:latin typeface="Consolas" panose="020B0609020204030204" pitchFamily="49" charset="0"/>
+              </a:rPr>
+              <a:t>LS</a:t>
+            </a:r>
+            <a:endParaRPr lang="en-US" sz="900" b="0" dirty="0">
+              <a:solidFill>
+                <a:srgbClr val="D4D4D4"/>
+              </a:solidFill>
+              <a:effectLst/>
+              <a:highlight>
+                <a:srgbClr val="1E1E1E"/>
+              </a:highlight>
+              <a:latin typeface="Consolas" panose="020B0609020204030204" pitchFamily="49" charset="0"/>
+            </a:endParaRPr>
+          </a:p>
+          <a:p>
+            <a:r>
+              <a:rPr lang="en-US" sz="900" b="0" dirty="0">
+                <a:solidFill>
+                  <a:srgbClr val="D4D4D4"/>
+                </a:solidFill>
+                <a:effectLst/>
+                <a:highlight>
+                  <a:srgbClr val="1E1E1E"/>
+                </a:highlight>
+                <a:latin typeface="Consolas" panose="020B0609020204030204" pitchFamily="49" charset="0"/>
+              </a:rPr>
+              <a:t>Long-term unemployment rate </a:t>
+            </a:r>
+            <a:r>
+              <a:rPr lang="en-US" sz="900" b="0" dirty="0">
+                <a:solidFill>
+                  <a:srgbClr val="569CD6"/>
+                </a:solidFill>
+                <a:effectLst/>
+                <a:highlight>
+                  <a:srgbClr val="1E1E1E"/>
+                </a:highlight>
+                <a:latin typeface="Consolas" panose="020B0609020204030204" pitchFamily="49" charset="0"/>
+              </a:rPr>
+              <a:t> LTUR </a:t>
+            </a:r>
+            <a:endParaRPr lang="en-US" sz="900" b="0" dirty="0">
+              <a:solidFill>
+                <a:srgbClr val="D4D4D4"/>
+              </a:solidFill>
+              <a:effectLst/>
+              <a:highlight>
+                <a:srgbClr val="1E1E1E"/>
+              </a:highlight>
+              <a:latin typeface="Consolas" panose="020B0609020204030204" pitchFamily="49" charset="0"/>
+            </a:endParaRPr>
+          </a:p>
+          <a:p>
+            <a:r>
+              <a:rPr lang="en-US" sz="900" b="0" dirty="0">
+                <a:solidFill>
+                  <a:srgbClr val="D4D4D4"/>
+                </a:solidFill>
+                <a:effectLst/>
+                <a:highlight>
+                  <a:srgbClr val="1E1E1E"/>
+                </a:highlight>
+                <a:latin typeface="Consolas" panose="020B0609020204030204" pitchFamily="49" charset="0"/>
+              </a:rPr>
+              <a:t>Voter turnout   </a:t>
+            </a:r>
+            <a:r>
+              <a:rPr lang="en-US" sz="900" b="0" dirty="0">
+                <a:solidFill>
+                  <a:srgbClr val="569CD6"/>
+                </a:solidFill>
+                <a:effectLst/>
+                <a:highlight>
+                  <a:srgbClr val="1E1E1E"/>
+                </a:highlight>
+                <a:latin typeface="Consolas" panose="020B0609020204030204" pitchFamily="49" charset="0"/>
+              </a:rPr>
+              <a:t> VT </a:t>
+            </a:r>
+            <a:endParaRPr lang="en-US" sz="900" b="0" dirty="0">
+              <a:solidFill>
+                <a:srgbClr val="D4D4D4"/>
+              </a:solidFill>
+              <a:effectLst/>
+              <a:highlight>
+                <a:srgbClr val="1E1E1E"/>
+              </a:highlight>
+              <a:latin typeface="Consolas" panose="020B0609020204030204" pitchFamily="49" charset="0"/>
+            </a:endParaRPr>
+          </a:p>
+          <a:p>
+            <a:r>
+              <a:rPr lang="en-US" sz="900" b="0" dirty="0">
+                <a:solidFill>
+                  <a:srgbClr val="D4D4D4"/>
+                </a:solidFill>
+                <a:effectLst/>
+                <a:highlight>
+                  <a:srgbClr val="1E1E1E"/>
+                </a:highlight>
+                <a:latin typeface="Consolas" panose="020B0609020204030204" pitchFamily="49" charset="0"/>
+              </a:rPr>
+              <a:t>Youth not in employment, education or training  </a:t>
+            </a:r>
+            <a:r>
+              <a:rPr lang="en-US" sz="900" b="0" dirty="0">
+                <a:solidFill>
+                  <a:srgbClr val="569CD6"/>
+                </a:solidFill>
+                <a:effectLst/>
+                <a:highlight>
+                  <a:srgbClr val="1E1E1E"/>
+                </a:highlight>
+                <a:latin typeface="Consolas" panose="020B0609020204030204" pitchFamily="49" charset="0"/>
+              </a:rPr>
+              <a:t> NEET </a:t>
+            </a:r>
+            <a:endParaRPr lang="en-US" sz="900" b="0" dirty="0">
+              <a:solidFill>
+                <a:srgbClr val="D4D4D4"/>
+              </a:solidFill>
+              <a:effectLst/>
+              <a:highlight>
+                <a:srgbClr val="1E1E1E"/>
+              </a:highlight>
+              <a:latin typeface="Consolas" panose="020B0609020204030204" pitchFamily="49" charset="0"/>
+            </a:endParaRPr>
+          </a:p>
+          <a:p>
+            <a:r>
+              <a:rPr lang="en-US" sz="900" b="0" dirty="0">
+                <a:solidFill>
+                  <a:srgbClr val="D4D4D4"/>
+                </a:solidFill>
+                <a:effectLst/>
+                <a:highlight>
+                  <a:srgbClr val="1E1E1E"/>
+                </a:highlight>
+                <a:latin typeface="Consolas" panose="020B0609020204030204" pitchFamily="49" charset="0"/>
+              </a:rPr>
+              <a:t>Perceived health as positive    </a:t>
+            </a:r>
+            <a:r>
+              <a:rPr lang="en-US" sz="900" b="0" dirty="0">
+                <a:solidFill>
+                  <a:srgbClr val="569CD6"/>
+                </a:solidFill>
+                <a:effectLst/>
+                <a:highlight>
+                  <a:srgbClr val="1E1E1E"/>
+                </a:highlight>
+                <a:latin typeface="Consolas" panose="020B0609020204030204" pitchFamily="49" charset="0"/>
+              </a:rPr>
+              <a:t> PH+ </a:t>
+            </a:r>
+            <a:endParaRPr lang="en-US" sz="900" b="0" dirty="0">
+              <a:solidFill>
+                <a:srgbClr val="D4D4D4"/>
+              </a:solidFill>
+              <a:effectLst/>
+              <a:highlight>
+                <a:srgbClr val="1E1E1E"/>
+              </a:highlight>
+              <a:latin typeface="Consolas" panose="020B0609020204030204" pitchFamily="49" charset="0"/>
+            </a:endParaRPr>
+          </a:p>
+          <a:p>
+            <a:r>
+              <a:rPr lang="en-US" sz="900" b="0" dirty="0">
+                <a:solidFill>
+                  <a:srgbClr val="D4D4D4"/>
+                </a:solidFill>
+                <a:effectLst/>
+                <a:highlight>
+                  <a:srgbClr val="1E1E1E"/>
+                </a:highlight>
+                <a:latin typeface="Consolas" panose="020B0609020204030204" pitchFamily="49" charset="0"/>
+              </a:rPr>
+              <a:t>Employment rate </a:t>
+            </a:r>
+            <a:r>
+              <a:rPr lang="en-US" sz="900" b="0" dirty="0">
+                <a:solidFill>
+                  <a:srgbClr val="569CD6"/>
+                </a:solidFill>
+                <a:effectLst/>
+                <a:highlight>
+                  <a:srgbClr val="1E1E1E"/>
+                </a:highlight>
+                <a:latin typeface="Consolas" panose="020B0609020204030204" pitchFamily="49" charset="0"/>
+              </a:rPr>
+              <a:t> ER </a:t>
+            </a:r>
+            <a:endParaRPr lang="en-US" sz="900" b="0" dirty="0">
+              <a:solidFill>
+                <a:srgbClr val="D4D4D4"/>
+              </a:solidFill>
+              <a:effectLst/>
+              <a:highlight>
+                <a:srgbClr val="1E1E1E"/>
+              </a:highlight>
+              <a:latin typeface="Consolas" panose="020B0609020204030204" pitchFamily="49" charset="0"/>
+            </a:endParaRPr>
+          </a:p>
+          <a:p>
+            <a:r>
+              <a:rPr lang="en-US" sz="900" b="0" dirty="0">
+                <a:solidFill>
+                  <a:srgbClr val="D4D4D4"/>
+                </a:solidFill>
+                <a:effectLst/>
+                <a:highlight>
+                  <a:srgbClr val="1E1E1E"/>
+                </a:highlight>
+                <a:latin typeface="Consolas" panose="020B0609020204030204" pitchFamily="49" charset="0"/>
+              </a:rPr>
+              <a:t>Long hours in paid work </a:t>
+            </a:r>
+            <a:r>
+              <a:rPr lang="en-US" sz="900" b="0" dirty="0">
+                <a:solidFill>
+                  <a:srgbClr val="569CD6"/>
+                </a:solidFill>
+                <a:effectLst/>
+                <a:highlight>
+                  <a:srgbClr val="1E1E1E"/>
+                </a:highlight>
+                <a:latin typeface="Consolas" panose="020B0609020204030204" pitchFamily="49" charset="0"/>
+              </a:rPr>
+              <a:t> LHWPW </a:t>
+            </a:r>
+            <a:endParaRPr lang="en-US" sz="900" b="0" dirty="0">
+              <a:solidFill>
+                <a:srgbClr val="D4D4D4"/>
+              </a:solidFill>
+              <a:effectLst/>
+              <a:highlight>
+                <a:srgbClr val="1E1E1E"/>
+              </a:highlight>
+              <a:latin typeface="Consolas" panose="020B0609020204030204" pitchFamily="49" charset="0"/>
+            </a:endParaRPr>
+          </a:p>
+          <a:p>
+            <a:r>
+              <a:rPr lang="en-US" sz="900" b="0" dirty="0">
+                <a:solidFill>
+                  <a:srgbClr val="D4D4D4"/>
+                </a:solidFill>
+                <a:effectLst/>
+                <a:highlight>
+                  <a:srgbClr val="1E1E1E"/>
+                </a:highlight>
+                <a:latin typeface="Consolas" panose="020B0609020204030204" pitchFamily="49" charset="0"/>
+              </a:rPr>
+              <a:t>Homicides   </a:t>
+            </a:r>
+            <a:r>
+              <a:rPr lang="en-US" sz="900" b="0" dirty="0">
+                <a:solidFill>
+                  <a:srgbClr val="569CD6"/>
+                </a:solidFill>
+                <a:effectLst/>
+                <a:highlight>
+                  <a:srgbClr val="1E1E1E"/>
+                </a:highlight>
+                <a:latin typeface="Consolas" panose="020B0609020204030204" pitchFamily="49" charset="0"/>
+              </a:rPr>
+              <a:t> H </a:t>
+            </a:r>
+            <a:endParaRPr lang="en-US" sz="900" b="0" dirty="0">
+              <a:solidFill>
+                <a:srgbClr val="D4D4D4"/>
+              </a:solidFill>
+              <a:effectLst/>
+              <a:highlight>
+                <a:srgbClr val="1E1E1E"/>
+              </a:highlight>
+              <a:latin typeface="Consolas" panose="020B0609020204030204" pitchFamily="49" charset="0"/>
+            </a:endParaRPr>
+          </a:p>
+          <a:p>
+            <a:r>
+              <a:rPr lang="en-US" sz="900" b="0" dirty="0">
+                <a:solidFill>
+                  <a:srgbClr val="D4D4D4"/>
+                </a:solidFill>
+                <a:effectLst/>
+                <a:highlight>
+                  <a:srgbClr val="1E1E1E"/>
+                </a:highlight>
+                <a:latin typeface="Consolas" panose="020B0609020204030204" pitchFamily="49" charset="0"/>
+              </a:rPr>
+              <a:t>Life expectancy at birth    </a:t>
+            </a:r>
+            <a:r>
+              <a:rPr lang="en-US" sz="900" b="0" dirty="0">
+                <a:solidFill>
+                  <a:srgbClr val="569CD6"/>
+                </a:solidFill>
+                <a:effectLst/>
+                <a:highlight>
+                  <a:srgbClr val="1E1E1E"/>
+                </a:highlight>
+                <a:latin typeface="Consolas" panose="020B0609020204030204" pitchFamily="49" charset="0"/>
+              </a:rPr>
+              <a:t> LE </a:t>
+            </a:r>
+            <a:endParaRPr lang="en-US" sz="900" b="0" dirty="0">
+              <a:solidFill>
+                <a:srgbClr val="D4D4D4"/>
+              </a:solidFill>
+              <a:effectLst/>
+              <a:highlight>
+                <a:srgbClr val="1E1E1E"/>
+              </a:highlight>
+              <a:latin typeface="Consolas" panose="020B0609020204030204" pitchFamily="49" charset="0"/>
+            </a:endParaRPr>
+          </a:p>
+          <a:p>
+            <a:r>
+              <a:rPr lang="en-US" sz="900" b="0" dirty="0">
+                <a:solidFill>
+                  <a:srgbClr val="D4D4D4"/>
+                </a:solidFill>
+                <a:effectLst/>
+                <a:highlight>
+                  <a:srgbClr val="1E1E1E"/>
+                </a:highlight>
+                <a:latin typeface="Consolas" panose="020B0609020204030204" pitchFamily="49" charset="0"/>
+              </a:rPr>
+              <a:t>Average annual gross earnings   </a:t>
+            </a:r>
+            <a:r>
+              <a:rPr lang="en-US" sz="900" b="0" dirty="0">
+                <a:solidFill>
+                  <a:srgbClr val="569CD6"/>
+                </a:solidFill>
+                <a:effectLst/>
+                <a:highlight>
+                  <a:srgbClr val="1E1E1E"/>
+                </a:highlight>
+                <a:latin typeface="Consolas" panose="020B0609020204030204" pitchFamily="49" charset="0"/>
+              </a:rPr>
+              <a:t> AAGE </a:t>
+            </a:r>
+            <a:endParaRPr lang="en-US" sz="900" b="0" dirty="0">
+              <a:solidFill>
+                <a:srgbClr val="D4D4D4"/>
+              </a:solidFill>
+              <a:effectLst/>
+              <a:highlight>
+                <a:srgbClr val="1E1E1E"/>
+              </a:highlight>
+              <a:latin typeface="Consolas" panose="020B0609020204030204" pitchFamily="49" charset="0"/>
+            </a:endParaRPr>
+          </a:p>
+          <a:p>
+            <a:r>
+              <a:rPr lang="en-US" sz="900" b="0" dirty="0">
+                <a:solidFill>
+                  <a:srgbClr val="D4D4D4"/>
+                </a:solidFill>
+                <a:effectLst/>
+                <a:highlight>
+                  <a:srgbClr val="1E1E1E"/>
+                </a:highlight>
+                <a:latin typeface="Consolas" panose="020B0609020204030204" pitchFamily="49" charset="0"/>
+              </a:rPr>
+              <a:t>Full-time employees earning less than two-thirds of gross median earnings   </a:t>
+            </a:r>
+            <a:r>
+              <a:rPr lang="en-US" sz="900" b="0" dirty="0">
+                <a:solidFill>
+                  <a:srgbClr val="569CD6"/>
+                </a:solidFill>
+                <a:effectLst/>
+                <a:highlight>
+                  <a:srgbClr val="1E1E1E"/>
+                </a:highlight>
+                <a:latin typeface="Consolas" panose="020B0609020204030204" pitchFamily="49" charset="0"/>
+              </a:rPr>
+              <a:t> FTUELT </a:t>
+            </a:r>
+            <a:endParaRPr lang="en-US" sz="900" b="0" dirty="0">
+              <a:solidFill>
+                <a:srgbClr val="D4D4D4"/>
+              </a:solidFill>
+              <a:effectLst/>
+              <a:highlight>
+                <a:srgbClr val="1E1E1E"/>
+              </a:highlight>
+              <a:latin typeface="Consolas" panose="020B0609020204030204" pitchFamily="49" charset="0"/>
+            </a:endParaRPr>
+          </a:p>
+          <a:p>
+            <a:r>
+              <a:rPr lang="en-US" sz="900" b="0" dirty="0">
+                <a:solidFill>
+                  <a:srgbClr val="D4D4D4"/>
+                </a:solidFill>
+                <a:effectLst/>
+                <a:highlight>
+                  <a:srgbClr val="1E1E1E"/>
+                </a:highlight>
+                <a:latin typeface="Consolas" panose="020B0609020204030204" pitchFamily="49" charset="0"/>
+              </a:rPr>
+              <a:t>Households and NPISHs net adjusted disposable income per capita </a:t>
+            </a:r>
+            <a:r>
+              <a:rPr lang="en-US" sz="900" b="0" dirty="0">
+                <a:solidFill>
+                  <a:srgbClr val="569CD6"/>
+                </a:solidFill>
+                <a:effectLst/>
+                <a:highlight>
+                  <a:srgbClr val="1E1E1E"/>
+                </a:highlight>
+                <a:latin typeface="Consolas" panose="020B0609020204030204" pitchFamily="49" charset="0"/>
+              </a:rPr>
+              <a:t> HDI </a:t>
+            </a:r>
+            <a:endParaRPr lang="en-US" sz="900" b="0" dirty="0">
+              <a:solidFill>
+                <a:srgbClr val="D4D4D4"/>
+              </a:solidFill>
+              <a:effectLst/>
+              <a:highlight>
+                <a:srgbClr val="1E1E1E"/>
+              </a:highlight>
+              <a:latin typeface="Consolas" panose="020B0609020204030204" pitchFamily="49" charset="0"/>
+            </a:endParaRPr>
+          </a:p>
+          <a:p>
+            <a:r>
+              <a:rPr lang="en-US" sz="900" b="0" dirty="0">
+                <a:solidFill>
+                  <a:srgbClr val="D4D4D4"/>
+                </a:solidFill>
+                <a:effectLst/>
+                <a:highlight>
+                  <a:srgbClr val="1E1E1E"/>
+                </a:highlight>
+                <a:latin typeface="Consolas" panose="020B0609020204030204" pitchFamily="49" charset="0"/>
+              </a:rPr>
+              <a:t>Perceived health as negative    </a:t>
+            </a:r>
+            <a:r>
+              <a:rPr lang="en-US" sz="900" b="0" dirty="0">
+                <a:solidFill>
+                  <a:srgbClr val="569CD6"/>
+                </a:solidFill>
+                <a:effectLst/>
+                <a:highlight>
+                  <a:srgbClr val="1E1E1E"/>
+                </a:highlight>
+                <a:latin typeface="Consolas" panose="020B0609020204030204" pitchFamily="49" charset="0"/>
+              </a:rPr>
+              <a:t> PH</a:t>
+            </a:r>
+            <a:endParaRPr lang="en-US" sz="900" b="0" dirty="0">
+              <a:solidFill>
+                <a:srgbClr val="D4D4D4"/>
+              </a:solidFill>
+              <a:effectLst/>
+              <a:highlight>
+                <a:srgbClr val="1E1E1E"/>
+              </a:highlight>
+              <a:latin typeface="Consolas" panose="020B0609020204030204" pitchFamily="49" charset="0"/>
+            </a:endParaRPr>
+          </a:p>
+          <a:p>
+            <a:r>
+              <a:rPr lang="en-US" sz="900" b="0" dirty="0">
+                <a:solidFill>
+                  <a:srgbClr val="D4D4D4"/>
+                </a:solidFill>
+                <a:effectLst/>
+                <a:highlight>
+                  <a:srgbClr val="1E1E1E"/>
+                </a:highlight>
+                <a:latin typeface="Consolas" panose="020B0609020204030204" pitchFamily="49" charset="0"/>
+              </a:rPr>
+              <a:t>Housing affordability   </a:t>
+            </a:r>
+            <a:r>
+              <a:rPr lang="en-US" sz="900" b="0" dirty="0">
+                <a:solidFill>
+                  <a:srgbClr val="569CD6"/>
+                </a:solidFill>
+                <a:effectLst/>
+                <a:highlight>
+                  <a:srgbClr val="1E1E1E"/>
+                </a:highlight>
+                <a:latin typeface="Consolas" panose="020B0609020204030204" pitchFamily="49" charset="0"/>
+              </a:rPr>
+              <a:t> HA </a:t>
+            </a:r>
+            <a:endParaRPr lang="en-US" sz="900" b="0" dirty="0">
+              <a:solidFill>
+                <a:srgbClr val="D4D4D4"/>
+              </a:solidFill>
+              <a:effectLst/>
+              <a:highlight>
+                <a:srgbClr val="1E1E1E"/>
+              </a:highlight>
+              <a:latin typeface="Consolas" panose="020B0609020204030204" pitchFamily="49" charset="0"/>
+            </a:endParaRPr>
+          </a:p>
+          <a:p>
+            <a:r>
+              <a:rPr lang="en-US" sz="900" b="0" dirty="0">
+                <a:solidFill>
+                  <a:srgbClr val="D4D4D4"/>
+                </a:solidFill>
+                <a:effectLst/>
+                <a:highlight>
+                  <a:srgbClr val="1E1E1E"/>
+                </a:highlight>
+                <a:latin typeface="Consolas" panose="020B0609020204030204" pitchFamily="49" charset="0"/>
+              </a:rPr>
+              <a:t>Top earnings of full-time employees decile  </a:t>
+            </a:r>
+            <a:r>
+              <a:rPr lang="en-US" sz="900" b="0" dirty="0">
+                <a:solidFill>
+                  <a:srgbClr val="569CD6"/>
+                </a:solidFill>
+                <a:effectLst/>
+                <a:highlight>
+                  <a:srgbClr val="1E1E1E"/>
+                </a:highlight>
+                <a:latin typeface="Consolas" panose="020B0609020204030204" pitchFamily="49" charset="0"/>
+              </a:rPr>
+              <a:t> TEFTED </a:t>
+            </a:r>
+            <a:endParaRPr lang="en-US" sz="900" b="0" dirty="0">
+              <a:solidFill>
+                <a:srgbClr val="D4D4D4"/>
+              </a:solidFill>
+              <a:effectLst/>
+              <a:highlight>
+                <a:srgbClr val="1E1E1E"/>
+              </a:highlight>
+              <a:latin typeface="Consolas" panose="020B0609020204030204" pitchFamily="49" charset="0"/>
+            </a:endParaRPr>
+          </a:p>
+          <a:p>
+            <a:r>
+              <a:rPr lang="en-US" sz="900" b="0" dirty="0">
+                <a:solidFill>
+                  <a:srgbClr val="D4D4D4"/>
+                </a:solidFill>
+                <a:effectLst/>
+                <a:highlight>
+                  <a:srgbClr val="1E1E1E"/>
+                </a:highlight>
+                <a:latin typeface="Consolas" panose="020B0609020204030204" pitchFamily="49" charset="0"/>
+              </a:rPr>
+              <a:t>Gender wage gap </a:t>
+            </a:r>
+            <a:r>
+              <a:rPr lang="en-US" sz="900" b="0" dirty="0">
+                <a:solidFill>
+                  <a:srgbClr val="569CD6"/>
+                </a:solidFill>
+                <a:effectLst/>
+                <a:highlight>
+                  <a:srgbClr val="1E1E1E"/>
+                </a:highlight>
+                <a:latin typeface="Consolas" panose="020B0609020204030204" pitchFamily="49" charset="0"/>
+              </a:rPr>
+              <a:t> GWG </a:t>
+            </a:r>
+            <a:endParaRPr lang="en-US" sz="900" b="0" dirty="0">
+              <a:solidFill>
+                <a:srgbClr val="D4D4D4"/>
+              </a:solidFill>
+              <a:effectLst/>
+              <a:highlight>
+                <a:srgbClr val="1E1E1E"/>
+              </a:highlight>
+              <a:latin typeface="Consolas" panose="020B0609020204030204" pitchFamily="49" charset="0"/>
+            </a:endParaRPr>
+          </a:p>
+          <a:p>
+            <a:r>
+              <a:rPr lang="en-US" sz="900" b="0" dirty="0">
+                <a:solidFill>
+                  <a:srgbClr val="D4D4D4"/>
+                </a:solidFill>
+                <a:effectLst/>
+                <a:highlight>
+                  <a:srgbClr val="1E1E1E"/>
+                </a:highlight>
+                <a:latin typeface="Consolas" panose="020B0609020204030204" pitchFamily="49" charset="0"/>
+              </a:rPr>
+              <a:t>Road deaths </a:t>
+            </a:r>
+            <a:r>
+              <a:rPr lang="en-US" sz="900" b="0" dirty="0">
+                <a:solidFill>
+                  <a:srgbClr val="569CD6"/>
+                </a:solidFill>
+                <a:effectLst/>
+                <a:highlight>
+                  <a:srgbClr val="1E1E1E"/>
+                </a:highlight>
+                <a:latin typeface="Consolas" panose="020B0609020204030204" pitchFamily="49" charset="0"/>
+              </a:rPr>
+              <a:t> RD </a:t>
+            </a:r>
+            <a:endParaRPr lang="en-US" sz="900" b="0" dirty="0">
+              <a:solidFill>
+                <a:srgbClr val="D4D4D4"/>
+              </a:solidFill>
+              <a:effectLst/>
+              <a:highlight>
+                <a:srgbClr val="1E1E1E"/>
+              </a:highlight>
+              <a:latin typeface="Consolas" panose="020B0609020204030204" pitchFamily="49" charset="0"/>
+            </a:endParaRPr>
+          </a:p>
+          <a:p>
+            <a:r>
+              <a:rPr lang="en-US" sz="900" b="0" dirty="0">
+                <a:solidFill>
+                  <a:srgbClr val="D4D4D4"/>
+                </a:solidFill>
+                <a:effectLst/>
+                <a:highlight>
+                  <a:srgbClr val="1E1E1E"/>
+                </a:highlight>
+                <a:latin typeface="Consolas" panose="020B0609020204030204" pitchFamily="49" charset="0"/>
+              </a:rPr>
+              <a:t>Job strain  </a:t>
+            </a:r>
+            <a:r>
+              <a:rPr lang="en-US" sz="900" b="0" dirty="0">
+                <a:solidFill>
+                  <a:srgbClr val="569CD6"/>
+                </a:solidFill>
+                <a:effectLst/>
+                <a:highlight>
+                  <a:srgbClr val="1E1E1E"/>
+                </a:highlight>
+                <a:latin typeface="Consolas" panose="020B0609020204030204" pitchFamily="49" charset="0"/>
+              </a:rPr>
+              <a:t> JS </a:t>
+            </a:r>
+            <a:endParaRPr lang="en-US" sz="900" b="0" dirty="0">
+              <a:solidFill>
+                <a:srgbClr val="D4D4D4"/>
+              </a:solidFill>
+              <a:effectLst/>
+              <a:highlight>
+                <a:srgbClr val="1E1E1E"/>
+              </a:highlight>
+              <a:latin typeface="Consolas" panose="020B0609020204030204" pitchFamily="49" charset="0"/>
+            </a:endParaRPr>
+          </a:p>
+          <a:p>
+            <a:r>
+              <a:rPr lang="en-US" sz="900" b="0" dirty="0">
+                <a:solidFill>
+                  <a:srgbClr val="D4D4D4"/>
+                </a:solidFill>
+                <a:effectLst/>
+                <a:highlight>
+                  <a:srgbClr val="1E1E1E"/>
+                </a:highlight>
+                <a:latin typeface="Consolas" panose="020B0609020204030204" pitchFamily="49" charset="0"/>
+              </a:rPr>
+              <a:t>Exposed to air pollution    </a:t>
+            </a:r>
+            <a:r>
+              <a:rPr lang="en-US" sz="900" b="0" dirty="0">
+                <a:solidFill>
+                  <a:srgbClr val="569CD6"/>
+                </a:solidFill>
+                <a:effectLst/>
+                <a:highlight>
+                  <a:srgbClr val="1E1E1E"/>
+                </a:highlight>
+                <a:latin typeface="Consolas" panose="020B0609020204030204" pitchFamily="49" charset="0"/>
+              </a:rPr>
+              <a:t> EAP </a:t>
+            </a:r>
+            <a:endParaRPr lang="en-US" sz="900" b="0" dirty="0">
+              <a:solidFill>
+                <a:srgbClr val="D4D4D4"/>
+              </a:solidFill>
+              <a:effectLst/>
+              <a:highlight>
+                <a:srgbClr val="1E1E1E"/>
+              </a:highlight>
+              <a:latin typeface="Consolas" panose="020B0609020204030204" pitchFamily="49" charset="0"/>
+            </a:endParaRPr>
+          </a:p>
+          <a:p>
+            <a:r>
+              <a:rPr lang="en-US" sz="900" b="0" dirty="0">
+                <a:solidFill>
+                  <a:srgbClr val="D4D4D4"/>
+                </a:solidFill>
+                <a:effectLst/>
+                <a:highlight>
+                  <a:srgbClr val="1E1E1E"/>
+                </a:highlight>
+                <a:latin typeface="Consolas" panose="020B0609020204030204" pitchFamily="49" charset="0"/>
+              </a:rPr>
+              <a:t>Feeling safe at night   </a:t>
+            </a:r>
+            <a:r>
+              <a:rPr lang="en-US" sz="900" b="0" dirty="0">
+                <a:solidFill>
+                  <a:srgbClr val="569CD6"/>
+                </a:solidFill>
+                <a:effectLst/>
+                <a:highlight>
+                  <a:srgbClr val="1E1E1E"/>
+                </a:highlight>
+                <a:latin typeface="Consolas" panose="020B0609020204030204" pitchFamily="49" charset="0"/>
+              </a:rPr>
+              <a:t> FSAN </a:t>
+            </a:r>
+            <a:endParaRPr lang="en-US" sz="900" b="0" dirty="0">
+              <a:solidFill>
+                <a:srgbClr val="D4D4D4"/>
+              </a:solidFill>
+              <a:effectLst/>
+              <a:highlight>
+                <a:srgbClr val="1E1E1E"/>
+              </a:highlight>
+              <a:latin typeface="Consolas" panose="020B0609020204030204" pitchFamily="49" charset="0"/>
+            </a:endParaRPr>
+          </a:p>
+          <a:p>
+            <a:r>
+              <a:rPr lang="en-US" sz="900" b="0" dirty="0">
+                <a:solidFill>
+                  <a:srgbClr val="D4D4D4"/>
+                </a:solidFill>
+                <a:effectLst/>
+                <a:highlight>
+                  <a:srgbClr val="1E1E1E"/>
+                </a:highlight>
+                <a:latin typeface="Consolas" panose="020B0609020204030204" pitchFamily="49" charset="0"/>
+              </a:rPr>
+              <a:t>Negative affect balance </a:t>
+            </a:r>
+            <a:r>
+              <a:rPr lang="en-US" sz="900" b="0" dirty="0">
+                <a:solidFill>
+                  <a:srgbClr val="569CD6"/>
+                </a:solidFill>
+                <a:effectLst/>
+                <a:highlight>
+                  <a:srgbClr val="1E1E1E"/>
+                </a:highlight>
+                <a:latin typeface="Consolas" panose="020B0609020204030204" pitchFamily="49" charset="0"/>
+              </a:rPr>
+              <a:t> NAB </a:t>
+            </a:r>
+            <a:endParaRPr lang="en-US" sz="900" b="0" dirty="0">
+              <a:solidFill>
+                <a:srgbClr val="D4D4D4"/>
+              </a:solidFill>
+              <a:effectLst/>
+              <a:highlight>
+                <a:srgbClr val="1E1E1E"/>
+              </a:highlight>
+              <a:latin typeface="Consolas" panose="020B0609020204030204" pitchFamily="49" charset="0"/>
+            </a:endParaRPr>
+          </a:p>
+          <a:p>
+            <a:r>
+              <a:rPr lang="en-US" sz="900" b="0" dirty="0">
+                <a:solidFill>
+                  <a:srgbClr val="D4D4D4"/>
+                </a:solidFill>
+                <a:effectLst/>
+                <a:highlight>
+                  <a:srgbClr val="1E1E1E"/>
+                </a:highlight>
+                <a:latin typeface="Consolas" panose="020B0609020204030204" pitchFamily="49" charset="0"/>
+              </a:rPr>
+              <a:t>Not feeling safe at night   </a:t>
+            </a:r>
+            <a:r>
+              <a:rPr lang="en-US" sz="900" b="0" dirty="0">
+                <a:solidFill>
+                  <a:srgbClr val="569CD6"/>
+                </a:solidFill>
+                <a:effectLst/>
+                <a:highlight>
+                  <a:srgbClr val="1E1E1E"/>
+                </a:highlight>
+                <a:latin typeface="Consolas" panose="020B0609020204030204" pitchFamily="49" charset="0"/>
+              </a:rPr>
+              <a:t> NFSAN </a:t>
+            </a:r>
+            <a:endParaRPr lang="en-US" sz="900" b="0" dirty="0">
+              <a:solidFill>
+                <a:srgbClr val="D4D4D4"/>
+              </a:solidFill>
+              <a:effectLst/>
+              <a:highlight>
+                <a:srgbClr val="1E1E1E"/>
+              </a:highlight>
+              <a:latin typeface="Consolas" panose="020B0609020204030204" pitchFamily="49" charset="0"/>
+            </a:endParaRPr>
+          </a:p>
+          <a:p>
+            <a:r>
+              <a:rPr lang="en-US" sz="900" b="0" dirty="0">
+                <a:solidFill>
+                  <a:srgbClr val="D4D4D4"/>
+                </a:solidFill>
+                <a:effectLst/>
+                <a:highlight>
+                  <a:srgbClr val="1E1E1E"/>
+                </a:highlight>
+                <a:latin typeface="Consolas" panose="020B0609020204030204" pitchFamily="49" charset="0"/>
+              </a:rPr>
+              <a:t>Lack of social support  </a:t>
+            </a:r>
+            <a:r>
+              <a:rPr lang="en-US" sz="900" b="0" dirty="0">
+                <a:solidFill>
+                  <a:srgbClr val="569CD6"/>
+                </a:solidFill>
+                <a:effectLst/>
+                <a:highlight>
+                  <a:srgbClr val="1E1E1E"/>
+                </a:highlight>
+                <a:latin typeface="Consolas" panose="020B0609020204030204" pitchFamily="49" charset="0"/>
+              </a:rPr>
+              <a:t> LSS </a:t>
+            </a:r>
+            <a:endParaRPr lang="en-US" sz="900" b="0" dirty="0">
+              <a:solidFill>
+                <a:srgbClr val="D4D4D4"/>
+              </a:solidFill>
+              <a:effectLst/>
+              <a:highlight>
+                <a:srgbClr val="1E1E1E"/>
+              </a:highlight>
+              <a:latin typeface="Consolas" panose="020B0609020204030204" pitchFamily="49" charset="0"/>
+            </a:endParaRPr>
+          </a:p>
+          <a:p>
+            <a:r>
+              <a:rPr lang="en-US" sz="900" b="0" dirty="0">
+                <a:solidFill>
+                  <a:srgbClr val="D4D4D4"/>
+                </a:solidFill>
+                <a:effectLst/>
+                <a:highlight>
+                  <a:srgbClr val="1E1E1E"/>
+                </a:highlight>
+                <a:latin typeface="Consolas" panose="020B0609020204030204" pitchFamily="49" charset="0"/>
+              </a:rPr>
+              <a:t>Student mathematics skills  </a:t>
+            </a:r>
+            <a:r>
+              <a:rPr lang="en-US" sz="900" b="0" dirty="0">
+                <a:solidFill>
+                  <a:srgbClr val="569CD6"/>
+                </a:solidFill>
+                <a:effectLst/>
+                <a:highlight>
+                  <a:srgbClr val="1E1E1E"/>
+                </a:highlight>
+                <a:latin typeface="Consolas" panose="020B0609020204030204" pitchFamily="49" charset="0"/>
+              </a:rPr>
+              <a:t> SMS </a:t>
+            </a:r>
+            <a:endParaRPr lang="en-US" sz="900" b="0" dirty="0">
+              <a:solidFill>
+                <a:srgbClr val="D4D4D4"/>
+              </a:solidFill>
+              <a:effectLst/>
+              <a:highlight>
+                <a:srgbClr val="1E1E1E"/>
+              </a:highlight>
+              <a:latin typeface="Consolas" panose="020B0609020204030204" pitchFamily="49" charset="0"/>
+            </a:endParaRPr>
+          </a:p>
+          <a:p>
+            <a:r>
+              <a:rPr lang="en-US" sz="900" b="0" dirty="0">
+                <a:solidFill>
+                  <a:srgbClr val="D4D4D4"/>
+                </a:solidFill>
+                <a:effectLst/>
+                <a:highlight>
+                  <a:srgbClr val="1E1E1E"/>
+                </a:highlight>
+                <a:latin typeface="Consolas" panose="020B0609020204030204" pitchFamily="49" charset="0"/>
+              </a:rPr>
+              <a:t>Social support  </a:t>
+            </a:r>
+            <a:r>
+              <a:rPr lang="en-US" sz="900" b="0" dirty="0">
+                <a:solidFill>
+                  <a:srgbClr val="569CD6"/>
+                </a:solidFill>
+                <a:effectLst/>
+                <a:highlight>
+                  <a:srgbClr val="1E1E1E"/>
+                </a:highlight>
+                <a:latin typeface="Consolas" panose="020B0609020204030204" pitchFamily="49" charset="0"/>
+              </a:rPr>
+              <a:t> SS </a:t>
+            </a:r>
+            <a:endParaRPr lang="en-US" sz="900" b="0" dirty="0">
+              <a:solidFill>
+                <a:srgbClr val="D4D4D4"/>
+              </a:solidFill>
+              <a:effectLst/>
+              <a:highlight>
+                <a:srgbClr val="1E1E1E"/>
+              </a:highlight>
+              <a:latin typeface="Consolas" panose="020B0609020204030204" pitchFamily="49" charset="0"/>
+            </a:endParaRPr>
+          </a:p>
+          <a:p>
+            <a:r>
+              <a:rPr lang="en-US" sz="900" b="0" dirty="0">
+                <a:solidFill>
+                  <a:srgbClr val="D4D4D4"/>
+                </a:solidFill>
+                <a:effectLst/>
+                <a:highlight>
+                  <a:srgbClr val="1E1E1E"/>
+                </a:highlight>
+                <a:latin typeface="Consolas" panose="020B0609020204030204" pitchFamily="49" charset="0"/>
+              </a:rPr>
+              <a:t>Student science skills  </a:t>
+            </a:r>
+            <a:r>
+              <a:rPr lang="en-US" sz="900" b="0" dirty="0">
+                <a:solidFill>
+                  <a:srgbClr val="569CD6"/>
+                </a:solidFill>
+                <a:effectLst/>
+                <a:highlight>
+                  <a:srgbClr val="1E1E1E"/>
+                </a:highlight>
+                <a:latin typeface="Consolas" panose="020B0609020204030204" pitchFamily="49" charset="0"/>
+              </a:rPr>
+              <a:t> SSS </a:t>
+            </a:r>
+            <a:endParaRPr lang="en-US" sz="900" b="0" dirty="0">
+              <a:solidFill>
+                <a:srgbClr val="D4D4D4"/>
+              </a:solidFill>
+              <a:effectLst/>
+              <a:highlight>
+                <a:srgbClr val="1E1E1E"/>
+              </a:highlight>
+              <a:latin typeface="Consolas" panose="020B0609020204030204" pitchFamily="49" charset="0"/>
+            </a:endParaRPr>
+          </a:p>
+          <a:p>
+            <a:r>
+              <a:rPr lang="en-US" sz="900" b="0" dirty="0" err="1">
+                <a:solidFill>
+                  <a:srgbClr val="D4D4D4"/>
+                </a:solidFill>
+                <a:effectLst/>
+                <a:highlight>
+                  <a:srgbClr val="1E1E1E"/>
+                </a:highlight>
+                <a:latin typeface="Consolas" panose="020B0609020204030204" pitchFamily="49" charset="0"/>
+              </a:rPr>
+              <a:t>Labour</a:t>
+            </a:r>
+            <a:r>
+              <a:rPr lang="en-US" sz="900" b="0" dirty="0">
+                <a:solidFill>
+                  <a:srgbClr val="D4D4D4"/>
+                </a:solidFill>
+                <a:effectLst/>
+                <a:highlight>
+                  <a:srgbClr val="1E1E1E"/>
+                </a:highlight>
+                <a:latin typeface="Consolas" panose="020B0609020204030204" pitchFamily="49" charset="0"/>
+              </a:rPr>
+              <a:t> market insecurity    </a:t>
+            </a:r>
+            <a:r>
+              <a:rPr lang="en-US" sz="900" b="0" dirty="0">
+                <a:solidFill>
+                  <a:srgbClr val="569CD6"/>
+                </a:solidFill>
+                <a:effectLst/>
+                <a:highlight>
+                  <a:srgbClr val="1E1E1E"/>
+                </a:highlight>
+                <a:latin typeface="Consolas" panose="020B0609020204030204" pitchFamily="49" charset="0"/>
+              </a:rPr>
+              <a:t> LMIS </a:t>
+            </a:r>
+            <a:endParaRPr lang="en-US" sz="900" b="0" dirty="0">
+              <a:solidFill>
+                <a:srgbClr val="D4D4D4"/>
+              </a:solidFill>
+              <a:effectLst/>
+              <a:highlight>
+                <a:srgbClr val="1E1E1E"/>
+              </a:highlight>
+              <a:latin typeface="Consolas" panose="020B0609020204030204" pitchFamily="49" charset="0"/>
+            </a:endParaRPr>
+          </a:p>
+          <a:p>
+            <a:r>
+              <a:rPr lang="en-US" sz="900" b="0" dirty="0">
+                <a:solidFill>
+                  <a:srgbClr val="D4D4D4"/>
+                </a:solidFill>
+                <a:effectLst/>
+                <a:highlight>
+                  <a:srgbClr val="1E1E1E"/>
+                </a:highlight>
+                <a:latin typeface="Consolas" panose="020B0609020204030204" pitchFamily="49" charset="0"/>
+              </a:rPr>
+              <a:t>Households with internet access at home </a:t>
+            </a:r>
+            <a:r>
+              <a:rPr lang="en-US" sz="900" b="0" dirty="0">
+                <a:solidFill>
+                  <a:srgbClr val="569CD6"/>
+                </a:solidFill>
+                <a:effectLst/>
+                <a:highlight>
+                  <a:srgbClr val="1E1E1E"/>
+                </a:highlight>
+                <a:latin typeface="Consolas" panose="020B0609020204030204" pitchFamily="49" charset="0"/>
+              </a:rPr>
+              <a:t> HIAH </a:t>
+            </a:r>
+            <a:endParaRPr lang="en-US" sz="900" b="0" dirty="0">
+              <a:solidFill>
+                <a:srgbClr val="D4D4D4"/>
+              </a:solidFill>
+              <a:effectLst/>
+              <a:highlight>
+                <a:srgbClr val="1E1E1E"/>
+              </a:highlight>
+              <a:latin typeface="Consolas" panose="020B0609020204030204" pitchFamily="49" charset="0"/>
+            </a:endParaRPr>
+          </a:p>
+          <a:p>
+            <a:r>
+              <a:rPr lang="en-US" sz="900" b="0" dirty="0">
+                <a:solidFill>
+                  <a:srgbClr val="D4D4D4"/>
+                </a:solidFill>
+                <a:effectLst/>
+                <a:highlight>
+                  <a:srgbClr val="1E1E1E"/>
+                </a:highlight>
+                <a:latin typeface="Consolas" panose="020B0609020204030204" pitchFamily="49" charset="0"/>
+              </a:rPr>
+              <a:t>Student reading skills  </a:t>
+            </a:r>
+            <a:r>
+              <a:rPr lang="en-US" sz="900" b="0" dirty="0">
+                <a:solidFill>
+                  <a:srgbClr val="569CD6"/>
+                </a:solidFill>
+                <a:effectLst/>
+                <a:highlight>
+                  <a:srgbClr val="1E1E1E"/>
+                </a:highlight>
+                <a:latin typeface="Consolas" panose="020B0609020204030204" pitchFamily="49" charset="0"/>
+              </a:rPr>
+              <a:t> SRS </a:t>
+            </a:r>
+            <a:endParaRPr lang="en-US" sz="900" b="0" dirty="0">
+              <a:solidFill>
+                <a:srgbClr val="D4D4D4"/>
+              </a:solidFill>
+              <a:effectLst/>
+              <a:highlight>
+                <a:srgbClr val="1E1E1E"/>
+              </a:highlight>
+              <a:latin typeface="Consolas" panose="020B0609020204030204" pitchFamily="49" charset="0"/>
+            </a:endParaRPr>
+          </a:p>
+          <a:p>
+            <a:r>
+              <a:rPr lang="en-US" sz="900" b="0" dirty="0">
+                <a:solidFill>
+                  <a:srgbClr val="D4D4D4"/>
+                </a:solidFill>
+                <a:effectLst/>
+                <a:highlight>
+                  <a:srgbClr val="1E1E1E"/>
+                </a:highlight>
+                <a:latin typeface="Consolas" panose="020B0609020204030204" pitchFamily="49" charset="0"/>
+              </a:rPr>
+              <a:t>Time off    </a:t>
+            </a:r>
+            <a:r>
+              <a:rPr lang="en-US" sz="900" b="0" dirty="0">
+                <a:solidFill>
+                  <a:srgbClr val="569CD6"/>
+                </a:solidFill>
+                <a:effectLst/>
+                <a:highlight>
+                  <a:srgbClr val="1E1E1E"/>
+                </a:highlight>
+                <a:latin typeface="Consolas" panose="020B0609020204030204" pitchFamily="49" charset="0"/>
+              </a:rPr>
+              <a:t> TO </a:t>
+            </a:r>
+            <a:endParaRPr lang="en-US" sz="900" b="0" dirty="0">
+              <a:solidFill>
+                <a:srgbClr val="D4D4D4"/>
+              </a:solidFill>
+              <a:effectLst/>
+              <a:highlight>
+                <a:srgbClr val="1E1E1E"/>
+              </a:highlight>
+              <a:latin typeface="Consolas" panose="020B0609020204030204" pitchFamily="49" charset="0"/>
+            </a:endParaRPr>
+          </a:p>
+        </p:txBody>
+      </p:sp>
+      <p:sp>
+        <p:nvSpPr>
+          <p:cNvPr id="13" name="TextBox 12">
+            <a:extLst>
+              <a:ext uri="{FF2B5EF4-FFF2-40B4-BE49-F238E27FC236}">
+                <a16:creationId xmlns:a16="http://schemas.microsoft.com/office/drawing/2014/main" id="{515C04B6-40A7-1308-4720-EA6E9EA2537B}"/>
+              </a:ext>
+            </a:extLst>
+          </p:cNvPr>
+          <p:cNvSpPr txBox="1"/>
+          <p:nvPr/>
+        </p:nvSpPr>
+        <p:spPr>
+          <a:xfrm>
+            <a:off x="3842325" y="1566020"/>
+            <a:ext cx="4452158" cy="4524315"/>
+          </a:xfrm>
+          <a:prstGeom prst="rect">
+            <a:avLst/>
+          </a:prstGeom>
+          <a:noFill/>
+        </p:spPr>
+        <p:txBody>
+          <a:bodyPr wrap="square">
+            <a:spAutoFit/>
+          </a:bodyPr>
+          <a:lstStyle/>
+          <a:p>
+            <a:r>
+              <a:rPr lang="en-US" sz="900" b="0" dirty="0">
+                <a:solidFill>
+                  <a:srgbClr val="D4D4D4"/>
+                </a:solidFill>
+                <a:effectLst/>
+                <a:highlight>
+                  <a:srgbClr val="1E1E1E"/>
+                </a:highlight>
+                <a:latin typeface="Consolas" panose="020B0609020204030204" pitchFamily="49" charset="0"/>
+              </a:rPr>
+              <a:t>Time spent in social interactions   </a:t>
+            </a:r>
+            <a:r>
+              <a:rPr lang="en-US" sz="900" b="0" dirty="0">
+                <a:solidFill>
+                  <a:srgbClr val="569CD6"/>
+                </a:solidFill>
+                <a:effectLst/>
+                <a:highlight>
+                  <a:srgbClr val="1E1E1E"/>
+                </a:highlight>
+                <a:latin typeface="Consolas" panose="020B0609020204030204" pitchFamily="49" charset="0"/>
+              </a:rPr>
+              <a:t> TSISI </a:t>
+            </a:r>
+            <a:endParaRPr lang="en-US" sz="900" b="0" dirty="0">
+              <a:solidFill>
+                <a:srgbClr val="D4D4D4"/>
+              </a:solidFill>
+              <a:effectLst/>
+              <a:highlight>
+                <a:srgbClr val="1E1E1E"/>
+              </a:highlight>
+              <a:latin typeface="Consolas" panose="020B0609020204030204" pitchFamily="49" charset="0"/>
+            </a:endParaRPr>
+          </a:p>
+          <a:p>
+            <a:r>
+              <a:rPr lang="en-US" sz="900" b="0" dirty="0">
+                <a:solidFill>
+                  <a:srgbClr val="D4D4D4"/>
+                </a:solidFill>
+                <a:effectLst/>
+                <a:highlight>
+                  <a:srgbClr val="1E1E1E"/>
+                </a:highlight>
+                <a:latin typeface="Consolas" panose="020B0609020204030204" pitchFamily="49" charset="0"/>
+              </a:rPr>
+              <a:t>Households living in overcrowded conditions </a:t>
+            </a:r>
+            <a:r>
+              <a:rPr lang="en-US" sz="900" b="0" dirty="0">
+                <a:solidFill>
+                  <a:srgbClr val="569CD6"/>
+                </a:solidFill>
+                <a:effectLst/>
+                <a:highlight>
+                  <a:srgbClr val="1E1E1E"/>
+                </a:highlight>
+                <a:latin typeface="Consolas" panose="020B0609020204030204" pitchFamily="49" charset="0"/>
+              </a:rPr>
+              <a:t> HO </a:t>
+            </a:r>
+            <a:endParaRPr lang="en-US" sz="900" b="0" dirty="0">
+              <a:solidFill>
+                <a:srgbClr val="D4D4D4"/>
+              </a:solidFill>
+              <a:effectLst/>
+              <a:highlight>
+                <a:srgbClr val="1E1E1E"/>
+              </a:highlight>
+              <a:latin typeface="Consolas" panose="020B0609020204030204" pitchFamily="49" charset="0"/>
+            </a:endParaRPr>
+          </a:p>
+          <a:p>
+            <a:r>
+              <a:rPr lang="en-US" sz="900" b="0" dirty="0">
+                <a:solidFill>
+                  <a:srgbClr val="D4D4D4"/>
+                </a:solidFill>
+                <a:effectLst/>
+                <a:highlight>
+                  <a:srgbClr val="1E1E1E"/>
+                </a:highlight>
+                <a:latin typeface="Consolas" panose="020B0609020204030204" pitchFamily="49" charset="0"/>
+              </a:rPr>
+              <a:t>Poor households without access to basic sanitary facilities </a:t>
+            </a:r>
+            <a:r>
+              <a:rPr lang="en-US" sz="900" b="0" dirty="0">
+                <a:solidFill>
+                  <a:srgbClr val="569CD6"/>
+                </a:solidFill>
+                <a:effectLst/>
+                <a:highlight>
+                  <a:srgbClr val="1E1E1E"/>
+                </a:highlight>
+                <a:latin typeface="Consolas" panose="020B0609020204030204" pitchFamily="49" charset="0"/>
+              </a:rPr>
+              <a:t> PHWABSF </a:t>
+            </a:r>
+            <a:endParaRPr lang="en-US" sz="900" b="0" dirty="0">
+              <a:solidFill>
+                <a:srgbClr val="D4D4D4"/>
+              </a:solidFill>
+              <a:effectLst/>
+              <a:highlight>
+                <a:srgbClr val="1E1E1E"/>
+              </a:highlight>
+              <a:latin typeface="Consolas" panose="020B0609020204030204" pitchFamily="49" charset="0"/>
+            </a:endParaRPr>
+          </a:p>
+          <a:p>
+            <a:r>
+              <a:rPr lang="en-US" sz="900" b="0" dirty="0">
+                <a:solidFill>
+                  <a:srgbClr val="D4D4D4"/>
+                </a:solidFill>
+                <a:effectLst/>
+                <a:highlight>
+                  <a:srgbClr val="1E1E1E"/>
+                </a:highlight>
+                <a:latin typeface="Consolas" panose="020B0609020204030204" pitchFamily="49" charset="0"/>
+              </a:rPr>
+              <a:t>Housing cost overburden </a:t>
+            </a:r>
+            <a:r>
+              <a:rPr lang="en-US" sz="900" b="0" dirty="0">
+                <a:solidFill>
+                  <a:srgbClr val="569CD6"/>
+                </a:solidFill>
+                <a:effectLst/>
+                <a:highlight>
+                  <a:srgbClr val="1E1E1E"/>
+                </a:highlight>
+                <a:latin typeface="Consolas" panose="020B0609020204030204" pitchFamily="49" charset="0"/>
+              </a:rPr>
+              <a:t> HCO </a:t>
+            </a:r>
+            <a:endParaRPr lang="en-US" sz="900" b="0" dirty="0">
+              <a:solidFill>
+                <a:srgbClr val="D4D4D4"/>
+              </a:solidFill>
+              <a:effectLst/>
+              <a:highlight>
+                <a:srgbClr val="1E1E1E"/>
+              </a:highlight>
+              <a:latin typeface="Consolas" panose="020B0609020204030204" pitchFamily="49" charset="0"/>
+            </a:endParaRPr>
+          </a:p>
+          <a:p>
+            <a:r>
+              <a:rPr lang="en-US" sz="900" b="0" dirty="0">
+                <a:solidFill>
+                  <a:srgbClr val="D4D4D4"/>
+                </a:solidFill>
+                <a:effectLst/>
+                <a:highlight>
+                  <a:srgbClr val="1E1E1E"/>
+                </a:highlight>
+                <a:latin typeface="Consolas" panose="020B0609020204030204" pitchFamily="49" charset="0"/>
+              </a:rPr>
+              <a:t>Top wealthiest households decile    </a:t>
+            </a:r>
+            <a:r>
+              <a:rPr lang="en-US" sz="900" b="0" dirty="0">
+                <a:solidFill>
+                  <a:srgbClr val="569CD6"/>
+                </a:solidFill>
+                <a:effectLst/>
+                <a:highlight>
+                  <a:srgbClr val="1E1E1E"/>
+                </a:highlight>
+                <a:latin typeface="Consolas" panose="020B0609020204030204" pitchFamily="49" charset="0"/>
+              </a:rPr>
+              <a:t> TWHSD </a:t>
+            </a:r>
+            <a:endParaRPr lang="en-US" sz="900" b="0" dirty="0">
+              <a:solidFill>
+                <a:srgbClr val="D4D4D4"/>
+              </a:solidFill>
+              <a:effectLst/>
+              <a:highlight>
+                <a:srgbClr val="1E1E1E"/>
+              </a:highlight>
+              <a:latin typeface="Consolas" panose="020B0609020204030204" pitchFamily="49" charset="0"/>
+            </a:endParaRPr>
+          </a:p>
+          <a:p>
+            <a:r>
+              <a:rPr lang="en-US" sz="900" b="0" dirty="0">
+                <a:solidFill>
+                  <a:srgbClr val="D4D4D4"/>
+                </a:solidFill>
+                <a:effectLst/>
+                <a:highlight>
+                  <a:srgbClr val="1E1E1E"/>
+                </a:highlight>
+                <a:latin typeface="Consolas" panose="020B0609020204030204" pitchFamily="49" charset="0"/>
+              </a:rPr>
+              <a:t>Median net wealth   </a:t>
+            </a:r>
+            <a:r>
+              <a:rPr lang="en-US" sz="900" b="0" dirty="0">
+                <a:solidFill>
+                  <a:srgbClr val="569CD6"/>
+                </a:solidFill>
+                <a:effectLst/>
+                <a:highlight>
+                  <a:srgbClr val="1E1E1E"/>
+                </a:highlight>
+                <a:latin typeface="Consolas" panose="020B0609020204030204" pitchFamily="49" charset="0"/>
+              </a:rPr>
+              <a:t> MNW </a:t>
+            </a:r>
+            <a:endParaRPr lang="en-US" sz="900" b="0" dirty="0">
+              <a:solidFill>
+                <a:srgbClr val="D4D4D4"/>
+              </a:solidFill>
+              <a:effectLst/>
+              <a:highlight>
+                <a:srgbClr val="1E1E1E"/>
+              </a:highlight>
+              <a:latin typeface="Consolas" panose="020B0609020204030204" pitchFamily="49" charset="0"/>
+            </a:endParaRPr>
+          </a:p>
+          <a:p>
+            <a:r>
+              <a:rPr lang="en-US" sz="900" b="0" dirty="0">
+                <a:solidFill>
+                  <a:srgbClr val="D4D4D4"/>
+                </a:solidFill>
+                <a:effectLst/>
+                <a:highlight>
+                  <a:srgbClr val="1E1E1E"/>
+                </a:highlight>
+                <a:latin typeface="Consolas" panose="020B0609020204030204" pitchFamily="49" charset="0"/>
+              </a:rPr>
+              <a:t>Adult literacy skills   </a:t>
+            </a:r>
+            <a:r>
+              <a:rPr lang="en-US" sz="900" b="0" dirty="0">
+                <a:solidFill>
+                  <a:srgbClr val="569CD6"/>
+                </a:solidFill>
+                <a:effectLst/>
+                <a:highlight>
+                  <a:srgbClr val="1E1E1E"/>
+                </a:highlight>
+                <a:latin typeface="Consolas" panose="020B0609020204030204" pitchFamily="49" charset="0"/>
+              </a:rPr>
+              <a:t> ALS </a:t>
+            </a:r>
+            <a:endParaRPr lang="en-US" sz="900" b="0" dirty="0">
+              <a:solidFill>
+                <a:srgbClr val="D4D4D4"/>
+              </a:solidFill>
+              <a:effectLst/>
+              <a:highlight>
+                <a:srgbClr val="1E1E1E"/>
+              </a:highlight>
+              <a:latin typeface="Consolas" panose="020B0609020204030204" pitchFamily="49" charset="0"/>
+            </a:endParaRPr>
+          </a:p>
+          <a:p>
+            <a:r>
+              <a:rPr lang="en-US" sz="900" b="0" dirty="0">
+                <a:solidFill>
+                  <a:srgbClr val="D4D4D4"/>
+                </a:solidFill>
+                <a:effectLst/>
+                <a:highlight>
+                  <a:srgbClr val="1E1E1E"/>
+                </a:highlight>
+                <a:latin typeface="Consolas" panose="020B0609020204030204" pitchFamily="49" charset="0"/>
+              </a:rPr>
+              <a:t>Having a say in government  </a:t>
+            </a:r>
+            <a:r>
+              <a:rPr lang="en-US" sz="900" b="0" dirty="0">
+                <a:solidFill>
+                  <a:srgbClr val="569CD6"/>
+                </a:solidFill>
+                <a:effectLst/>
+                <a:highlight>
+                  <a:srgbClr val="1E1E1E"/>
+                </a:highlight>
+                <a:latin typeface="Consolas" panose="020B0609020204030204" pitchFamily="49" charset="0"/>
+              </a:rPr>
+              <a:t> HSG </a:t>
+            </a:r>
+            <a:endParaRPr lang="en-US" sz="900" b="0" dirty="0">
+              <a:solidFill>
+                <a:srgbClr val="D4D4D4"/>
+              </a:solidFill>
+              <a:effectLst/>
+              <a:highlight>
+                <a:srgbClr val="1E1E1E"/>
+              </a:highlight>
+              <a:latin typeface="Consolas" panose="020B0609020204030204" pitchFamily="49" charset="0"/>
+            </a:endParaRPr>
+          </a:p>
+          <a:p>
+            <a:r>
+              <a:rPr lang="en-US" sz="900" b="0" dirty="0">
+                <a:solidFill>
+                  <a:srgbClr val="D4D4D4"/>
+                </a:solidFill>
+                <a:effectLst/>
+                <a:highlight>
+                  <a:srgbClr val="1E1E1E"/>
+                </a:highlight>
+                <a:latin typeface="Consolas" panose="020B0609020204030204" pitchFamily="49" charset="0"/>
+              </a:rPr>
+              <a:t>Not having a say in government  </a:t>
+            </a:r>
+            <a:r>
+              <a:rPr lang="en-US" sz="900" b="0" dirty="0">
+                <a:solidFill>
+                  <a:srgbClr val="569CD6"/>
+                </a:solidFill>
+                <a:effectLst/>
+                <a:highlight>
+                  <a:srgbClr val="1E1E1E"/>
+                </a:highlight>
+                <a:latin typeface="Consolas" panose="020B0609020204030204" pitchFamily="49" charset="0"/>
+              </a:rPr>
+              <a:t> NHSG </a:t>
+            </a:r>
+            <a:endParaRPr lang="en-US" sz="900" b="0" dirty="0">
+              <a:solidFill>
+                <a:srgbClr val="D4D4D4"/>
+              </a:solidFill>
+              <a:effectLst/>
+              <a:highlight>
+                <a:srgbClr val="1E1E1E"/>
+              </a:highlight>
+              <a:latin typeface="Consolas" panose="020B0609020204030204" pitchFamily="49" charset="0"/>
+            </a:endParaRPr>
+          </a:p>
+          <a:p>
+            <a:r>
+              <a:rPr lang="en-US" sz="900" b="0" dirty="0">
+                <a:solidFill>
+                  <a:srgbClr val="D4D4D4"/>
+                </a:solidFill>
+                <a:effectLst/>
+                <a:highlight>
+                  <a:srgbClr val="1E1E1E"/>
+                </a:highlight>
+                <a:latin typeface="Consolas" panose="020B0609020204030204" pitchFamily="49" charset="0"/>
+              </a:rPr>
+              <a:t>Adult numeracy skills   </a:t>
+            </a:r>
+            <a:r>
+              <a:rPr lang="en-US" sz="900" b="0" dirty="0">
+                <a:solidFill>
+                  <a:srgbClr val="569CD6"/>
+                </a:solidFill>
+                <a:effectLst/>
+                <a:highlight>
+                  <a:srgbClr val="1E1E1E"/>
+                </a:highlight>
+                <a:latin typeface="Consolas" panose="020B0609020204030204" pitchFamily="49" charset="0"/>
+              </a:rPr>
+              <a:t> ANS </a:t>
+            </a:r>
+            <a:endParaRPr lang="en-US" sz="900" b="0" dirty="0">
+              <a:solidFill>
+                <a:srgbClr val="D4D4D4"/>
+              </a:solidFill>
+              <a:effectLst/>
+              <a:highlight>
+                <a:srgbClr val="1E1E1E"/>
+              </a:highlight>
+              <a:latin typeface="Consolas" panose="020B0609020204030204" pitchFamily="49" charset="0"/>
+            </a:endParaRPr>
+          </a:p>
+          <a:p>
+            <a:r>
+              <a:rPr lang="en-US" sz="900" b="0" dirty="0">
+                <a:solidFill>
+                  <a:srgbClr val="D4D4D4"/>
+                </a:solidFill>
+                <a:effectLst/>
+                <a:highlight>
+                  <a:srgbClr val="1E1E1E"/>
+                </a:highlight>
+                <a:latin typeface="Consolas" panose="020B0609020204030204" pitchFamily="49" charset="0"/>
+              </a:rPr>
+              <a:t>Top adult literacy scores decile    </a:t>
+            </a:r>
+            <a:r>
+              <a:rPr lang="en-US" sz="900" b="0" dirty="0">
+                <a:solidFill>
+                  <a:srgbClr val="569CD6"/>
+                </a:solidFill>
+                <a:effectLst/>
+                <a:highlight>
+                  <a:srgbClr val="1E1E1E"/>
+                </a:highlight>
+                <a:latin typeface="Consolas" panose="020B0609020204030204" pitchFamily="49" charset="0"/>
+              </a:rPr>
+              <a:t> TALS </a:t>
+            </a:r>
+            <a:endParaRPr lang="en-US" sz="900" b="0" dirty="0">
+              <a:solidFill>
+                <a:srgbClr val="D4D4D4"/>
+              </a:solidFill>
+              <a:effectLst/>
+              <a:highlight>
+                <a:srgbClr val="1E1E1E"/>
+              </a:highlight>
+              <a:latin typeface="Consolas" panose="020B0609020204030204" pitchFamily="49" charset="0"/>
+            </a:endParaRPr>
+          </a:p>
+          <a:p>
+            <a:r>
+              <a:rPr lang="en-US" sz="900" b="0" dirty="0">
+                <a:solidFill>
+                  <a:srgbClr val="D4D4D4"/>
+                </a:solidFill>
+                <a:effectLst/>
+                <a:highlight>
+                  <a:srgbClr val="1E1E1E"/>
+                </a:highlight>
+                <a:latin typeface="Consolas" panose="020B0609020204030204" pitchFamily="49" charset="0"/>
+              </a:rPr>
+              <a:t>Adults with low numeracy skills </a:t>
+            </a:r>
+            <a:r>
+              <a:rPr lang="en-US" sz="900" b="0" dirty="0">
+                <a:solidFill>
+                  <a:srgbClr val="569CD6"/>
+                </a:solidFill>
+                <a:effectLst/>
+                <a:highlight>
+                  <a:srgbClr val="1E1E1E"/>
+                </a:highlight>
+                <a:latin typeface="Consolas" panose="020B0609020204030204" pitchFamily="49" charset="0"/>
+              </a:rPr>
+              <a:t> AWLNS </a:t>
+            </a:r>
+            <a:endParaRPr lang="en-US" sz="900" b="0" dirty="0">
+              <a:solidFill>
+                <a:srgbClr val="D4D4D4"/>
+              </a:solidFill>
+              <a:effectLst/>
+              <a:highlight>
+                <a:srgbClr val="1E1E1E"/>
+              </a:highlight>
+              <a:latin typeface="Consolas" panose="020B0609020204030204" pitchFamily="49" charset="0"/>
+            </a:endParaRPr>
+          </a:p>
+          <a:p>
+            <a:r>
+              <a:rPr lang="en-US" sz="900" b="0" dirty="0">
+                <a:solidFill>
+                  <a:srgbClr val="D4D4D4"/>
+                </a:solidFill>
+                <a:effectLst/>
+                <a:highlight>
+                  <a:srgbClr val="1E1E1E"/>
+                </a:highlight>
+                <a:latin typeface="Consolas" panose="020B0609020204030204" pitchFamily="49" charset="0"/>
+              </a:rPr>
+              <a:t>Adults with low literacy skills </a:t>
+            </a:r>
+            <a:r>
+              <a:rPr lang="en-US" sz="900" b="0" dirty="0">
+                <a:solidFill>
+                  <a:srgbClr val="569CD6"/>
+                </a:solidFill>
+                <a:effectLst/>
+                <a:highlight>
+                  <a:srgbClr val="1E1E1E"/>
+                </a:highlight>
+                <a:latin typeface="Consolas" panose="020B0609020204030204" pitchFamily="49" charset="0"/>
+              </a:rPr>
+              <a:t> AWLLS </a:t>
+            </a:r>
+            <a:endParaRPr lang="en-US" sz="900" b="0" dirty="0">
+              <a:solidFill>
+                <a:srgbClr val="D4D4D4"/>
+              </a:solidFill>
+              <a:effectLst/>
+              <a:highlight>
+                <a:srgbClr val="1E1E1E"/>
+              </a:highlight>
+              <a:latin typeface="Consolas" panose="020B0609020204030204" pitchFamily="49" charset="0"/>
+            </a:endParaRPr>
+          </a:p>
+          <a:p>
+            <a:r>
+              <a:rPr lang="en-US" sz="900" b="0" dirty="0">
+                <a:solidFill>
+                  <a:srgbClr val="D4D4D4"/>
+                </a:solidFill>
+                <a:effectLst/>
+                <a:highlight>
+                  <a:srgbClr val="1E1E1E"/>
+                </a:highlight>
+                <a:latin typeface="Consolas" panose="020B0609020204030204" pitchFamily="49" charset="0"/>
+              </a:rPr>
+              <a:t>Top adult numeracy scores decile    </a:t>
+            </a:r>
+            <a:r>
+              <a:rPr lang="en-US" sz="900" b="0" dirty="0">
+                <a:solidFill>
+                  <a:srgbClr val="569CD6"/>
+                </a:solidFill>
+                <a:effectLst/>
+                <a:highlight>
+                  <a:srgbClr val="1E1E1E"/>
+                </a:highlight>
+                <a:latin typeface="Consolas" panose="020B0609020204030204" pitchFamily="49" charset="0"/>
+              </a:rPr>
+              <a:t> TANS </a:t>
+            </a:r>
+            <a:endParaRPr lang="en-US" sz="900" b="0" dirty="0">
+              <a:solidFill>
+                <a:srgbClr val="D4D4D4"/>
+              </a:solidFill>
+              <a:effectLst/>
+              <a:highlight>
+                <a:srgbClr val="1E1E1E"/>
+              </a:highlight>
+              <a:latin typeface="Consolas" panose="020B0609020204030204" pitchFamily="49" charset="0"/>
+            </a:endParaRPr>
+          </a:p>
+          <a:p>
+            <a:r>
+              <a:rPr lang="en-US" sz="900" b="0" dirty="0">
+                <a:solidFill>
+                  <a:srgbClr val="D4D4D4"/>
+                </a:solidFill>
+                <a:effectLst/>
+                <a:highlight>
+                  <a:srgbClr val="1E1E1E"/>
+                </a:highlight>
+                <a:latin typeface="Consolas" panose="020B0609020204030204" pitchFamily="49" charset="0"/>
+              </a:rPr>
+              <a:t>Household disposable income below the relative income poverty line  </a:t>
+            </a:r>
+            <a:r>
+              <a:rPr lang="en-US" sz="900" b="0" dirty="0">
+                <a:solidFill>
+                  <a:srgbClr val="569CD6"/>
+                </a:solidFill>
+                <a:effectLst/>
+                <a:highlight>
+                  <a:srgbClr val="1E1E1E"/>
+                </a:highlight>
+                <a:latin typeface="Consolas" panose="020B0609020204030204" pitchFamily="49" charset="0"/>
+              </a:rPr>
+              <a:t> HDBRIP </a:t>
+            </a:r>
+            <a:endParaRPr lang="en-US" sz="900" b="0" dirty="0">
+              <a:solidFill>
+                <a:srgbClr val="D4D4D4"/>
+              </a:solidFill>
+              <a:effectLst/>
+              <a:highlight>
+                <a:srgbClr val="1E1E1E"/>
+              </a:highlight>
+              <a:latin typeface="Consolas" panose="020B0609020204030204" pitchFamily="49" charset="0"/>
+            </a:endParaRPr>
+          </a:p>
+          <a:p>
+            <a:r>
+              <a:rPr lang="en-US" sz="900" b="0" dirty="0">
+                <a:solidFill>
+                  <a:srgbClr val="D4D4D4"/>
+                </a:solidFill>
+                <a:effectLst/>
+                <a:highlight>
+                  <a:srgbClr val="1E1E1E"/>
+                </a:highlight>
+                <a:latin typeface="Consolas" panose="020B0609020204030204" pitchFamily="49" charset="0"/>
+              </a:rPr>
+              <a:t>Top average household disposable income quintile    </a:t>
+            </a:r>
+            <a:r>
+              <a:rPr lang="en-US" sz="900" b="0" dirty="0">
+                <a:solidFill>
+                  <a:srgbClr val="569CD6"/>
+                </a:solidFill>
+                <a:effectLst/>
+                <a:highlight>
+                  <a:srgbClr val="1E1E1E"/>
+                </a:highlight>
+                <a:latin typeface="Consolas" panose="020B0609020204030204" pitchFamily="49" charset="0"/>
+              </a:rPr>
+              <a:t> TAHDIQ </a:t>
+            </a:r>
+            <a:endParaRPr lang="en-US" sz="900" b="0" dirty="0">
+              <a:solidFill>
+                <a:srgbClr val="D4D4D4"/>
+              </a:solidFill>
+              <a:effectLst/>
+              <a:highlight>
+                <a:srgbClr val="1E1E1E"/>
+              </a:highlight>
+              <a:latin typeface="Consolas" panose="020B0609020204030204" pitchFamily="49" charset="0"/>
+            </a:endParaRPr>
+          </a:p>
+          <a:p>
+            <a:r>
+              <a:rPr lang="en-US" sz="900" b="0" dirty="0" err="1">
+                <a:solidFill>
+                  <a:srgbClr val="D4D4D4"/>
+                </a:solidFill>
+                <a:effectLst/>
+                <a:highlight>
+                  <a:srgbClr val="1E1E1E"/>
+                </a:highlight>
+                <a:latin typeface="Consolas" panose="020B0609020204030204" pitchFamily="49" charset="0"/>
+              </a:rPr>
+              <a:t>Equivalised</a:t>
+            </a:r>
+            <a:r>
+              <a:rPr lang="en-US" sz="900" b="0" dirty="0">
+                <a:solidFill>
+                  <a:srgbClr val="D4D4D4"/>
+                </a:solidFill>
+                <a:effectLst/>
+                <a:highlight>
+                  <a:srgbClr val="1E1E1E"/>
+                </a:highlight>
+                <a:latin typeface="Consolas" panose="020B0609020204030204" pitchFamily="49" charset="0"/>
+              </a:rPr>
+              <a:t> liquid financial assets below three months of the annual national relative income poverty line  </a:t>
+            </a:r>
+            <a:r>
+              <a:rPr lang="en-US" sz="900" b="0" dirty="0">
+                <a:solidFill>
+                  <a:srgbClr val="569CD6"/>
+                </a:solidFill>
+                <a:effectLst/>
+                <a:highlight>
+                  <a:srgbClr val="1E1E1E"/>
+                </a:highlight>
+                <a:latin typeface="Consolas" panose="020B0609020204030204" pitchFamily="49" charset="0"/>
+              </a:rPr>
+              <a:t> ELFA </a:t>
+            </a:r>
+            <a:endParaRPr lang="en-US" sz="900" b="0" dirty="0">
+              <a:solidFill>
+                <a:srgbClr val="D4D4D4"/>
+              </a:solidFill>
+              <a:effectLst/>
+              <a:highlight>
+                <a:srgbClr val="1E1E1E"/>
+              </a:highlight>
+              <a:latin typeface="Consolas" panose="020B0609020204030204" pitchFamily="49" charset="0"/>
+            </a:endParaRPr>
+          </a:p>
+          <a:p>
+            <a:r>
+              <a:rPr lang="en-US" sz="900" b="0" dirty="0">
+                <a:solidFill>
+                  <a:srgbClr val="D4D4D4"/>
+                </a:solidFill>
+                <a:effectLst/>
+                <a:highlight>
+                  <a:srgbClr val="1E1E1E"/>
+                </a:highlight>
+                <a:latin typeface="Consolas" panose="020B0609020204030204" pitchFamily="49" charset="0"/>
+              </a:rPr>
+              <a:t>Long unpaid working hours   </a:t>
+            </a:r>
+            <a:r>
+              <a:rPr lang="en-US" sz="900" b="0" dirty="0">
+                <a:solidFill>
+                  <a:srgbClr val="569CD6"/>
+                </a:solidFill>
+                <a:effectLst/>
+                <a:highlight>
+                  <a:srgbClr val="1E1E1E"/>
+                </a:highlight>
+                <a:latin typeface="Consolas" panose="020B0609020204030204" pitchFamily="49" charset="0"/>
+              </a:rPr>
+              <a:t> LUWH </a:t>
+            </a:r>
+            <a:endParaRPr lang="en-US" sz="900" b="0" dirty="0">
+              <a:solidFill>
+                <a:srgbClr val="D4D4D4"/>
+              </a:solidFill>
+              <a:effectLst/>
+              <a:highlight>
+                <a:srgbClr val="1E1E1E"/>
+              </a:highlight>
+              <a:latin typeface="Consolas" panose="020B0609020204030204" pitchFamily="49" charset="0"/>
+            </a:endParaRPr>
+          </a:p>
+          <a:p>
+            <a:r>
+              <a:rPr lang="en-US" sz="900" b="0" dirty="0">
+                <a:solidFill>
+                  <a:srgbClr val="D4D4D4"/>
+                </a:solidFill>
+                <a:effectLst/>
+                <a:highlight>
+                  <a:srgbClr val="1E1E1E"/>
+                </a:highlight>
+                <a:latin typeface="Consolas" panose="020B0609020204030204" pitchFamily="49" charset="0"/>
+              </a:rPr>
+              <a:t>Students with low science skills    </a:t>
+            </a:r>
+            <a:r>
+              <a:rPr lang="en-US" sz="900" b="0" dirty="0">
+                <a:solidFill>
+                  <a:srgbClr val="569CD6"/>
+                </a:solidFill>
+                <a:effectLst/>
+                <a:highlight>
+                  <a:srgbClr val="1E1E1E"/>
+                </a:highlight>
+                <a:latin typeface="Consolas" panose="020B0609020204030204" pitchFamily="49" charset="0"/>
+              </a:rPr>
+              <a:t> SWLSS </a:t>
+            </a:r>
+            <a:endParaRPr lang="en-US" sz="900" b="0" dirty="0">
+              <a:solidFill>
+                <a:srgbClr val="D4D4D4"/>
+              </a:solidFill>
+              <a:effectLst/>
+              <a:highlight>
+                <a:srgbClr val="1E1E1E"/>
+              </a:highlight>
+              <a:latin typeface="Consolas" panose="020B0609020204030204" pitchFamily="49" charset="0"/>
+            </a:endParaRPr>
+          </a:p>
+          <a:p>
+            <a:r>
+              <a:rPr lang="en-US" sz="900" b="0" dirty="0">
+                <a:solidFill>
+                  <a:srgbClr val="D4D4D4"/>
+                </a:solidFill>
+                <a:effectLst/>
+                <a:highlight>
+                  <a:srgbClr val="1E1E1E"/>
+                </a:highlight>
+                <a:latin typeface="Consolas" panose="020B0609020204030204" pitchFamily="49" charset="0"/>
+              </a:rPr>
+              <a:t>Top science scores decile   </a:t>
+            </a:r>
+            <a:r>
+              <a:rPr lang="en-US" sz="900" b="0" dirty="0">
+                <a:solidFill>
+                  <a:srgbClr val="569CD6"/>
+                </a:solidFill>
+                <a:effectLst/>
+                <a:highlight>
+                  <a:srgbClr val="1E1E1E"/>
+                </a:highlight>
+                <a:latin typeface="Consolas" panose="020B0609020204030204" pitchFamily="49" charset="0"/>
+              </a:rPr>
+              <a:t> TSSD </a:t>
+            </a:r>
+            <a:endParaRPr lang="en-US" sz="900" b="0" dirty="0">
+              <a:solidFill>
+                <a:srgbClr val="D4D4D4"/>
+              </a:solidFill>
+              <a:effectLst/>
+              <a:highlight>
+                <a:srgbClr val="1E1E1E"/>
+              </a:highlight>
+              <a:latin typeface="Consolas" panose="020B0609020204030204" pitchFamily="49" charset="0"/>
+            </a:endParaRPr>
+          </a:p>
+          <a:p>
+            <a:r>
+              <a:rPr lang="en-US" sz="900" b="0" dirty="0">
+                <a:solidFill>
+                  <a:srgbClr val="D4D4D4"/>
+                </a:solidFill>
+                <a:effectLst/>
+                <a:highlight>
+                  <a:srgbClr val="1E1E1E"/>
+                </a:highlight>
+                <a:latin typeface="Consolas" panose="020B0609020204030204" pitchFamily="49" charset="0"/>
+              </a:rPr>
+              <a:t>Students with low reading skills    </a:t>
+            </a:r>
+            <a:r>
+              <a:rPr lang="en-US" sz="900" b="0" dirty="0">
+                <a:solidFill>
+                  <a:srgbClr val="569CD6"/>
+                </a:solidFill>
+                <a:effectLst/>
+                <a:highlight>
+                  <a:srgbClr val="1E1E1E"/>
+                </a:highlight>
+                <a:latin typeface="Consolas" panose="020B0609020204030204" pitchFamily="49" charset="0"/>
+              </a:rPr>
+              <a:t> SWLRS </a:t>
+            </a:r>
+            <a:endParaRPr lang="en-US" sz="900" b="0" dirty="0">
+              <a:solidFill>
+                <a:srgbClr val="D4D4D4"/>
+              </a:solidFill>
+              <a:effectLst/>
+              <a:highlight>
+                <a:srgbClr val="1E1E1E"/>
+              </a:highlight>
+              <a:latin typeface="Consolas" panose="020B0609020204030204" pitchFamily="49" charset="0"/>
+            </a:endParaRPr>
+          </a:p>
+          <a:p>
+            <a:r>
+              <a:rPr lang="en-US" sz="900" b="0" dirty="0">
+                <a:solidFill>
+                  <a:srgbClr val="D4D4D4"/>
+                </a:solidFill>
+                <a:effectLst/>
+                <a:highlight>
+                  <a:srgbClr val="1E1E1E"/>
+                </a:highlight>
+                <a:latin typeface="Consolas" panose="020B0609020204030204" pitchFamily="49" charset="0"/>
+              </a:rPr>
+              <a:t>Students with low mathematics skills    </a:t>
+            </a:r>
+            <a:r>
+              <a:rPr lang="en-US" sz="900" b="0" dirty="0">
+                <a:solidFill>
+                  <a:srgbClr val="569CD6"/>
+                </a:solidFill>
+                <a:effectLst/>
+                <a:highlight>
+                  <a:srgbClr val="1E1E1E"/>
+                </a:highlight>
+                <a:latin typeface="Consolas" panose="020B0609020204030204" pitchFamily="49" charset="0"/>
+              </a:rPr>
+              <a:t> SWLMS </a:t>
+            </a:r>
+            <a:endParaRPr lang="en-US" sz="900" b="0" dirty="0">
+              <a:solidFill>
+                <a:srgbClr val="D4D4D4"/>
+              </a:solidFill>
+              <a:effectLst/>
+              <a:highlight>
+                <a:srgbClr val="1E1E1E"/>
+              </a:highlight>
+              <a:latin typeface="Consolas" panose="020B0609020204030204" pitchFamily="49" charset="0"/>
+            </a:endParaRPr>
+          </a:p>
+          <a:p>
+            <a:r>
+              <a:rPr lang="en-US" sz="900" b="0" dirty="0">
+                <a:solidFill>
+                  <a:srgbClr val="D4D4D4"/>
+                </a:solidFill>
+                <a:effectLst/>
+                <a:highlight>
+                  <a:srgbClr val="1E1E1E"/>
+                </a:highlight>
+                <a:latin typeface="Consolas" panose="020B0609020204030204" pitchFamily="49" charset="0"/>
+              </a:rPr>
+              <a:t>Top reading scores decile   </a:t>
+            </a:r>
+            <a:r>
+              <a:rPr lang="en-US" sz="900" b="0" dirty="0">
+                <a:solidFill>
+                  <a:srgbClr val="569CD6"/>
+                </a:solidFill>
+                <a:effectLst/>
+                <a:highlight>
+                  <a:srgbClr val="1E1E1E"/>
+                </a:highlight>
+                <a:latin typeface="Consolas" panose="020B0609020204030204" pitchFamily="49" charset="0"/>
+              </a:rPr>
+              <a:t> TRSD </a:t>
+            </a:r>
+            <a:endParaRPr lang="en-US" sz="900" b="0" dirty="0">
+              <a:solidFill>
+                <a:srgbClr val="D4D4D4"/>
+              </a:solidFill>
+              <a:effectLst/>
+              <a:highlight>
+                <a:srgbClr val="1E1E1E"/>
+              </a:highlight>
+              <a:latin typeface="Consolas" panose="020B0609020204030204" pitchFamily="49" charset="0"/>
+            </a:endParaRPr>
+          </a:p>
+          <a:p>
+            <a:r>
+              <a:rPr lang="en-US" sz="900" b="0" dirty="0">
+                <a:solidFill>
+                  <a:srgbClr val="D4D4D4"/>
+                </a:solidFill>
+                <a:effectLst/>
+                <a:highlight>
+                  <a:srgbClr val="1E1E1E"/>
+                </a:highlight>
+                <a:latin typeface="Consolas" panose="020B0609020204030204" pitchFamily="49" charset="0"/>
+              </a:rPr>
+              <a:t>Gender gap in working hours </a:t>
+            </a:r>
+            <a:r>
+              <a:rPr lang="en-US" sz="900" b="0" dirty="0">
+                <a:solidFill>
+                  <a:srgbClr val="569CD6"/>
+                </a:solidFill>
+                <a:effectLst/>
+                <a:highlight>
+                  <a:srgbClr val="1E1E1E"/>
+                </a:highlight>
+                <a:latin typeface="Consolas" panose="020B0609020204030204" pitchFamily="49" charset="0"/>
+              </a:rPr>
+              <a:t> GGWH </a:t>
+            </a:r>
+            <a:endParaRPr lang="en-US" sz="900" b="0" dirty="0">
+              <a:solidFill>
+                <a:srgbClr val="D4D4D4"/>
+              </a:solidFill>
+              <a:effectLst/>
+              <a:highlight>
+                <a:srgbClr val="1E1E1E"/>
+              </a:highlight>
+              <a:latin typeface="Consolas" panose="020B0609020204030204" pitchFamily="49" charset="0"/>
+            </a:endParaRPr>
+          </a:p>
+          <a:p>
+            <a:r>
+              <a:rPr lang="en-US" sz="900" b="0" dirty="0">
+                <a:solidFill>
+                  <a:srgbClr val="D4D4D4"/>
+                </a:solidFill>
+                <a:effectLst/>
+                <a:highlight>
+                  <a:srgbClr val="1E1E1E"/>
+                </a:highlight>
+                <a:latin typeface="Consolas" panose="020B0609020204030204" pitchFamily="49" charset="0"/>
+              </a:rPr>
+              <a:t>Top mathematics scores decile   </a:t>
+            </a:r>
+            <a:r>
+              <a:rPr lang="en-US" sz="900" b="0" dirty="0">
+                <a:solidFill>
+                  <a:srgbClr val="569CD6"/>
+                </a:solidFill>
+                <a:effectLst/>
+                <a:highlight>
+                  <a:srgbClr val="1E1E1E"/>
+                </a:highlight>
+                <a:latin typeface="Consolas" panose="020B0609020204030204" pitchFamily="49" charset="0"/>
+              </a:rPr>
+              <a:t> TMSD </a:t>
+            </a:r>
+            <a:endParaRPr lang="en-US" sz="900" b="0" dirty="0">
+              <a:solidFill>
+                <a:srgbClr val="D4D4D4"/>
+              </a:solidFill>
+              <a:effectLst/>
+              <a:highlight>
+                <a:srgbClr val="1E1E1E"/>
+              </a:highlight>
+              <a:latin typeface="Consolas" panose="020B0609020204030204" pitchFamily="49" charset="0"/>
+            </a:endParaRPr>
+          </a:p>
+          <a:p>
+            <a:br>
+              <a:rPr lang="en-US" sz="900" b="0" dirty="0">
+                <a:solidFill>
+                  <a:srgbClr val="D4D4D4"/>
+                </a:solidFill>
+                <a:effectLst/>
+                <a:highlight>
+                  <a:srgbClr val="1E1E1E"/>
+                </a:highlight>
+                <a:latin typeface="Consolas" panose="020B0609020204030204" pitchFamily="49" charset="0"/>
+              </a:rPr>
+            </a:br>
+            <a:endParaRPr lang="en-US" sz="900" b="0" dirty="0">
+              <a:solidFill>
+                <a:srgbClr val="D4D4D4"/>
+              </a:solidFill>
+              <a:effectLst/>
+              <a:highlight>
+                <a:srgbClr val="1E1E1E"/>
+              </a:highlight>
+              <a:latin typeface="Consolas" panose="020B0609020204030204" pitchFamily="49" charset="0"/>
+            </a:endParaRPr>
+          </a:p>
+          <a:p>
+            <a:br>
+              <a:rPr lang="en-US" sz="900" dirty="0">
+                <a:solidFill>
+                  <a:srgbClr val="D4D4D4"/>
+                </a:solidFill>
+                <a:highlight>
+                  <a:srgbClr val="1E1E1E"/>
+                </a:highlight>
+                <a:latin typeface="Consolas" panose="020B0609020204030204" pitchFamily="49" charset="0"/>
+              </a:rPr>
+            </a:br>
+            <a:endParaRPr lang="en-US" sz="900" dirty="0">
+              <a:solidFill>
+                <a:srgbClr val="D4D4D4"/>
+              </a:solidFill>
+              <a:highlight>
+                <a:srgbClr val="1E1E1E"/>
+              </a:highlight>
+              <a:latin typeface="Consolas" panose="020B0609020204030204" pitchFamily="49" charset="0"/>
+            </a:endParaRPr>
+          </a:p>
+        </p:txBody>
+      </p:sp>
+      <p:grpSp>
+        <p:nvGrpSpPr>
+          <p:cNvPr id="21" name="Group 20">
+            <a:extLst>
+              <a:ext uri="{FF2B5EF4-FFF2-40B4-BE49-F238E27FC236}">
+                <a16:creationId xmlns:a16="http://schemas.microsoft.com/office/drawing/2014/main" id="{60D2E953-474B-EAB5-586D-95BCD750A19B}"/>
+              </a:ext>
+            </a:extLst>
+          </p:cNvPr>
+          <p:cNvGrpSpPr/>
+          <p:nvPr/>
+        </p:nvGrpSpPr>
+        <p:grpSpPr>
+          <a:xfrm>
+            <a:off x="8294483" y="2094894"/>
+            <a:ext cx="3739097" cy="1075487"/>
+            <a:chOff x="8693046" y="2187258"/>
+            <a:chExt cx="3739097" cy="1075487"/>
+          </a:xfrm>
+        </p:grpSpPr>
+        <p:sp>
+          <p:nvSpPr>
+            <p:cNvPr id="14" name="TextBox 13">
+              <a:extLst>
+                <a:ext uri="{FF2B5EF4-FFF2-40B4-BE49-F238E27FC236}">
+                  <a16:creationId xmlns:a16="http://schemas.microsoft.com/office/drawing/2014/main" id="{B35CA6F5-57F8-5BDF-9EFD-26311A128B53}"/>
+                </a:ext>
+              </a:extLst>
+            </p:cNvPr>
+            <p:cNvSpPr txBox="1"/>
+            <p:nvPr/>
+          </p:nvSpPr>
+          <p:spPr>
+            <a:xfrm>
+              <a:off x="9499149" y="2187258"/>
+              <a:ext cx="2361215" cy="400110"/>
+            </a:xfrm>
+            <a:prstGeom prst="rect">
+              <a:avLst/>
+            </a:prstGeom>
+            <a:noFill/>
+          </p:spPr>
+          <p:txBody>
+            <a:bodyPr wrap="square">
+              <a:spAutoFit/>
+            </a:bodyPr>
+            <a:lstStyle/>
+            <a:p>
+              <a:r>
+                <a:rPr lang="en-US" sz="2000" b="1" dirty="0"/>
+                <a:t>Output variables:  </a:t>
+              </a:r>
+              <a:endParaRPr lang="en-US" sz="2000" dirty="0"/>
+            </a:p>
+          </p:txBody>
+        </p:sp>
+        <p:sp>
+          <p:nvSpPr>
+            <p:cNvPr id="16" name="TextBox 15">
+              <a:extLst>
+                <a:ext uri="{FF2B5EF4-FFF2-40B4-BE49-F238E27FC236}">
+                  <a16:creationId xmlns:a16="http://schemas.microsoft.com/office/drawing/2014/main" id="{266CE590-7D6A-A950-0133-4E557F58F268}"/>
+                </a:ext>
+              </a:extLst>
+            </p:cNvPr>
+            <p:cNvSpPr txBox="1"/>
+            <p:nvPr/>
+          </p:nvSpPr>
+          <p:spPr>
+            <a:xfrm>
+              <a:off x="8693046" y="2739525"/>
+              <a:ext cx="3739097" cy="523220"/>
+            </a:xfrm>
+            <a:prstGeom prst="rect">
+              <a:avLst/>
+            </a:prstGeom>
+            <a:noFill/>
+          </p:spPr>
+          <p:txBody>
+            <a:bodyPr wrap="square">
+              <a:spAutoFit/>
+            </a:bodyPr>
+            <a:lstStyle/>
+            <a:p>
+              <a:pPr algn="ctr"/>
+              <a:r>
+                <a:rPr lang="en-US" sz="1400" b="0" dirty="0">
+                  <a:solidFill>
+                    <a:srgbClr val="D4D4D4"/>
+                  </a:solidFill>
+                  <a:effectLst/>
+                  <a:highlight>
+                    <a:srgbClr val="1E1E1E"/>
+                  </a:highlight>
+                  <a:latin typeface="Consolas" panose="020B0609020204030204" pitchFamily="49" charset="0"/>
+                </a:rPr>
+                <a:t>Deaths from suicide, alcohol, drugs </a:t>
+              </a:r>
+              <a:r>
+                <a:rPr lang="en-US" sz="1400" b="0" dirty="0">
+                  <a:solidFill>
+                    <a:srgbClr val="569CD6"/>
+                  </a:solidFill>
+                  <a:effectLst/>
+                  <a:highlight>
+                    <a:srgbClr val="1E1E1E"/>
+                  </a:highlight>
+                  <a:latin typeface="Consolas" panose="020B0609020204030204" pitchFamily="49" charset="0"/>
+                </a:rPr>
+                <a:t> SAD Deaths </a:t>
+              </a:r>
+              <a:endParaRPr lang="en-US" sz="1400" b="0" dirty="0">
+                <a:solidFill>
+                  <a:srgbClr val="D4D4D4"/>
+                </a:solidFill>
+                <a:effectLst/>
+                <a:highlight>
+                  <a:srgbClr val="1E1E1E"/>
+                </a:highlight>
+                <a:latin typeface="Consolas" panose="020B0609020204030204" pitchFamily="49" charset="0"/>
+              </a:endParaRPr>
+            </a:p>
+          </p:txBody>
+        </p:sp>
+      </p:grpSp>
     </p:spTree>
     <p:extLst>
       <p:ext uri="{BB962C8B-B14F-4D97-AF65-F5344CB8AC3E}">
@@ -15211,6 +18562,1232 @@
 </file>
 
 <file path=ppt/slides/slide5.xml><?xml version="1.0" encoding="utf-8"?>
+<p:sld xmlns:a="http://schemas.openxmlformats.org/drawingml/2006/main" xmlns:r="http://schemas.openxmlformats.org/officeDocument/2006/relationships" xmlns:p="http://schemas.openxmlformats.org/presentationml/2006/main">
+  <p:cSld>
+    <p:spTree>
+      <p:nvGrpSpPr>
+        <p:cNvPr id="1" name=""/>
+        <p:cNvGrpSpPr/>
+        <p:nvPr/>
+      </p:nvGrpSpPr>
+      <p:grpSpPr>
+        <a:xfrm>
+          <a:off x="0" y="0"/>
+          <a:ext cx="0" cy="0"/>
+          <a:chOff x="0" y="0"/>
+          <a:chExt cx="0" cy="0"/>
+        </a:xfrm>
+      </p:grpSpPr>
+      <p:sp>
+        <p:nvSpPr>
+          <p:cNvPr id="2" name="Title 1">
+            <a:extLst>
+              <a:ext uri="{FF2B5EF4-FFF2-40B4-BE49-F238E27FC236}">
+                <a16:creationId xmlns:a16="http://schemas.microsoft.com/office/drawing/2014/main" id="{13B72380-74EB-7E24-EF29-8A4829A90D08}"/>
+              </a:ext>
+            </a:extLst>
+          </p:cNvPr>
+          <p:cNvSpPr>
+            <a:spLocks noGrp="1"/>
+          </p:cNvSpPr>
+          <p:nvPr>
+            <p:ph type="title"/>
+          </p:nvPr>
+        </p:nvSpPr>
+        <p:spPr>
+          <a:xfrm>
+            <a:off x="4370906" y="0"/>
+            <a:ext cx="3235036" cy="608986"/>
+          </a:xfrm>
+        </p:spPr>
+        <p:txBody>
+          <a:bodyPr/>
+          <a:lstStyle/>
+          <a:p>
+            <a:r>
+              <a:rPr lang="en-US" dirty="0"/>
+              <a:t>Analysis</a:t>
+            </a:r>
+          </a:p>
+        </p:txBody>
+      </p:sp>
+      <p:pic>
+        <p:nvPicPr>
+          <p:cNvPr id="8" name="Picture 7" descr="A close-up of a colorful pattern">
+            <a:extLst>
+              <a:ext uri="{FF2B5EF4-FFF2-40B4-BE49-F238E27FC236}">
+                <a16:creationId xmlns:a16="http://schemas.microsoft.com/office/drawing/2014/main" id="{3395E60A-75BF-05FF-EE87-3B3E7036CD66}"/>
+              </a:ext>
+            </a:extLst>
+          </p:cNvPr>
+          <p:cNvPicPr>
+            <a:picLocks noChangeAspect="1"/>
+          </p:cNvPicPr>
+          <p:nvPr/>
+        </p:nvPicPr>
+        <p:blipFill>
+          <a:blip r:embed="rId2"/>
+          <a:stretch>
+            <a:fillRect/>
+          </a:stretch>
+        </p:blipFill>
+        <p:spPr>
+          <a:xfrm>
+            <a:off x="409575" y="975561"/>
+            <a:ext cx="4476750" cy="4476750"/>
+          </a:xfrm>
+          <a:prstGeom prst="rect">
+            <a:avLst/>
+          </a:prstGeom>
+        </p:spPr>
+      </p:pic>
+      <p:sp>
+        <p:nvSpPr>
+          <p:cNvPr id="10" name="TextBox 9">
+            <a:extLst>
+              <a:ext uri="{FF2B5EF4-FFF2-40B4-BE49-F238E27FC236}">
+                <a16:creationId xmlns:a16="http://schemas.microsoft.com/office/drawing/2014/main" id="{BF6B722E-7E2A-3CCC-860C-BCD5BFC03817}"/>
+              </a:ext>
+            </a:extLst>
+          </p:cNvPr>
+          <p:cNvSpPr txBox="1"/>
+          <p:nvPr/>
+        </p:nvSpPr>
+        <p:spPr>
+          <a:xfrm>
+            <a:off x="962025" y="975561"/>
+            <a:ext cx="3235036" cy="369332"/>
+          </a:xfrm>
+          <a:prstGeom prst="rect">
+            <a:avLst/>
+          </a:prstGeom>
+          <a:noFill/>
+        </p:spPr>
+        <p:txBody>
+          <a:bodyPr wrap="square">
+            <a:spAutoFit/>
+          </a:bodyPr>
+          <a:lstStyle/>
+          <a:p>
+            <a:r>
+              <a:rPr lang="en-US" dirty="0"/>
+              <a:t>Heatmap for trimmed features</a:t>
+            </a:r>
+          </a:p>
+        </p:txBody>
+      </p:sp>
+      <p:sp>
+        <p:nvSpPr>
+          <p:cNvPr id="12" name="TextBox 11">
+            <a:extLst>
+              <a:ext uri="{FF2B5EF4-FFF2-40B4-BE49-F238E27FC236}">
+                <a16:creationId xmlns:a16="http://schemas.microsoft.com/office/drawing/2014/main" id="{26ADA453-6747-7E4B-FA4D-0802AF04AF01}"/>
+              </a:ext>
+            </a:extLst>
+          </p:cNvPr>
+          <p:cNvSpPr txBox="1"/>
+          <p:nvPr/>
+        </p:nvSpPr>
+        <p:spPr>
+          <a:xfrm>
+            <a:off x="1647825" y="487918"/>
+            <a:ext cx="2329092" cy="369332"/>
+          </a:xfrm>
+          <a:prstGeom prst="rect">
+            <a:avLst/>
+          </a:prstGeom>
+          <a:noFill/>
+        </p:spPr>
+        <p:txBody>
+          <a:bodyPr wrap="square">
+            <a:spAutoFit/>
+          </a:bodyPr>
+          <a:lstStyle/>
+          <a:p>
+            <a:r>
+              <a:rPr lang="en-US" b="1" dirty="0"/>
+              <a:t>United States</a:t>
+            </a:r>
+          </a:p>
+        </p:txBody>
+      </p:sp>
+      <p:sp>
+        <p:nvSpPr>
+          <p:cNvPr id="13" name="Rectangle 12">
+            <a:extLst>
+              <a:ext uri="{FF2B5EF4-FFF2-40B4-BE49-F238E27FC236}">
+                <a16:creationId xmlns:a16="http://schemas.microsoft.com/office/drawing/2014/main" id="{5C4A1611-73D8-9659-4F93-FFC425F24D95}"/>
+              </a:ext>
+            </a:extLst>
+          </p:cNvPr>
+          <p:cNvSpPr/>
+          <p:nvPr/>
+        </p:nvSpPr>
+        <p:spPr>
+          <a:xfrm>
+            <a:off x="3562350" y="1344893"/>
+            <a:ext cx="219075" cy="3951007"/>
+          </a:xfrm>
+          <a:prstGeom prst="rect">
+            <a:avLst/>
+          </a:prstGeom>
+          <a:noFill/>
+        </p:spPr>
+        <p:style>
+          <a:lnRef idx="2">
+            <a:schemeClr val="accent1">
+              <a:shade val="15000"/>
+            </a:schemeClr>
+          </a:lnRef>
+          <a:fillRef idx="1">
+            <a:schemeClr val="accent1"/>
+          </a:fillRef>
+          <a:effectRef idx="0">
+            <a:schemeClr val="accent1"/>
+          </a:effectRef>
+          <a:fontRef idx="minor">
+            <a:schemeClr val="lt1"/>
+          </a:fontRef>
+        </p:style>
+        <p:txBody>
+          <a:bodyPr rtlCol="0" anchor="ctr"/>
+          <a:lstStyle/>
+          <a:p>
+            <a:pPr algn="ctr"/>
+            <a:endParaRPr lang="en-US"/>
+          </a:p>
+        </p:txBody>
+      </p:sp>
+      <p:cxnSp>
+        <p:nvCxnSpPr>
+          <p:cNvPr id="15" name="Straight Arrow Connector 14">
+            <a:extLst>
+              <a:ext uri="{FF2B5EF4-FFF2-40B4-BE49-F238E27FC236}">
+                <a16:creationId xmlns:a16="http://schemas.microsoft.com/office/drawing/2014/main" id="{18011497-F8CD-1B2D-9E39-D072894A68E0}"/>
+              </a:ext>
+            </a:extLst>
+          </p:cNvPr>
+          <p:cNvCxnSpPr>
+            <a:cxnSpLocks/>
+          </p:cNvCxnSpPr>
+          <p:nvPr/>
+        </p:nvCxnSpPr>
+        <p:spPr>
+          <a:xfrm>
+            <a:off x="3781425" y="3259418"/>
+            <a:ext cx="1276350" cy="0"/>
+          </a:xfrm>
+          <a:prstGeom prst="straightConnector1">
+            <a:avLst/>
+          </a:prstGeom>
+          <a:ln>
+            <a:tailEnd type="triangle"/>
+          </a:ln>
+        </p:spPr>
+        <p:style>
+          <a:lnRef idx="1">
+            <a:schemeClr val="dk1"/>
+          </a:lnRef>
+          <a:fillRef idx="0">
+            <a:schemeClr val="dk1"/>
+          </a:fillRef>
+          <a:effectRef idx="0">
+            <a:schemeClr val="dk1"/>
+          </a:effectRef>
+          <a:fontRef idx="minor">
+            <a:schemeClr val="tx1"/>
+          </a:fontRef>
+        </p:style>
+      </p:cxnSp>
+      <p:grpSp>
+        <p:nvGrpSpPr>
+          <p:cNvPr id="26" name="Group 25">
+            <a:extLst>
+              <a:ext uri="{FF2B5EF4-FFF2-40B4-BE49-F238E27FC236}">
+                <a16:creationId xmlns:a16="http://schemas.microsoft.com/office/drawing/2014/main" id="{EEE39E44-34EF-8A6C-E4CE-18735C7ECD7B}"/>
+              </a:ext>
+            </a:extLst>
+          </p:cNvPr>
+          <p:cNvGrpSpPr/>
+          <p:nvPr/>
+        </p:nvGrpSpPr>
+        <p:grpSpPr>
+          <a:xfrm>
+            <a:off x="5057775" y="909114"/>
+            <a:ext cx="4343399" cy="4822564"/>
+            <a:chOff x="6477002" y="848136"/>
+            <a:chExt cx="4343399" cy="4822564"/>
+          </a:xfrm>
+        </p:grpSpPr>
+        <p:pic>
+          <p:nvPicPr>
+            <p:cNvPr id="19" name="Picture 18">
+              <a:extLst>
+                <a:ext uri="{FF2B5EF4-FFF2-40B4-BE49-F238E27FC236}">
+                  <a16:creationId xmlns:a16="http://schemas.microsoft.com/office/drawing/2014/main" id="{613805B7-C941-A4E0-D022-6E6FD8202B98}"/>
+                </a:ext>
+              </a:extLst>
+            </p:cNvPr>
+            <p:cNvPicPr>
+              <a:picLocks noChangeAspect="1"/>
+            </p:cNvPicPr>
+            <p:nvPr/>
+          </p:nvPicPr>
+          <p:blipFill>
+            <a:blip r:embed="rId3"/>
+            <a:stretch>
+              <a:fillRect/>
+            </a:stretch>
+          </p:blipFill>
+          <p:spPr>
+            <a:xfrm>
+              <a:off x="6477002" y="848136"/>
+              <a:ext cx="4343399" cy="4822564"/>
+            </a:xfrm>
+            <a:prstGeom prst="rect">
+              <a:avLst/>
+            </a:prstGeom>
+          </p:spPr>
+        </p:pic>
+        <p:sp>
+          <p:nvSpPr>
+            <p:cNvPr id="20" name="Rectangle 19">
+              <a:extLst>
+                <a:ext uri="{FF2B5EF4-FFF2-40B4-BE49-F238E27FC236}">
+                  <a16:creationId xmlns:a16="http://schemas.microsoft.com/office/drawing/2014/main" id="{4612504B-555A-DA61-1AF1-DD7FEA93BE06}"/>
+                </a:ext>
+              </a:extLst>
+            </p:cNvPr>
+            <p:cNvSpPr/>
+            <p:nvPr/>
+          </p:nvSpPr>
+          <p:spPr>
+            <a:xfrm>
+              <a:off x="6477002" y="848136"/>
+              <a:ext cx="184005" cy="4447763"/>
+            </a:xfrm>
+            <a:prstGeom prst="rect">
+              <a:avLst/>
+            </a:prstGeom>
+            <a:noFill/>
+          </p:spPr>
+          <p:style>
+            <a:lnRef idx="2">
+              <a:schemeClr val="accent1">
+                <a:shade val="15000"/>
+              </a:schemeClr>
+            </a:lnRef>
+            <a:fillRef idx="1">
+              <a:schemeClr val="accent1"/>
+            </a:fillRef>
+            <a:effectRef idx="0">
+              <a:schemeClr val="accent1"/>
+            </a:effectRef>
+            <a:fontRef idx="minor">
+              <a:schemeClr val="lt1"/>
+            </a:fontRef>
+          </p:style>
+          <p:txBody>
+            <a:bodyPr rtlCol="0" anchor="ctr"/>
+            <a:lstStyle/>
+            <a:p>
+              <a:pPr algn="ctr"/>
+              <a:endParaRPr lang="en-US"/>
+            </a:p>
+          </p:txBody>
+        </p:sp>
+      </p:grpSp>
+      <p:sp>
+        <p:nvSpPr>
+          <p:cNvPr id="24" name="TextBox 23">
+            <a:extLst>
+              <a:ext uri="{FF2B5EF4-FFF2-40B4-BE49-F238E27FC236}">
+                <a16:creationId xmlns:a16="http://schemas.microsoft.com/office/drawing/2014/main" id="{FFF0664A-F70C-C2FC-BAA9-A986CBBE84AD}"/>
+              </a:ext>
+            </a:extLst>
+          </p:cNvPr>
+          <p:cNvSpPr txBox="1"/>
+          <p:nvPr/>
+        </p:nvSpPr>
+        <p:spPr>
+          <a:xfrm>
+            <a:off x="9776504" y="1772653"/>
+            <a:ext cx="2223859" cy="3108543"/>
+          </a:xfrm>
+          <a:prstGeom prst="rect">
+            <a:avLst/>
+          </a:prstGeom>
+          <a:noFill/>
+        </p:spPr>
+        <p:txBody>
+          <a:bodyPr wrap="square">
+            <a:spAutoFit/>
+          </a:bodyPr>
+          <a:lstStyle/>
+          <a:p>
+            <a:r>
+              <a:rPr lang="en-US" sz="1400" dirty="0"/>
+              <a:t>AWLNS – Adults with no numerical skills</a:t>
+            </a:r>
+          </a:p>
+          <a:p>
+            <a:r>
+              <a:rPr lang="en-US" sz="1400" dirty="0"/>
+              <a:t>TANS – Top adult numeracy score decile</a:t>
+            </a:r>
+          </a:p>
+          <a:p>
+            <a:r>
+              <a:rPr lang="en-US" sz="1400" dirty="0"/>
+              <a:t>TO – Time-off</a:t>
+            </a:r>
+          </a:p>
+          <a:p>
+            <a:r>
+              <a:rPr lang="en-US" sz="1400" dirty="0"/>
+              <a:t>HDI – Households and NPISHs net adjusted disposable income per capita</a:t>
+            </a:r>
+          </a:p>
+          <a:p>
+            <a:r>
+              <a:rPr lang="en-US" sz="1400" dirty="0"/>
+              <a:t>AAGE – Annual average gross earnings</a:t>
+            </a:r>
+          </a:p>
+          <a:p>
+            <a:r>
+              <a:rPr lang="en-US" sz="1400" dirty="0"/>
+              <a:t>YEAR – Time period</a:t>
+            </a:r>
+          </a:p>
+          <a:p>
+            <a:r>
+              <a:rPr lang="en-US" sz="1400" dirty="0"/>
+              <a:t>HA – Housing Affordability</a:t>
+            </a:r>
+          </a:p>
+          <a:p>
+            <a:r>
+              <a:rPr lang="en-US" sz="1400" dirty="0"/>
+              <a:t>MNW – Median net wealth</a:t>
+            </a:r>
+          </a:p>
+        </p:txBody>
+      </p:sp>
+      <p:sp>
+        <p:nvSpPr>
+          <p:cNvPr id="27" name="TextBox 26">
+            <a:extLst>
+              <a:ext uri="{FF2B5EF4-FFF2-40B4-BE49-F238E27FC236}">
+                <a16:creationId xmlns:a16="http://schemas.microsoft.com/office/drawing/2014/main" id="{3D07FD27-04BC-C34F-2228-44EFEFEA9F37}"/>
+              </a:ext>
+            </a:extLst>
+          </p:cNvPr>
+          <p:cNvSpPr txBox="1"/>
+          <p:nvPr/>
+        </p:nvSpPr>
+        <p:spPr>
+          <a:xfrm>
+            <a:off x="9205376" y="1126322"/>
+            <a:ext cx="3235036" cy="646331"/>
+          </a:xfrm>
+          <a:prstGeom prst="rect">
+            <a:avLst/>
+          </a:prstGeom>
+          <a:noFill/>
+        </p:spPr>
+        <p:txBody>
+          <a:bodyPr wrap="square">
+            <a:spAutoFit/>
+          </a:bodyPr>
+          <a:lstStyle/>
+          <a:p>
+            <a:pPr algn="ctr"/>
+            <a:r>
+              <a:rPr lang="en-US" dirty="0"/>
+              <a:t>Top measures responsible for suicides in USA</a:t>
+            </a:r>
+          </a:p>
+        </p:txBody>
+      </p:sp>
+    </p:spTree>
+    <p:extLst>
+      <p:ext uri="{BB962C8B-B14F-4D97-AF65-F5344CB8AC3E}">
+        <p14:creationId xmlns:p14="http://schemas.microsoft.com/office/powerpoint/2010/main" val="2158224752"/>
+      </p:ext>
+    </p:extLst>
+  </p:cSld>
+  <p:clrMapOvr>
+    <a:masterClrMapping/>
+  </p:clrMapOvr>
+</p:sld>
+</file>
+
+<file path=ppt/slides/slide6.xml><?xml version="1.0" encoding="utf-8"?>
+<p:sld xmlns:a="http://schemas.openxmlformats.org/drawingml/2006/main" xmlns:r="http://schemas.openxmlformats.org/officeDocument/2006/relationships" xmlns:p="http://schemas.openxmlformats.org/presentationml/2006/main">
+  <p:cSld>
+    <p:spTree>
+      <p:nvGrpSpPr>
+        <p:cNvPr id="1" name=""/>
+        <p:cNvGrpSpPr/>
+        <p:nvPr/>
+      </p:nvGrpSpPr>
+      <p:grpSpPr>
+        <a:xfrm>
+          <a:off x="0" y="0"/>
+          <a:ext cx="0" cy="0"/>
+          <a:chOff x="0" y="0"/>
+          <a:chExt cx="0" cy="0"/>
+        </a:xfrm>
+      </p:grpSpPr>
+      <p:sp>
+        <p:nvSpPr>
+          <p:cNvPr id="2" name="Title 1">
+            <a:extLst>
+              <a:ext uri="{FF2B5EF4-FFF2-40B4-BE49-F238E27FC236}">
+                <a16:creationId xmlns:a16="http://schemas.microsoft.com/office/drawing/2014/main" id="{13B72380-74EB-7E24-EF29-8A4829A90D08}"/>
+              </a:ext>
+            </a:extLst>
+          </p:cNvPr>
+          <p:cNvSpPr>
+            <a:spLocks noGrp="1"/>
+          </p:cNvSpPr>
+          <p:nvPr>
+            <p:ph type="title"/>
+          </p:nvPr>
+        </p:nvSpPr>
+        <p:spPr>
+          <a:xfrm>
+            <a:off x="4370906" y="0"/>
+            <a:ext cx="3235036" cy="608986"/>
+          </a:xfrm>
+        </p:spPr>
+        <p:txBody>
+          <a:bodyPr/>
+          <a:lstStyle/>
+          <a:p>
+            <a:r>
+              <a:rPr lang="en-US" dirty="0"/>
+              <a:t>Analysis</a:t>
+            </a:r>
+          </a:p>
+        </p:txBody>
+      </p:sp>
+      <p:pic>
+        <p:nvPicPr>
+          <p:cNvPr id="8" name="Picture 7" descr="A close-up of a colorful pattern">
+            <a:extLst>
+              <a:ext uri="{FF2B5EF4-FFF2-40B4-BE49-F238E27FC236}">
+                <a16:creationId xmlns:a16="http://schemas.microsoft.com/office/drawing/2014/main" id="{3395E60A-75BF-05FF-EE87-3B3E7036CD66}"/>
+              </a:ext>
+            </a:extLst>
+          </p:cNvPr>
+          <p:cNvPicPr>
+            <a:picLocks noChangeAspect="1"/>
+          </p:cNvPicPr>
+          <p:nvPr/>
+        </p:nvPicPr>
+        <p:blipFill>
+          <a:blip r:embed="rId2"/>
+          <a:stretch>
+            <a:fillRect/>
+          </a:stretch>
+        </p:blipFill>
+        <p:spPr>
+          <a:xfrm>
+            <a:off x="409575" y="975561"/>
+            <a:ext cx="4476750" cy="4476750"/>
+          </a:xfrm>
+          <a:prstGeom prst="rect">
+            <a:avLst/>
+          </a:prstGeom>
+        </p:spPr>
+      </p:pic>
+      <p:sp>
+        <p:nvSpPr>
+          <p:cNvPr id="10" name="TextBox 9">
+            <a:extLst>
+              <a:ext uri="{FF2B5EF4-FFF2-40B4-BE49-F238E27FC236}">
+                <a16:creationId xmlns:a16="http://schemas.microsoft.com/office/drawing/2014/main" id="{BF6B722E-7E2A-3CCC-860C-BCD5BFC03817}"/>
+              </a:ext>
+            </a:extLst>
+          </p:cNvPr>
+          <p:cNvSpPr txBox="1"/>
+          <p:nvPr/>
+        </p:nvSpPr>
+        <p:spPr>
+          <a:xfrm>
+            <a:off x="962025" y="975561"/>
+            <a:ext cx="3235036" cy="369332"/>
+          </a:xfrm>
+          <a:prstGeom prst="rect">
+            <a:avLst/>
+          </a:prstGeom>
+          <a:noFill/>
+        </p:spPr>
+        <p:txBody>
+          <a:bodyPr wrap="square">
+            <a:spAutoFit/>
+          </a:bodyPr>
+          <a:lstStyle/>
+          <a:p>
+            <a:r>
+              <a:rPr lang="en-US" dirty="0"/>
+              <a:t>Heatmap for trimmed features</a:t>
+            </a:r>
+          </a:p>
+        </p:txBody>
+      </p:sp>
+      <p:sp>
+        <p:nvSpPr>
+          <p:cNvPr id="12" name="TextBox 11">
+            <a:extLst>
+              <a:ext uri="{FF2B5EF4-FFF2-40B4-BE49-F238E27FC236}">
+                <a16:creationId xmlns:a16="http://schemas.microsoft.com/office/drawing/2014/main" id="{26ADA453-6747-7E4B-FA4D-0802AF04AF01}"/>
+              </a:ext>
+            </a:extLst>
+          </p:cNvPr>
+          <p:cNvSpPr txBox="1"/>
+          <p:nvPr/>
+        </p:nvSpPr>
+        <p:spPr>
+          <a:xfrm>
+            <a:off x="1647825" y="487918"/>
+            <a:ext cx="2329092" cy="369332"/>
+          </a:xfrm>
+          <a:prstGeom prst="rect">
+            <a:avLst/>
+          </a:prstGeom>
+          <a:noFill/>
+        </p:spPr>
+        <p:txBody>
+          <a:bodyPr wrap="square">
+            <a:spAutoFit/>
+          </a:bodyPr>
+          <a:lstStyle/>
+          <a:p>
+            <a:r>
+              <a:rPr lang="en-US" b="1" dirty="0"/>
+              <a:t>Globally</a:t>
+            </a:r>
+          </a:p>
+        </p:txBody>
+      </p:sp>
+      <p:sp>
+        <p:nvSpPr>
+          <p:cNvPr id="13" name="Rectangle 12">
+            <a:extLst>
+              <a:ext uri="{FF2B5EF4-FFF2-40B4-BE49-F238E27FC236}">
+                <a16:creationId xmlns:a16="http://schemas.microsoft.com/office/drawing/2014/main" id="{5C4A1611-73D8-9659-4F93-FFC425F24D95}"/>
+              </a:ext>
+            </a:extLst>
+          </p:cNvPr>
+          <p:cNvSpPr/>
+          <p:nvPr/>
+        </p:nvSpPr>
+        <p:spPr>
+          <a:xfrm>
+            <a:off x="3562350" y="1344893"/>
+            <a:ext cx="219075" cy="3951007"/>
+          </a:xfrm>
+          <a:prstGeom prst="rect">
+            <a:avLst/>
+          </a:prstGeom>
+          <a:noFill/>
+        </p:spPr>
+        <p:style>
+          <a:lnRef idx="2">
+            <a:schemeClr val="accent1">
+              <a:shade val="15000"/>
+            </a:schemeClr>
+          </a:lnRef>
+          <a:fillRef idx="1">
+            <a:schemeClr val="accent1"/>
+          </a:fillRef>
+          <a:effectRef idx="0">
+            <a:schemeClr val="accent1"/>
+          </a:effectRef>
+          <a:fontRef idx="minor">
+            <a:schemeClr val="lt1"/>
+          </a:fontRef>
+        </p:style>
+        <p:txBody>
+          <a:bodyPr rtlCol="0" anchor="ctr"/>
+          <a:lstStyle/>
+          <a:p>
+            <a:pPr algn="ctr"/>
+            <a:endParaRPr lang="en-US"/>
+          </a:p>
+        </p:txBody>
+      </p:sp>
+      <p:cxnSp>
+        <p:nvCxnSpPr>
+          <p:cNvPr id="15" name="Straight Arrow Connector 14">
+            <a:extLst>
+              <a:ext uri="{FF2B5EF4-FFF2-40B4-BE49-F238E27FC236}">
+                <a16:creationId xmlns:a16="http://schemas.microsoft.com/office/drawing/2014/main" id="{18011497-F8CD-1B2D-9E39-D072894A68E0}"/>
+              </a:ext>
+            </a:extLst>
+          </p:cNvPr>
+          <p:cNvCxnSpPr>
+            <a:cxnSpLocks/>
+          </p:cNvCxnSpPr>
+          <p:nvPr/>
+        </p:nvCxnSpPr>
+        <p:spPr>
+          <a:xfrm>
+            <a:off x="3781425" y="3259418"/>
+            <a:ext cx="1533525" cy="0"/>
+          </a:xfrm>
+          <a:prstGeom prst="straightConnector1">
+            <a:avLst/>
+          </a:prstGeom>
+          <a:ln>
+            <a:tailEnd type="triangle"/>
+          </a:ln>
+        </p:spPr>
+        <p:style>
+          <a:lnRef idx="1">
+            <a:schemeClr val="dk1"/>
+          </a:lnRef>
+          <a:fillRef idx="0">
+            <a:schemeClr val="dk1"/>
+          </a:fillRef>
+          <a:effectRef idx="0">
+            <a:schemeClr val="dk1"/>
+          </a:effectRef>
+          <a:fontRef idx="minor">
+            <a:schemeClr val="tx1"/>
+          </a:fontRef>
+        </p:style>
+      </p:cxnSp>
+      <p:sp>
+        <p:nvSpPr>
+          <p:cNvPr id="24" name="TextBox 23">
+            <a:extLst>
+              <a:ext uri="{FF2B5EF4-FFF2-40B4-BE49-F238E27FC236}">
+                <a16:creationId xmlns:a16="http://schemas.microsoft.com/office/drawing/2014/main" id="{FFF0664A-F70C-C2FC-BAA9-A986CBBE84AD}"/>
+              </a:ext>
+            </a:extLst>
+          </p:cNvPr>
+          <p:cNvSpPr txBox="1"/>
+          <p:nvPr/>
+        </p:nvSpPr>
+        <p:spPr>
+          <a:xfrm>
+            <a:off x="9776504" y="1772653"/>
+            <a:ext cx="2223859" cy="3539430"/>
+          </a:xfrm>
+          <a:prstGeom prst="rect">
+            <a:avLst/>
+          </a:prstGeom>
+          <a:noFill/>
+        </p:spPr>
+        <p:txBody>
+          <a:bodyPr wrap="square">
+            <a:spAutoFit/>
+          </a:bodyPr>
+          <a:lstStyle/>
+          <a:p>
+            <a:r>
+              <a:rPr lang="en-US" sz="1400" dirty="0"/>
+              <a:t>AWLNS – Adults with no numerical skills</a:t>
+            </a:r>
+          </a:p>
+          <a:p>
+            <a:r>
+              <a:rPr lang="en-US" sz="1400" dirty="0"/>
+              <a:t>TANS – Top adult numeracy score decile</a:t>
+            </a:r>
+          </a:p>
+          <a:p>
+            <a:r>
+              <a:rPr lang="en-US" sz="1400" dirty="0"/>
+              <a:t>TALS – Top adult literacy scores decile </a:t>
+            </a:r>
+          </a:p>
+          <a:p>
+            <a:r>
+              <a:rPr lang="en-US" sz="1400" dirty="0"/>
+              <a:t>TO – Time-off</a:t>
+            </a:r>
+          </a:p>
+          <a:p>
+            <a:r>
+              <a:rPr lang="en-US" sz="1400" dirty="0"/>
+              <a:t>HDI – Households and </a:t>
+            </a:r>
+            <a:r>
+              <a:rPr lang="en-US" sz="1400" strike="sngStrike" dirty="0"/>
+              <a:t>NPISHs net adjusted disposable income per capita</a:t>
+            </a:r>
+          </a:p>
+          <a:p>
+            <a:r>
+              <a:rPr lang="en-US" sz="1400" dirty="0"/>
+              <a:t>AAGE – Annual average gross earnings</a:t>
+            </a:r>
+          </a:p>
+          <a:p>
+            <a:r>
+              <a:rPr lang="en-US" sz="1400" dirty="0"/>
+              <a:t>YEAR – Time period</a:t>
+            </a:r>
+          </a:p>
+          <a:p>
+            <a:r>
+              <a:rPr lang="en-US" sz="1400" dirty="0"/>
+              <a:t>HA – Housing Affordability</a:t>
+            </a:r>
+          </a:p>
+          <a:p>
+            <a:r>
+              <a:rPr lang="en-US" sz="1400" dirty="0"/>
+              <a:t>MNW – Median net wealth</a:t>
+            </a:r>
+          </a:p>
+        </p:txBody>
+      </p:sp>
+      <p:pic>
+        <p:nvPicPr>
+          <p:cNvPr id="4" name="Picture 3" descr="A colorful chart with numbers and letters">
+            <a:extLst>
+              <a:ext uri="{FF2B5EF4-FFF2-40B4-BE49-F238E27FC236}">
+                <a16:creationId xmlns:a16="http://schemas.microsoft.com/office/drawing/2014/main" id="{16E51037-E9E5-FF80-4592-DF14E782F774}"/>
+              </a:ext>
+            </a:extLst>
+          </p:cNvPr>
+          <p:cNvPicPr>
+            <a:picLocks noChangeAspect="1"/>
+          </p:cNvPicPr>
+          <p:nvPr/>
+        </p:nvPicPr>
+        <p:blipFill>
+          <a:blip r:embed="rId3"/>
+          <a:stretch>
+            <a:fillRect/>
+          </a:stretch>
+        </p:blipFill>
+        <p:spPr>
+          <a:xfrm>
+            <a:off x="5041941" y="608986"/>
+            <a:ext cx="4744274" cy="4744274"/>
+          </a:xfrm>
+          <a:prstGeom prst="rect">
+            <a:avLst/>
+          </a:prstGeom>
+        </p:spPr>
+      </p:pic>
+      <p:sp>
+        <p:nvSpPr>
+          <p:cNvPr id="27" name="TextBox 26">
+            <a:extLst>
+              <a:ext uri="{FF2B5EF4-FFF2-40B4-BE49-F238E27FC236}">
+                <a16:creationId xmlns:a16="http://schemas.microsoft.com/office/drawing/2014/main" id="{3D07FD27-04BC-C34F-2228-44EFEFEA9F37}"/>
+              </a:ext>
+            </a:extLst>
+          </p:cNvPr>
+          <p:cNvSpPr txBox="1"/>
+          <p:nvPr/>
+        </p:nvSpPr>
+        <p:spPr>
+          <a:xfrm>
+            <a:off x="9205376" y="1126322"/>
+            <a:ext cx="3235036" cy="646331"/>
+          </a:xfrm>
+          <a:prstGeom prst="rect">
+            <a:avLst/>
+          </a:prstGeom>
+          <a:noFill/>
+        </p:spPr>
+        <p:txBody>
+          <a:bodyPr wrap="square">
+            <a:spAutoFit/>
+          </a:bodyPr>
+          <a:lstStyle/>
+          <a:p>
+            <a:pPr algn="ctr"/>
+            <a:r>
+              <a:rPr lang="en-US" dirty="0"/>
+              <a:t>Top measures responsible for suicides in USA</a:t>
+            </a:r>
+          </a:p>
+        </p:txBody>
+      </p:sp>
+      <p:sp>
+        <p:nvSpPr>
+          <p:cNvPr id="20" name="Rectangle 19">
+            <a:extLst>
+              <a:ext uri="{FF2B5EF4-FFF2-40B4-BE49-F238E27FC236}">
+                <a16:creationId xmlns:a16="http://schemas.microsoft.com/office/drawing/2014/main" id="{4612504B-555A-DA61-1AF1-DD7FEA93BE06}"/>
+              </a:ext>
+            </a:extLst>
+          </p:cNvPr>
+          <p:cNvSpPr/>
+          <p:nvPr/>
+        </p:nvSpPr>
+        <p:spPr>
+          <a:xfrm>
+            <a:off x="5438775" y="1126322"/>
+            <a:ext cx="210587" cy="4078682"/>
+          </a:xfrm>
+          <a:prstGeom prst="rect">
+            <a:avLst/>
+          </a:prstGeom>
+          <a:noFill/>
+        </p:spPr>
+        <p:style>
+          <a:lnRef idx="2">
+            <a:schemeClr val="accent1">
+              <a:shade val="15000"/>
+            </a:schemeClr>
+          </a:lnRef>
+          <a:fillRef idx="1">
+            <a:schemeClr val="accent1"/>
+          </a:fillRef>
+          <a:effectRef idx="0">
+            <a:schemeClr val="accent1"/>
+          </a:effectRef>
+          <a:fontRef idx="minor">
+            <a:schemeClr val="lt1"/>
+          </a:fontRef>
+        </p:style>
+        <p:txBody>
+          <a:bodyPr rtlCol="0" anchor="ctr"/>
+          <a:lstStyle/>
+          <a:p>
+            <a:pPr algn="ctr"/>
+            <a:endParaRPr lang="en-US"/>
+          </a:p>
+        </p:txBody>
+      </p:sp>
+      <p:sp>
+        <p:nvSpPr>
+          <p:cNvPr id="6" name="Star: 5 Points 5">
+            <a:extLst>
+              <a:ext uri="{FF2B5EF4-FFF2-40B4-BE49-F238E27FC236}">
+                <a16:creationId xmlns:a16="http://schemas.microsoft.com/office/drawing/2014/main" id="{51A272AA-FFA5-D278-E436-0C6FBD314A71}"/>
+              </a:ext>
+            </a:extLst>
+          </p:cNvPr>
+          <p:cNvSpPr/>
+          <p:nvPr/>
+        </p:nvSpPr>
+        <p:spPr>
+          <a:xfrm>
+            <a:off x="10851239" y="2941320"/>
+            <a:ext cx="152041" cy="121920"/>
+          </a:xfrm>
+          <a:prstGeom prst="star5">
+            <a:avLst/>
+          </a:prstGeom>
+        </p:spPr>
+        <p:style>
+          <a:lnRef idx="2">
+            <a:schemeClr val="accent1">
+              <a:shade val="15000"/>
+            </a:schemeClr>
+          </a:lnRef>
+          <a:fillRef idx="1">
+            <a:schemeClr val="accent1"/>
+          </a:fillRef>
+          <a:effectRef idx="0">
+            <a:schemeClr val="accent1"/>
+          </a:effectRef>
+          <a:fontRef idx="minor">
+            <a:schemeClr val="lt1"/>
+          </a:fontRef>
+        </p:style>
+        <p:txBody>
+          <a:bodyPr rtlCol="0" anchor="ctr"/>
+          <a:lstStyle/>
+          <a:p>
+            <a:pPr algn="ctr"/>
+            <a:endParaRPr lang="en-US"/>
+          </a:p>
+        </p:txBody>
+      </p:sp>
+    </p:spTree>
+    <p:extLst>
+      <p:ext uri="{BB962C8B-B14F-4D97-AF65-F5344CB8AC3E}">
+        <p14:creationId xmlns:p14="http://schemas.microsoft.com/office/powerpoint/2010/main" val="3262976975"/>
+      </p:ext>
+    </p:extLst>
+  </p:cSld>
+  <p:clrMapOvr>
+    <a:masterClrMapping/>
+  </p:clrMapOvr>
+</p:sld>
+</file>
+
+<file path=ppt/slides/slide7.xml><?xml version="1.0" encoding="utf-8"?>
+<p:sld xmlns:a="http://schemas.openxmlformats.org/drawingml/2006/main" xmlns:r="http://schemas.openxmlformats.org/officeDocument/2006/relationships" xmlns:p="http://schemas.openxmlformats.org/presentationml/2006/main">
+  <p:cSld>
+    <p:spTree>
+      <p:nvGrpSpPr>
+        <p:cNvPr id="1" name=""/>
+        <p:cNvGrpSpPr/>
+        <p:nvPr/>
+      </p:nvGrpSpPr>
+      <p:grpSpPr>
+        <a:xfrm>
+          <a:off x="0" y="0"/>
+          <a:ext cx="0" cy="0"/>
+          <a:chOff x="0" y="0"/>
+          <a:chExt cx="0" cy="0"/>
+        </a:xfrm>
+      </p:grpSpPr>
+      <p:sp>
+        <p:nvSpPr>
+          <p:cNvPr id="2" name="Title 1">
+            <a:extLst>
+              <a:ext uri="{FF2B5EF4-FFF2-40B4-BE49-F238E27FC236}">
+                <a16:creationId xmlns:a16="http://schemas.microsoft.com/office/drawing/2014/main" id="{13B72380-74EB-7E24-EF29-8A4829A90D08}"/>
+              </a:ext>
+            </a:extLst>
+          </p:cNvPr>
+          <p:cNvSpPr>
+            <a:spLocks noGrp="1"/>
+          </p:cNvSpPr>
+          <p:nvPr>
+            <p:ph type="title"/>
+          </p:nvPr>
+        </p:nvSpPr>
+        <p:spPr>
+          <a:xfrm>
+            <a:off x="4370906" y="0"/>
+            <a:ext cx="3235036" cy="608986"/>
+          </a:xfrm>
+        </p:spPr>
+        <p:txBody>
+          <a:bodyPr/>
+          <a:lstStyle/>
+          <a:p>
+            <a:r>
+              <a:rPr lang="en-US" dirty="0"/>
+              <a:t>Analysis</a:t>
+            </a:r>
+          </a:p>
+        </p:txBody>
+      </p:sp>
+      <p:sp>
+        <p:nvSpPr>
+          <p:cNvPr id="12" name="TextBox 11">
+            <a:extLst>
+              <a:ext uri="{FF2B5EF4-FFF2-40B4-BE49-F238E27FC236}">
+                <a16:creationId xmlns:a16="http://schemas.microsoft.com/office/drawing/2014/main" id="{26ADA453-6747-7E4B-FA4D-0802AF04AF01}"/>
+              </a:ext>
+            </a:extLst>
+          </p:cNvPr>
+          <p:cNvSpPr txBox="1"/>
+          <p:nvPr/>
+        </p:nvSpPr>
+        <p:spPr>
+          <a:xfrm>
+            <a:off x="578480" y="608986"/>
+            <a:ext cx="2329092" cy="369332"/>
+          </a:xfrm>
+          <a:prstGeom prst="rect">
+            <a:avLst/>
+          </a:prstGeom>
+          <a:noFill/>
+        </p:spPr>
+        <p:txBody>
+          <a:bodyPr wrap="square">
+            <a:spAutoFit/>
+          </a:bodyPr>
+          <a:lstStyle/>
+          <a:p>
+            <a:r>
+              <a:rPr lang="en-US" b="1" dirty="0"/>
+              <a:t>For other countries,</a:t>
+            </a:r>
+          </a:p>
+        </p:txBody>
+      </p:sp>
+      <p:sp>
+        <p:nvSpPr>
+          <p:cNvPr id="24" name="TextBox 23">
+            <a:extLst>
+              <a:ext uri="{FF2B5EF4-FFF2-40B4-BE49-F238E27FC236}">
+                <a16:creationId xmlns:a16="http://schemas.microsoft.com/office/drawing/2014/main" id="{FFF0664A-F70C-C2FC-BAA9-A986CBBE84AD}"/>
+              </a:ext>
+            </a:extLst>
+          </p:cNvPr>
+          <p:cNvSpPr txBox="1"/>
+          <p:nvPr/>
+        </p:nvSpPr>
+        <p:spPr>
+          <a:xfrm>
+            <a:off x="9776504" y="1772653"/>
+            <a:ext cx="2223859" cy="3539430"/>
+          </a:xfrm>
+          <a:prstGeom prst="rect">
+            <a:avLst/>
+          </a:prstGeom>
+          <a:noFill/>
+        </p:spPr>
+        <p:txBody>
+          <a:bodyPr wrap="square">
+            <a:spAutoFit/>
+          </a:bodyPr>
+          <a:lstStyle/>
+          <a:p>
+            <a:r>
+              <a:rPr lang="en-US" sz="1400" dirty="0"/>
+              <a:t>AWLNS – Adults with no numerical skills</a:t>
+            </a:r>
+          </a:p>
+          <a:p>
+            <a:r>
+              <a:rPr lang="en-US" sz="1400" dirty="0"/>
+              <a:t>TANS – Top adult numeracy score decile</a:t>
+            </a:r>
+          </a:p>
+          <a:p>
+            <a:r>
+              <a:rPr lang="en-US" sz="1400" dirty="0"/>
+              <a:t>TALS – Top adult literacy scores decile </a:t>
+            </a:r>
+          </a:p>
+          <a:p>
+            <a:r>
+              <a:rPr lang="en-US" sz="1400" dirty="0"/>
+              <a:t>TO – Time-off</a:t>
+            </a:r>
+          </a:p>
+          <a:p>
+            <a:r>
+              <a:rPr lang="en-US" sz="1400" dirty="0"/>
+              <a:t>HDI – Households and </a:t>
+            </a:r>
+            <a:r>
+              <a:rPr lang="en-US" sz="1400" strike="sngStrike" dirty="0"/>
+              <a:t>NPISHs net adjusted disposable income per capita</a:t>
+            </a:r>
+          </a:p>
+          <a:p>
+            <a:r>
+              <a:rPr lang="en-US" sz="1400" dirty="0"/>
+              <a:t>AAGE – Annual average gross earnings</a:t>
+            </a:r>
+          </a:p>
+          <a:p>
+            <a:r>
+              <a:rPr lang="en-US" sz="1400" dirty="0"/>
+              <a:t>YEAR – Time period</a:t>
+            </a:r>
+          </a:p>
+          <a:p>
+            <a:r>
+              <a:rPr lang="en-US" sz="1400" dirty="0"/>
+              <a:t>HA – Housing Affordability</a:t>
+            </a:r>
+          </a:p>
+          <a:p>
+            <a:r>
+              <a:rPr lang="en-US" sz="1400" dirty="0"/>
+              <a:t>MNW – Median net wealth</a:t>
+            </a:r>
+          </a:p>
+        </p:txBody>
+      </p:sp>
+      <p:sp>
+        <p:nvSpPr>
+          <p:cNvPr id="27" name="TextBox 26">
+            <a:extLst>
+              <a:ext uri="{FF2B5EF4-FFF2-40B4-BE49-F238E27FC236}">
+                <a16:creationId xmlns:a16="http://schemas.microsoft.com/office/drawing/2014/main" id="{3D07FD27-04BC-C34F-2228-44EFEFEA9F37}"/>
+              </a:ext>
+            </a:extLst>
+          </p:cNvPr>
+          <p:cNvSpPr txBox="1"/>
+          <p:nvPr/>
+        </p:nvSpPr>
+        <p:spPr>
+          <a:xfrm>
+            <a:off x="9205376" y="1126322"/>
+            <a:ext cx="3235036" cy="646331"/>
+          </a:xfrm>
+          <a:prstGeom prst="rect">
+            <a:avLst/>
+          </a:prstGeom>
+          <a:noFill/>
+        </p:spPr>
+        <p:txBody>
+          <a:bodyPr wrap="square">
+            <a:spAutoFit/>
+          </a:bodyPr>
+          <a:lstStyle/>
+          <a:p>
+            <a:pPr algn="ctr"/>
+            <a:r>
+              <a:rPr lang="en-US" dirty="0"/>
+              <a:t>Top measures responsible for suicides in USA</a:t>
+            </a:r>
+          </a:p>
+        </p:txBody>
+      </p:sp>
+      <p:sp>
+        <p:nvSpPr>
+          <p:cNvPr id="6" name="Star: 5 Points 5">
+            <a:extLst>
+              <a:ext uri="{FF2B5EF4-FFF2-40B4-BE49-F238E27FC236}">
+                <a16:creationId xmlns:a16="http://schemas.microsoft.com/office/drawing/2014/main" id="{51A272AA-FFA5-D278-E436-0C6FBD314A71}"/>
+              </a:ext>
+            </a:extLst>
+          </p:cNvPr>
+          <p:cNvSpPr/>
+          <p:nvPr/>
+        </p:nvSpPr>
+        <p:spPr>
+          <a:xfrm>
+            <a:off x="10851239" y="2941320"/>
+            <a:ext cx="152041" cy="121920"/>
+          </a:xfrm>
+          <a:prstGeom prst="star5">
+            <a:avLst/>
+          </a:prstGeom>
+        </p:spPr>
+        <p:style>
+          <a:lnRef idx="2">
+            <a:schemeClr val="accent1">
+              <a:shade val="15000"/>
+            </a:schemeClr>
+          </a:lnRef>
+          <a:fillRef idx="1">
+            <a:schemeClr val="accent1"/>
+          </a:fillRef>
+          <a:effectRef idx="0">
+            <a:schemeClr val="accent1"/>
+          </a:effectRef>
+          <a:fontRef idx="minor">
+            <a:schemeClr val="lt1"/>
+          </a:fontRef>
+        </p:style>
+        <p:txBody>
+          <a:bodyPr rtlCol="0" anchor="ctr"/>
+          <a:lstStyle/>
+          <a:p>
+            <a:pPr algn="ctr"/>
+            <a:endParaRPr lang="en-US"/>
+          </a:p>
+        </p:txBody>
+      </p:sp>
+    </p:spTree>
+    <p:extLst>
+      <p:ext uri="{BB962C8B-B14F-4D97-AF65-F5344CB8AC3E}">
+        <p14:creationId xmlns:p14="http://schemas.microsoft.com/office/powerpoint/2010/main" val="370040697"/>
+      </p:ext>
+    </p:extLst>
+  </p:cSld>
+  <p:clrMapOvr>
+    <a:masterClrMapping/>
+  </p:clrMapOvr>
+</p:sld>
+</file>
+
+<file path=ppt/slides/slide8.xml><?xml version="1.0" encoding="utf-8"?>
 <p:sld xmlns:a="http://schemas.openxmlformats.org/drawingml/2006/main" xmlns:r="http://schemas.openxmlformats.org/officeDocument/2006/relationships" xmlns:p="http://schemas.openxmlformats.org/presentationml/2006/main">
   <p:cSld>
     <p:spTree>
@@ -15441,7 +20018,7 @@
 </p:sld>
 </file>
 
-<file path=ppt/slides/slide6.xml><?xml version="1.0" encoding="utf-8"?>
+<file path=ppt/slides/slide9.xml><?xml version="1.0" encoding="utf-8"?>
 <p:sld xmlns:a="http://schemas.openxmlformats.org/drawingml/2006/main" xmlns:r="http://schemas.openxmlformats.org/officeDocument/2006/relationships" xmlns:p="http://schemas.openxmlformats.org/presentationml/2006/main">
   <p:cSld>
     <p:spTree>
@@ -15681,819 +20258,6 @@
     <p:extLst>
       <p:ext uri="{BB962C8B-B14F-4D97-AF65-F5344CB8AC3E}">
         <p14:creationId xmlns:p14="http://schemas.microsoft.com/office/powerpoint/2010/main" val="314383389"/>
-      </p:ext>
-    </p:extLst>
-  </p:cSld>
-  <p:clrMapOvr>
-    <a:masterClrMapping/>
-  </p:clrMapOvr>
-</p:sld>
-</file>
-
-<file path=ppt/slides/slide7.xml><?xml version="1.0" encoding="utf-8"?>
-<p:sld xmlns:a="http://schemas.openxmlformats.org/drawingml/2006/main" xmlns:r="http://schemas.openxmlformats.org/officeDocument/2006/relationships" xmlns:p="http://schemas.openxmlformats.org/presentationml/2006/main">
-  <p:cSld>
-    <p:spTree>
-      <p:nvGrpSpPr>
-        <p:cNvPr id="1" name=""/>
-        <p:cNvGrpSpPr/>
-        <p:nvPr/>
-      </p:nvGrpSpPr>
-      <p:grpSpPr>
-        <a:xfrm>
-          <a:off x="0" y="0"/>
-          <a:ext cx="0" cy="0"/>
-          <a:chOff x="0" y="0"/>
-          <a:chExt cx="0" cy="0"/>
-        </a:xfrm>
-      </p:grpSpPr>
-      <p:sp>
-        <p:nvSpPr>
-          <p:cNvPr id="2" name="Title 1">
-            <a:extLst>
-              <a:ext uri="{FF2B5EF4-FFF2-40B4-BE49-F238E27FC236}">
-                <a16:creationId xmlns:a16="http://schemas.microsoft.com/office/drawing/2014/main" id="{027B3D95-F6C5-80B0-A17A-F0896639DEA1}"/>
-              </a:ext>
-            </a:extLst>
-          </p:cNvPr>
-          <p:cNvSpPr>
-            <a:spLocks noGrp="1"/>
-          </p:cNvSpPr>
-          <p:nvPr>
-            <p:ph type="title"/>
-          </p:nvPr>
-        </p:nvSpPr>
-        <p:spPr/>
-        <p:txBody>
-          <a:bodyPr>
-            <a:normAutofit fontScale="90000"/>
-          </a:bodyPr>
-          <a:lstStyle/>
-          <a:p>
-            <a:r>
-              <a:rPr lang="en-US" dirty="0"/>
-              <a:t>Presentation of Results &amp; Suggested Intervention(s)</a:t>
-            </a:r>
-          </a:p>
-        </p:txBody>
-      </p:sp>
-      <p:sp>
-        <p:nvSpPr>
-          <p:cNvPr id="3" name="Content Placeholder 2">
-            <a:extLst>
-              <a:ext uri="{FF2B5EF4-FFF2-40B4-BE49-F238E27FC236}">
-                <a16:creationId xmlns:a16="http://schemas.microsoft.com/office/drawing/2014/main" id="{CBF69D0C-1D87-205F-FF81-6BAAB3E0113D}"/>
-              </a:ext>
-            </a:extLst>
-          </p:cNvPr>
-          <p:cNvSpPr>
-            <a:spLocks noGrp="1"/>
-          </p:cNvSpPr>
-          <p:nvPr>
-            <p:ph sz="half" idx="1"/>
-          </p:nvPr>
-        </p:nvSpPr>
-        <p:spPr>
-          <a:xfrm>
-            <a:off x="457200" y="2063662"/>
-            <a:ext cx="11353800" cy="3544282"/>
-          </a:xfrm>
-        </p:spPr>
-        <p:txBody>
-          <a:bodyPr>
-            <a:normAutofit fontScale="92500" lnSpcReduction="10000"/>
-          </a:bodyPr>
-          <a:lstStyle/>
-          <a:p>
-            <a:pPr marL="342900" indent="-342900">
-              <a:buFont typeface="Arial" panose="020B0604020202020204" pitchFamily="34" charset="0"/>
-              <a:buChar char="•"/>
-            </a:pPr>
-            <a:r>
-              <a:rPr lang="en-US" sz="1900" b="1" kern="100" dirty="0">
-                <a:solidFill>
-                  <a:srgbClr val="FF0000"/>
-                </a:solidFill>
-                <a:latin typeface="Calibri" panose="020F0502020204030204" pitchFamily="34" charset="0"/>
-                <a:cs typeface="Times New Roman" panose="02020603050405020304" pitchFamily="18" charset="0"/>
-              </a:rPr>
-              <a:t>Based on your models’ results and qualitative analyses, suggest 3 interventions for the US to improve in the features you’ve identified</a:t>
-            </a:r>
-          </a:p>
-          <a:p>
-            <a:pPr marL="342900" indent="-342900">
-              <a:buFont typeface="Arial" panose="020B0604020202020204" pitchFamily="34" charset="0"/>
-              <a:buChar char="•"/>
-            </a:pPr>
-            <a:r>
-              <a:rPr lang="en-US" sz="1900" kern="100" dirty="0">
-                <a:latin typeface="Calibri" panose="020F0502020204030204" pitchFamily="34" charset="0"/>
-                <a:cs typeface="Times New Roman" panose="02020603050405020304" pitchFamily="18" charset="0"/>
-              </a:rPr>
-              <a:t>All information must be summarized and presented in a well-made PowerPoint</a:t>
-            </a:r>
-          </a:p>
-          <a:p>
-            <a:pPr marL="342900" indent="-342900">
-              <a:buFont typeface="Arial" panose="020B0604020202020204" pitchFamily="34" charset="0"/>
-              <a:buChar char="•"/>
-            </a:pPr>
-            <a:r>
-              <a:rPr lang="en-US" sz="1900" kern="100" dirty="0">
-                <a:latin typeface="Calibri" panose="020F0502020204030204" pitchFamily="34" charset="0"/>
-                <a:cs typeface="Times New Roman" panose="02020603050405020304" pitchFamily="18" charset="0"/>
-              </a:rPr>
-              <a:t>Technical Requirements</a:t>
-            </a:r>
-          </a:p>
-          <a:p>
-            <a:pPr marL="1028700" lvl="1" indent="-342900"/>
-            <a:r>
-              <a:rPr lang="en-US" sz="1700" kern="100" dirty="0">
-                <a:latin typeface="Calibri" panose="020F0502020204030204" pitchFamily="34" charset="0"/>
-                <a:cs typeface="Times New Roman" panose="02020603050405020304" pitchFamily="18" charset="0"/>
-              </a:rPr>
-              <a:t>Slides must be submitted to my email (</a:t>
-            </a:r>
-            <a:r>
-              <a:rPr lang="en-US" sz="1700" kern="100" dirty="0">
-                <a:latin typeface="Calibri" panose="020F0502020204030204" pitchFamily="34" charset="0"/>
-                <a:cs typeface="Times New Roman" panose="02020603050405020304" pitchFamily="18" charset="0"/>
-                <a:hlinkClick r:id="rId2"/>
-              </a:rPr>
-              <a:t>tjm4q2@umsystem.edu</a:t>
-            </a:r>
-            <a:r>
-              <a:rPr lang="en-US" sz="1700" kern="100" dirty="0">
-                <a:latin typeface="Calibri" panose="020F0502020204030204" pitchFamily="34" charset="0"/>
-                <a:cs typeface="Times New Roman" panose="02020603050405020304" pitchFamily="18" charset="0"/>
-              </a:rPr>
-              <a:t>) by </a:t>
-            </a:r>
-            <a:r>
-              <a:rPr lang="en-US" sz="1700" b="1" kern="100" dirty="0">
-                <a:solidFill>
-                  <a:srgbClr val="FF0000"/>
-                </a:solidFill>
-                <a:latin typeface="Calibri" panose="020F0502020204030204" pitchFamily="34" charset="0"/>
-                <a:cs typeface="Times New Roman" panose="02020603050405020304" pitchFamily="18" charset="0"/>
-              </a:rPr>
-              <a:t>4pm on Wednesday, 10 April 2024</a:t>
-            </a:r>
-          </a:p>
-          <a:p>
-            <a:pPr marL="1028700" lvl="1" indent="-342900"/>
-            <a:r>
-              <a:rPr lang="en-US" sz="1700" kern="100" dirty="0">
-                <a:latin typeface="Calibri" panose="020F0502020204030204" pitchFamily="34" charset="0"/>
-                <a:cs typeface="Times New Roman" panose="02020603050405020304" pitchFamily="18" charset="0"/>
-              </a:rPr>
-              <a:t>Name your file your “Team_#” so that I can have them easily accessible</a:t>
-            </a:r>
-          </a:p>
-          <a:p>
-            <a:pPr marL="1028700" lvl="1" indent="-342900"/>
-            <a:r>
-              <a:rPr lang="en-US" sz="1700" kern="100" dirty="0">
-                <a:latin typeface="Calibri" panose="020F0502020204030204" pitchFamily="34" charset="0"/>
-                <a:cs typeface="Times New Roman" panose="02020603050405020304" pitchFamily="18" charset="0"/>
-              </a:rPr>
-              <a:t>Please include your “Team #” as a small header or footer on </a:t>
-            </a:r>
-            <a:r>
-              <a:rPr lang="en-US" sz="1700" i="1" kern="100" dirty="0">
-                <a:latin typeface="Calibri" panose="020F0502020204030204" pitchFamily="34" charset="0"/>
-                <a:cs typeface="Times New Roman" panose="02020603050405020304" pitchFamily="18" charset="0"/>
-              </a:rPr>
-              <a:t>all</a:t>
-            </a:r>
-            <a:r>
-              <a:rPr lang="en-US" sz="1700" kern="100" dirty="0">
-                <a:latin typeface="Calibri" panose="020F0502020204030204" pitchFamily="34" charset="0"/>
-                <a:cs typeface="Times New Roman" panose="02020603050405020304" pitchFamily="18" charset="0"/>
-              </a:rPr>
-              <a:t> your slides so the judges can clearly see which team they are scoring</a:t>
-            </a:r>
-          </a:p>
-          <a:p>
-            <a:pPr marL="1028700" lvl="1" indent="-342900"/>
-            <a:r>
-              <a:rPr lang="en-US" sz="1700" b="1" kern="100" dirty="0">
-                <a:latin typeface="Calibri" panose="020F0502020204030204" pitchFamily="34" charset="0"/>
-                <a:cs typeface="Times New Roman" panose="02020603050405020304" pitchFamily="18" charset="0"/>
-              </a:rPr>
-              <a:t>No running code during the presentation or presenting with personal laptops</a:t>
-            </a:r>
-          </a:p>
-          <a:p>
-            <a:pPr marL="1485900" lvl="2" indent="-342900"/>
-            <a:r>
-              <a:rPr lang="en-US" sz="1300" kern="100" dirty="0">
-                <a:latin typeface="Calibri" panose="020F0502020204030204" pitchFamily="34" charset="0"/>
-                <a:cs typeface="Times New Roman" panose="02020603050405020304" pitchFamily="18" charset="0"/>
-              </a:rPr>
-              <a:t>If you would like to present your code for a conceptual reason, use screenshots or copy and paste it into your slides as text</a:t>
-            </a:r>
-          </a:p>
-          <a:p>
-            <a:pPr marL="1028700" lvl="1" indent="-342900"/>
-            <a:r>
-              <a:rPr lang="en-US" sz="1700" kern="100" dirty="0">
-                <a:latin typeface="Calibri" panose="020F0502020204030204" pitchFamily="34" charset="0"/>
-                <a:cs typeface="Times New Roman" panose="02020603050405020304" pitchFamily="18" charset="0"/>
-              </a:rPr>
-              <a:t>At least two </a:t>
-            </a:r>
-            <a:r>
-              <a:rPr lang="en-US" sz="1700" i="1" kern="100" dirty="0">
-                <a:latin typeface="Calibri" panose="020F0502020204030204" pitchFamily="34" charset="0"/>
-                <a:cs typeface="Times New Roman" panose="02020603050405020304" pitchFamily="18" charset="0"/>
-              </a:rPr>
-              <a:t>meaningful </a:t>
-            </a:r>
-            <a:r>
-              <a:rPr lang="en-US" sz="1700" kern="100" dirty="0">
-                <a:latin typeface="Calibri" panose="020F0502020204030204" pitchFamily="34" charset="0"/>
-                <a:cs typeface="Times New Roman" panose="02020603050405020304" pitchFamily="18" charset="0"/>
-              </a:rPr>
-              <a:t>graphics must be included</a:t>
-            </a:r>
-          </a:p>
-          <a:p>
-            <a:pPr marL="1028700" lvl="1" indent="-342900"/>
-            <a:r>
-              <a:rPr lang="en-US" sz="1700" kern="100" dirty="0">
-                <a:latin typeface="Calibri" panose="020F0502020204030204" pitchFamily="34" charset="0"/>
-                <a:cs typeface="Times New Roman" panose="02020603050405020304" pitchFamily="18" charset="0"/>
-              </a:rPr>
-              <a:t>Each team will be given 8 minutes to present and answer questions (summarize well!)</a:t>
-            </a:r>
-          </a:p>
-          <a:p>
-            <a:pPr marL="1028700" lvl="1" indent="-342900"/>
-            <a:r>
-              <a:rPr lang="en-US" sz="1700" kern="100" dirty="0">
-                <a:latin typeface="Calibri" panose="020F0502020204030204" pitchFamily="34" charset="0"/>
-                <a:cs typeface="Times New Roman" panose="02020603050405020304" pitchFamily="18" charset="0"/>
-              </a:rPr>
-              <a:t>Not all team members are required to orally present, but all must be present</a:t>
-            </a:r>
-          </a:p>
-        </p:txBody>
-      </p:sp>
-      <p:sp>
-        <p:nvSpPr>
-          <p:cNvPr id="5" name="Subtitle 4">
-            <a:extLst>
-              <a:ext uri="{FF2B5EF4-FFF2-40B4-BE49-F238E27FC236}">
-                <a16:creationId xmlns:a16="http://schemas.microsoft.com/office/drawing/2014/main" id="{02FC6EA5-46EB-F460-D664-775F68FA9BE9}"/>
-              </a:ext>
-            </a:extLst>
-          </p:cNvPr>
-          <p:cNvSpPr>
-            <a:spLocks noGrp="1"/>
-          </p:cNvSpPr>
-          <p:nvPr>
-            <p:ph type="subTitle" idx="10"/>
-          </p:nvPr>
-        </p:nvSpPr>
-        <p:spPr/>
-        <p:txBody>
-          <a:bodyPr/>
-          <a:lstStyle/>
-          <a:p>
-            <a:r>
-              <a:rPr lang="en-US" dirty="0"/>
-              <a:t>Presentation Requirements</a:t>
-            </a:r>
-            <a:endParaRPr lang="en-US" dirty="0">
-              <a:solidFill>
-                <a:schemeClr val="bg2">
-                  <a:lumMod val="50000"/>
-                </a:schemeClr>
-              </a:solidFill>
-            </a:endParaRPr>
-          </a:p>
-        </p:txBody>
-      </p:sp>
-      <p:cxnSp>
-        <p:nvCxnSpPr>
-          <p:cNvPr id="6" name="Straight Connector 5">
-            <a:extLst>
-              <a:ext uri="{FF2B5EF4-FFF2-40B4-BE49-F238E27FC236}">
-                <a16:creationId xmlns:a16="http://schemas.microsoft.com/office/drawing/2014/main" id="{7169B28C-7030-DCA1-4B1D-7E54D1942D32}"/>
-              </a:ext>
-            </a:extLst>
-          </p:cNvPr>
-          <p:cNvCxnSpPr>
-            <a:cxnSpLocks/>
-          </p:cNvCxnSpPr>
-          <p:nvPr/>
-        </p:nvCxnSpPr>
-        <p:spPr>
-          <a:xfrm>
-            <a:off x="457198" y="1800031"/>
-            <a:ext cx="11353802" cy="0"/>
-          </a:xfrm>
-          <a:prstGeom prst="line">
-            <a:avLst/>
-          </a:prstGeom>
-          <a:ln w="22225">
-            <a:solidFill>
-              <a:schemeClr val="bg2">
-                <a:lumMod val="50000"/>
-              </a:schemeClr>
-            </a:solidFill>
-          </a:ln>
-        </p:spPr>
-        <p:style>
-          <a:lnRef idx="1">
-            <a:schemeClr val="accent1"/>
-          </a:lnRef>
-          <a:fillRef idx="0">
-            <a:schemeClr val="accent1"/>
-          </a:fillRef>
-          <a:effectRef idx="0">
-            <a:schemeClr val="accent1"/>
-          </a:effectRef>
-          <a:fontRef idx="minor">
-            <a:schemeClr val="tx1"/>
-          </a:fontRef>
-        </p:style>
-      </p:cxnSp>
-    </p:spTree>
-    <p:extLst>
-      <p:ext uri="{BB962C8B-B14F-4D97-AF65-F5344CB8AC3E}">
-        <p14:creationId xmlns:p14="http://schemas.microsoft.com/office/powerpoint/2010/main" val="1153749155"/>
-      </p:ext>
-    </p:extLst>
-  </p:cSld>
-  <p:clrMapOvr>
-    <a:masterClrMapping/>
-  </p:clrMapOvr>
-</p:sld>
-</file>
-
-<file path=ppt/slides/slide8.xml><?xml version="1.0" encoding="utf-8"?>
-<p:sld xmlns:a="http://schemas.openxmlformats.org/drawingml/2006/main" xmlns:r="http://schemas.openxmlformats.org/officeDocument/2006/relationships" xmlns:p="http://schemas.openxmlformats.org/presentationml/2006/main">
-  <p:cSld>
-    <p:spTree>
-      <p:nvGrpSpPr>
-        <p:cNvPr id="1" name=""/>
-        <p:cNvGrpSpPr/>
-        <p:nvPr/>
-      </p:nvGrpSpPr>
-      <p:grpSpPr>
-        <a:xfrm>
-          <a:off x="0" y="0"/>
-          <a:ext cx="0" cy="0"/>
-          <a:chOff x="0" y="0"/>
-          <a:chExt cx="0" cy="0"/>
-        </a:xfrm>
-      </p:grpSpPr>
-      <p:sp>
-        <p:nvSpPr>
-          <p:cNvPr id="2" name="Title 1">
-            <a:extLst>
-              <a:ext uri="{FF2B5EF4-FFF2-40B4-BE49-F238E27FC236}">
-                <a16:creationId xmlns:a16="http://schemas.microsoft.com/office/drawing/2014/main" id="{027B3D95-F6C5-80B0-A17A-F0896639DEA1}"/>
-              </a:ext>
-            </a:extLst>
-          </p:cNvPr>
-          <p:cNvSpPr>
-            <a:spLocks noGrp="1"/>
-          </p:cNvSpPr>
-          <p:nvPr>
-            <p:ph type="title"/>
-          </p:nvPr>
-        </p:nvSpPr>
-        <p:spPr/>
-        <p:txBody>
-          <a:bodyPr>
-            <a:normAutofit/>
-          </a:bodyPr>
-          <a:lstStyle/>
-          <a:p>
-            <a:r>
-              <a:rPr lang="en-US" dirty="0"/>
-              <a:t>Scoring</a:t>
-            </a:r>
-          </a:p>
-        </p:txBody>
-      </p:sp>
-      <p:sp>
-        <p:nvSpPr>
-          <p:cNvPr id="3" name="Content Placeholder 2">
-            <a:extLst>
-              <a:ext uri="{FF2B5EF4-FFF2-40B4-BE49-F238E27FC236}">
-                <a16:creationId xmlns:a16="http://schemas.microsoft.com/office/drawing/2014/main" id="{CBF69D0C-1D87-205F-FF81-6BAAB3E0113D}"/>
-              </a:ext>
-            </a:extLst>
-          </p:cNvPr>
-          <p:cNvSpPr>
-            <a:spLocks noGrp="1"/>
-          </p:cNvSpPr>
-          <p:nvPr>
-            <p:ph sz="half" idx="1"/>
-          </p:nvPr>
-        </p:nvSpPr>
-        <p:spPr>
-          <a:xfrm>
-            <a:off x="457200" y="2063662"/>
-            <a:ext cx="11353800" cy="3544282"/>
-          </a:xfrm>
-        </p:spPr>
-        <p:txBody>
-          <a:bodyPr>
-            <a:normAutofit/>
-          </a:bodyPr>
-          <a:lstStyle/>
-          <a:p>
-            <a:r>
-              <a:rPr lang="en-US" sz="1900" b="1" kern="100" dirty="0">
-                <a:solidFill>
-                  <a:srgbClr val="FF0000"/>
-                </a:solidFill>
-                <a:latin typeface="Calibri" panose="020F0502020204030204" pitchFamily="34" charset="0"/>
-                <a:cs typeface="Times New Roman" panose="02020603050405020304" pitchFamily="18" charset="0"/>
-              </a:rPr>
-              <a:t>70 Total Possible Points (partial points allowed)</a:t>
-            </a:r>
-          </a:p>
-          <a:p>
-            <a:pPr marL="342900" indent="-342900">
-              <a:buFont typeface="Arial" panose="020B0604020202020204" pitchFamily="34" charset="0"/>
-              <a:buChar char="•"/>
-            </a:pPr>
-            <a:r>
-              <a:rPr lang="en-US" sz="1900" kern="100" dirty="0">
-                <a:latin typeface="Calibri" panose="020F0502020204030204" pitchFamily="34" charset="0"/>
-                <a:cs typeface="Times New Roman" panose="02020603050405020304" pitchFamily="18" charset="0"/>
-              </a:rPr>
-              <a:t>Outcome variable selection and relevance (10 points)</a:t>
-            </a:r>
-          </a:p>
-          <a:p>
-            <a:pPr marL="342900" indent="-342900">
-              <a:buFont typeface="Arial" panose="020B0604020202020204" pitchFamily="34" charset="0"/>
-              <a:buChar char="•"/>
-            </a:pPr>
-            <a:r>
-              <a:rPr lang="en-US" sz="1900" kern="100" dirty="0">
-                <a:latin typeface="Calibri" panose="020F0502020204030204" pitchFamily="34" charset="0"/>
-                <a:cs typeface="Times New Roman" panose="02020603050405020304" pitchFamily="18" charset="0"/>
-              </a:rPr>
-              <a:t>Model accuracy and results (10 points)</a:t>
-            </a:r>
-          </a:p>
-          <a:p>
-            <a:pPr marL="342900" indent="-342900">
-              <a:buFont typeface="Arial" panose="020B0604020202020204" pitchFamily="34" charset="0"/>
-              <a:buChar char="•"/>
-            </a:pPr>
-            <a:r>
-              <a:rPr lang="en-US" sz="1900" kern="100" dirty="0">
-                <a:latin typeface="Calibri" panose="020F0502020204030204" pitchFamily="34" charset="0"/>
-                <a:cs typeface="Times New Roman" panose="02020603050405020304" pitchFamily="18" charset="0"/>
-              </a:rPr>
-              <a:t>Analysis (10 points)</a:t>
-            </a:r>
-          </a:p>
-          <a:p>
-            <a:pPr marL="342900" indent="-342900">
-              <a:buFont typeface="Arial" panose="020B0604020202020204" pitchFamily="34" charset="0"/>
-              <a:buChar char="•"/>
-            </a:pPr>
-            <a:r>
-              <a:rPr lang="en-US" sz="1900" kern="100" dirty="0">
-                <a:latin typeface="Calibri" panose="020F0502020204030204" pitchFamily="34" charset="0"/>
-                <a:cs typeface="Times New Roman" panose="02020603050405020304" pitchFamily="18" charset="0"/>
-              </a:rPr>
-              <a:t>Effective use of graphics (10 points)</a:t>
-            </a:r>
-          </a:p>
-          <a:p>
-            <a:pPr marL="342900" indent="-342900">
-              <a:buFont typeface="Arial" panose="020B0604020202020204" pitchFamily="34" charset="0"/>
-              <a:buChar char="•"/>
-            </a:pPr>
-            <a:r>
-              <a:rPr lang="en-US" sz="1900" kern="100" dirty="0">
-                <a:latin typeface="Calibri" panose="020F0502020204030204" pitchFamily="34" charset="0"/>
-                <a:cs typeface="Times New Roman" panose="02020603050405020304" pitchFamily="18" charset="0"/>
-              </a:rPr>
-              <a:t>Presentation quality, spelling/grammar, organization, etc. (10 points)</a:t>
-            </a:r>
-          </a:p>
-          <a:p>
-            <a:pPr marL="342900" indent="-342900">
-              <a:buFont typeface="Arial" panose="020B0604020202020204" pitchFamily="34" charset="0"/>
-              <a:buChar char="•"/>
-            </a:pPr>
-            <a:r>
-              <a:rPr lang="en-US" sz="1900" kern="100" dirty="0">
-                <a:latin typeface="Calibri" panose="020F0502020204030204" pitchFamily="34" charset="0"/>
-                <a:cs typeface="Times New Roman" panose="02020603050405020304" pitchFamily="18" charset="0"/>
-              </a:rPr>
-              <a:t>Support of qualitative investigation (10 points)</a:t>
-            </a:r>
-          </a:p>
-          <a:p>
-            <a:pPr marL="342900" indent="-342900">
-              <a:buFont typeface="Arial" panose="020B0604020202020204" pitchFamily="34" charset="0"/>
-              <a:buChar char="•"/>
-            </a:pPr>
-            <a:r>
-              <a:rPr lang="en-US" sz="1900" kern="100" dirty="0">
-                <a:latin typeface="Calibri" panose="020F0502020204030204" pitchFamily="34" charset="0"/>
-                <a:cs typeface="Times New Roman" panose="02020603050405020304" pitchFamily="18" charset="0"/>
-              </a:rPr>
-              <a:t>Strength of intervention recommendations (10 points)</a:t>
-            </a:r>
-          </a:p>
-        </p:txBody>
-      </p:sp>
-      <p:sp>
-        <p:nvSpPr>
-          <p:cNvPr id="5" name="Subtitle 4">
-            <a:extLst>
-              <a:ext uri="{FF2B5EF4-FFF2-40B4-BE49-F238E27FC236}">
-                <a16:creationId xmlns:a16="http://schemas.microsoft.com/office/drawing/2014/main" id="{02FC6EA5-46EB-F460-D664-775F68FA9BE9}"/>
-              </a:ext>
-            </a:extLst>
-          </p:cNvPr>
-          <p:cNvSpPr>
-            <a:spLocks noGrp="1"/>
-          </p:cNvSpPr>
-          <p:nvPr>
-            <p:ph type="subTitle" idx="10"/>
-          </p:nvPr>
-        </p:nvSpPr>
-        <p:spPr/>
-        <p:txBody>
-          <a:bodyPr/>
-          <a:lstStyle/>
-          <a:p>
-            <a:r>
-              <a:rPr lang="en-US" dirty="0">
-                <a:solidFill>
-                  <a:schemeClr val="bg2">
-                    <a:lumMod val="50000"/>
-                  </a:schemeClr>
-                </a:solidFill>
-              </a:rPr>
-              <a:t>How will judges being scoring your presentation?</a:t>
-            </a:r>
-          </a:p>
-        </p:txBody>
-      </p:sp>
-      <p:cxnSp>
-        <p:nvCxnSpPr>
-          <p:cNvPr id="6" name="Straight Connector 5">
-            <a:extLst>
-              <a:ext uri="{FF2B5EF4-FFF2-40B4-BE49-F238E27FC236}">
-                <a16:creationId xmlns:a16="http://schemas.microsoft.com/office/drawing/2014/main" id="{7169B28C-7030-DCA1-4B1D-7E54D1942D32}"/>
-              </a:ext>
-            </a:extLst>
-          </p:cNvPr>
-          <p:cNvCxnSpPr>
-            <a:cxnSpLocks/>
-          </p:cNvCxnSpPr>
-          <p:nvPr/>
-        </p:nvCxnSpPr>
-        <p:spPr>
-          <a:xfrm>
-            <a:off x="457198" y="1800031"/>
-            <a:ext cx="11353802" cy="0"/>
-          </a:xfrm>
-          <a:prstGeom prst="line">
-            <a:avLst/>
-          </a:prstGeom>
-          <a:ln w="22225">
-            <a:solidFill>
-              <a:schemeClr val="bg2">
-                <a:lumMod val="50000"/>
-              </a:schemeClr>
-            </a:solidFill>
-          </a:ln>
-        </p:spPr>
-        <p:style>
-          <a:lnRef idx="1">
-            <a:schemeClr val="accent1"/>
-          </a:lnRef>
-          <a:fillRef idx="0">
-            <a:schemeClr val="accent1"/>
-          </a:fillRef>
-          <a:effectRef idx="0">
-            <a:schemeClr val="accent1"/>
-          </a:effectRef>
-          <a:fontRef idx="minor">
-            <a:schemeClr val="tx1"/>
-          </a:fontRef>
-        </p:style>
-      </p:cxnSp>
-    </p:spTree>
-    <p:extLst>
-      <p:ext uri="{BB962C8B-B14F-4D97-AF65-F5344CB8AC3E}">
-        <p14:creationId xmlns:p14="http://schemas.microsoft.com/office/powerpoint/2010/main" val="935896376"/>
-      </p:ext>
-    </p:extLst>
-  </p:cSld>
-  <p:clrMapOvr>
-    <a:masterClrMapping/>
-  </p:clrMapOvr>
-</p:sld>
-</file>
-
-<file path=ppt/slides/slide9.xml><?xml version="1.0" encoding="utf-8"?>
-<p:sld xmlns:a="http://schemas.openxmlformats.org/drawingml/2006/main" xmlns:r="http://schemas.openxmlformats.org/officeDocument/2006/relationships" xmlns:p="http://schemas.openxmlformats.org/presentationml/2006/main">
-  <p:cSld>
-    <p:spTree>
-      <p:nvGrpSpPr>
-        <p:cNvPr id="1" name=""/>
-        <p:cNvGrpSpPr/>
-        <p:nvPr/>
-      </p:nvGrpSpPr>
-      <p:grpSpPr>
-        <a:xfrm>
-          <a:off x="0" y="0"/>
-          <a:ext cx="0" cy="0"/>
-          <a:chOff x="0" y="0"/>
-          <a:chExt cx="0" cy="0"/>
-        </a:xfrm>
-      </p:grpSpPr>
-      <p:sp>
-        <p:nvSpPr>
-          <p:cNvPr id="2" name="Title 1">
-            <a:extLst>
-              <a:ext uri="{FF2B5EF4-FFF2-40B4-BE49-F238E27FC236}">
-                <a16:creationId xmlns:a16="http://schemas.microsoft.com/office/drawing/2014/main" id="{027B3D95-F6C5-80B0-A17A-F0896639DEA1}"/>
-              </a:ext>
-            </a:extLst>
-          </p:cNvPr>
-          <p:cNvSpPr>
-            <a:spLocks noGrp="1"/>
-          </p:cNvSpPr>
-          <p:nvPr>
-            <p:ph type="title"/>
-          </p:nvPr>
-        </p:nvSpPr>
-        <p:spPr/>
-        <p:txBody>
-          <a:bodyPr>
-            <a:normAutofit/>
-          </a:bodyPr>
-          <a:lstStyle/>
-          <a:p>
-            <a:r>
-              <a:rPr lang="en-US" dirty="0"/>
-              <a:t>Questions?</a:t>
-            </a:r>
-          </a:p>
-        </p:txBody>
-      </p:sp>
-      <p:sp>
-        <p:nvSpPr>
-          <p:cNvPr id="3" name="Content Placeholder 2">
-            <a:extLst>
-              <a:ext uri="{FF2B5EF4-FFF2-40B4-BE49-F238E27FC236}">
-                <a16:creationId xmlns:a16="http://schemas.microsoft.com/office/drawing/2014/main" id="{CBF69D0C-1D87-205F-FF81-6BAAB3E0113D}"/>
-              </a:ext>
-            </a:extLst>
-          </p:cNvPr>
-          <p:cNvSpPr>
-            <a:spLocks noGrp="1"/>
-          </p:cNvSpPr>
-          <p:nvPr>
-            <p:ph sz="half" idx="1"/>
-          </p:nvPr>
-        </p:nvSpPr>
-        <p:spPr>
-          <a:xfrm>
-            <a:off x="457200" y="2063662"/>
-            <a:ext cx="11353800" cy="3544282"/>
-          </a:xfrm>
-        </p:spPr>
-        <p:txBody>
-          <a:bodyPr>
-            <a:normAutofit/>
-          </a:bodyPr>
-          <a:lstStyle/>
-          <a:p>
-            <a:pPr marL="342900" indent="-342900">
-              <a:buFont typeface="Arial" panose="020B0604020202020204" pitchFamily="34" charset="0"/>
-              <a:buChar char="•"/>
-            </a:pPr>
-            <a:r>
-              <a:rPr lang="en-US" sz="1900" dirty="0">
-                <a:latin typeface="Calibri" panose="020F0502020204030204" pitchFamily="34" charset="0"/>
-                <a:cs typeface="Calibri" panose="020F0502020204030204" pitchFamily="34" charset="0"/>
-              </a:rPr>
-              <a:t>Questions about:</a:t>
-            </a:r>
-          </a:p>
-          <a:p>
-            <a:pPr marL="342900" indent="-342900"/>
-            <a:endParaRPr lang="en-US" sz="1400" dirty="0">
-              <a:latin typeface="Calibri" panose="020F0502020204030204" pitchFamily="34" charset="0"/>
-              <a:cs typeface="Calibri" panose="020F0502020204030204" pitchFamily="34" charset="0"/>
-            </a:endParaRPr>
-          </a:p>
-        </p:txBody>
-      </p:sp>
-      <p:sp>
-        <p:nvSpPr>
-          <p:cNvPr id="5" name="Subtitle 4">
-            <a:extLst>
-              <a:ext uri="{FF2B5EF4-FFF2-40B4-BE49-F238E27FC236}">
-                <a16:creationId xmlns:a16="http://schemas.microsoft.com/office/drawing/2014/main" id="{02FC6EA5-46EB-F460-D664-775F68FA9BE9}"/>
-              </a:ext>
-            </a:extLst>
-          </p:cNvPr>
-          <p:cNvSpPr>
-            <a:spLocks noGrp="1"/>
-          </p:cNvSpPr>
-          <p:nvPr>
-            <p:ph type="subTitle" idx="10"/>
-          </p:nvPr>
-        </p:nvSpPr>
-        <p:spPr/>
-        <p:txBody>
-          <a:bodyPr/>
-          <a:lstStyle/>
-          <a:p>
-            <a:r>
-              <a:rPr lang="en-US" dirty="0"/>
-              <a:t>Ask them now or never!</a:t>
-            </a:r>
-            <a:endParaRPr lang="en-US" dirty="0">
-              <a:solidFill>
-                <a:schemeClr val="bg2">
-                  <a:lumMod val="50000"/>
-                </a:schemeClr>
-              </a:solidFill>
-            </a:endParaRPr>
-          </a:p>
-          <a:p>
-            <a:endParaRPr lang="en-US" dirty="0">
-              <a:solidFill>
-                <a:schemeClr val="bg2">
-                  <a:lumMod val="50000"/>
-                </a:schemeClr>
-              </a:solidFill>
-            </a:endParaRPr>
-          </a:p>
-        </p:txBody>
-      </p:sp>
-      <p:cxnSp>
-        <p:nvCxnSpPr>
-          <p:cNvPr id="6" name="Straight Connector 5">
-            <a:extLst>
-              <a:ext uri="{FF2B5EF4-FFF2-40B4-BE49-F238E27FC236}">
-                <a16:creationId xmlns:a16="http://schemas.microsoft.com/office/drawing/2014/main" id="{7169B28C-7030-DCA1-4B1D-7E54D1942D32}"/>
-              </a:ext>
-            </a:extLst>
-          </p:cNvPr>
-          <p:cNvCxnSpPr>
-            <a:cxnSpLocks/>
-          </p:cNvCxnSpPr>
-          <p:nvPr/>
-        </p:nvCxnSpPr>
-        <p:spPr>
-          <a:xfrm>
-            <a:off x="457198" y="1800031"/>
-            <a:ext cx="11353802" cy="0"/>
-          </a:xfrm>
-          <a:prstGeom prst="line">
-            <a:avLst/>
-          </a:prstGeom>
-          <a:ln w="22225">
-            <a:solidFill>
-              <a:schemeClr val="bg2">
-                <a:lumMod val="50000"/>
-              </a:schemeClr>
-            </a:solidFill>
-          </a:ln>
-        </p:spPr>
-        <p:style>
-          <a:lnRef idx="1">
-            <a:schemeClr val="accent1"/>
-          </a:lnRef>
-          <a:fillRef idx="0">
-            <a:schemeClr val="accent1"/>
-          </a:fillRef>
-          <a:effectRef idx="0">
-            <a:schemeClr val="accent1"/>
-          </a:effectRef>
-          <a:fontRef idx="minor">
-            <a:schemeClr val="tx1"/>
-          </a:fontRef>
-        </p:style>
-      </p:cxnSp>
-    </p:spTree>
-    <p:extLst>
-      <p:ext uri="{BB962C8B-B14F-4D97-AF65-F5344CB8AC3E}">
-        <p14:creationId xmlns:p14="http://schemas.microsoft.com/office/powerpoint/2010/main" val="1713393765"/>
       </p:ext>
     </p:extLst>
   </p:cSld>
@@ -17094,15 +20858,6 @@
 </file>
 
 <file path=customXml/item1.xml><?xml version="1.0" encoding="utf-8"?>
-<?mso-contentType ?>
-<FormTemplates xmlns="http://schemas.microsoft.com/sharepoint/v3/contenttype/forms">
-  <Display>DocumentLibraryForm</Display>
-  <Edit>DocumentLibraryForm</Edit>
-  <New>DocumentLibraryForm</New>
-</FormTemplates>
-</file>
-
-<file path=customXml/item2.xml><?xml version="1.0" encoding="utf-8"?>
 <p:properties xmlns:p="http://schemas.microsoft.com/office/2006/metadata/properties" xmlns:xsi="http://www.w3.org/2001/XMLSchema-instance" xmlns:pc="http://schemas.microsoft.com/office/infopath/2007/PartnerControls">
   <documentManagement>
     <TaxCatchAll xmlns="4e822213-79e0-466b-8a07-6ccb94f3e524" xsi:nil="true"/>
@@ -17111,6 +20866,15 @@
     </lcf76f155ced4ddcb4097134ff3c332f>
   </documentManagement>
 </p:properties>
+</file>
+
+<file path=customXml/item2.xml><?xml version="1.0" encoding="utf-8"?>
+<?mso-contentType ?>
+<FormTemplates xmlns="http://schemas.microsoft.com/sharepoint/v3/contenttype/forms">
+  <Display>DocumentLibraryForm</Display>
+  <Edit>DocumentLibraryForm</Edit>
+  <New>DocumentLibraryForm</New>
+</FormTemplates>
 </file>
 
 <file path=customXml/item3.xml><?xml version="1.0" encoding="utf-8"?>
@@ -17363,20 +21127,20 @@
 </file>
 
 <file path=customXml/itemProps1.xml><?xml version="1.0" encoding="utf-8"?>
-<ds:datastoreItem xmlns:ds="http://schemas.openxmlformats.org/officeDocument/2006/customXml" ds:itemID="{E6694EB8-9EA8-4394-810E-1922C688FF28}">
-  <ds:schemaRefs>
-    <ds:schemaRef ds:uri="http://schemas.microsoft.com/sharepoint/v3/contenttype/forms"/>
-  </ds:schemaRefs>
-</ds:datastoreItem>
-</file>
-
-<file path=customXml/itemProps2.xml><?xml version="1.0" encoding="utf-8"?>
 <ds:datastoreItem xmlns:ds="http://schemas.openxmlformats.org/officeDocument/2006/customXml" ds:itemID="{78A43361-620C-4CCB-B484-1D8E4E48F4D1}">
   <ds:schemaRefs>
     <ds:schemaRef ds:uri="http://schemas.microsoft.com/office/2006/metadata/properties"/>
     <ds:schemaRef ds:uri="http://schemas.microsoft.com/office/infopath/2007/PartnerControls"/>
     <ds:schemaRef ds:uri="4e822213-79e0-466b-8a07-6ccb94f3e524"/>
     <ds:schemaRef ds:uri="8f59010d-bfae-4690-b442-17aac1929a53"/>
+  </ds:schemaRefs>
+</ds:datastoreItem>
+</file>
+
+<file path=customXml/itemProps2.xml><?xml version="1.0" encoding="utf-8"?>
+<ds:datastoreItem xmlns:ds="http://schemas.openxmlformats.org/officeDocument/2006/customXml" ds:itemID="{E6694EB8-9EA8-4394-810E-1922C688FF28}">
+  <ds:schemaRefs>
+    <ds:schemaRef ds:uri="http://schemas.microsoft.com/sharepoint/v3/contenttype/forms"/>
   </ds:schemaRefs>
 </ds:datastoreItem>
 </file>
